--- a/GroupProject2/presentation 2.pptx
+++ b/GroupProject2/presentation 2.pptx
@@ -2,11 +2,17 @@
 <file path=ppt/presentation.xml><?xml version="1.0" encoding="utf-8"?>
 <p:presentation xmlns:a="http://schemas.openxmlformats.org/drawingml/2006/main" xmlns:r="http://schemas.openxmlformats.org/officeDocument/2006/relationships" xmlns:p="http://schemas.openxmlformats.org/presentationml/2006/main" saveSubsetFonts="1">
   <p:sldMasterIdLst>
-    <p:sldMasterId id="2147483760" r:id="rId1"/>
+    <p:sldMasterId id="2147483957" r:id="rId4"/>
   </p:sldMasterIdLst>
   <p:sldIdLst>
-    <p:sldId id="256" r:id="rId2"/>
-    <p:sldId id="257" r:id="rId3"/>
+    <p:sldId id="256" r:id="rId5"/>
+    <p:sldId id="257" r:id="rId6"/>
+    <p:sldId id="258" r:id="rId7"/>
+    <p:sldId id="259" r:id="rId8"/>
+    <p:sldId id="266" r:id="rId9"/>
+    <p:sldId id="265" r:id="rId10"/>
+    <p:sldId id="260" r:id="rId11"/>
+    <p:sldId id="261" r:id="rId12"/>
   </p:sldIdLst>
   <p:sldSz cx="12192000" cy="6858000"/>
   <p:notesSz cx="6858000" cy="9144000"/>
@@ -105,11 +111,29 @@
       </a:defRPr>
     </a:lvl9pPr>
   </p:defaultTextStyle>
+  <p:extLst>
+    <p:ext uri="{EFAFB233-063F-42B5-8137-9DF3F51BA10A}">
+      <p15:sldGuideLst xmlns:p15="http://schemas.microsoft.com/office/powerpoint/2012/main"/>
+    </p:ext>
+  </p:extLst>
 </p:presentation>
 </file>
 
+<file path=ppt/revisionInfo.xml><?xml version="1.0" encoding="utf-8"?>
+<p1510:revInfo xmlns:a="http://schemas.openxmlformats.org/drawingml/2006/main" xmlns:r="http://schemas.openxmlformats.org/officeDocument/2006/relationships" xmlns:p1510="http://schemas.microsoft.com/office/powerpoint/2015/10/main">
+  <p1510:revLst>
+    <p1510:client id="{64C15B24-2723-1A0C-473C-13567615D619}" v="444" dt="2023-11-01T01:36:16.964"/>
+    <p1510:client id="{8454D5DD-F842-4C72-9236-38AB1FA516E4}" v="2" dt="2023-11-01T20:57:24.598"/>
+    <p1510:client id="{876CE17E-3AA2-1A4C-57F8-C251878C18B8}" v="61" dt="2023-11-01T20:25:03.872"/>
+    <p1510:client id="{979BFCDF-865F-9C35-A5AE-1F50717DC5D0}" v="1" dt="2023-11-01T01:23:37.206"/>
+    <p1510:client id="{E854F388-DF45-4B69-9B3E-47E34D9123F8}" v="101" vWet="103" dt="2023-11-01T20:23:53.743"/>
+    <p1510:client id="{F3C0397B-392D-7F2B-D4D3-393E29533C1C}" v="3" dt="2023-11-01T01:12:47.484"/>
+  </p1510:revLst>
+</p1510:revInfo>
+</file>
+
 <file path=ppt/slideLayouts/slideLayout1.xml><?xml version="1.0" encoding="utf-8"?>
-<p:sldLayout xmlns:a="http://schemas.openxmlformats.org/drawingml/2006/main" xmlns:r="http://schemas.openxmlformats.org/officeDocument/2006/relationships" xmlns:p="http://schemas.openxmlformats.org/presentationml/2006/main" showMasterSp="0" type="title" preserve="1">
+<p:sldLayout xmlns:a="http://schemas.openxmlformats.org/drawingml/2006/main" xmlns:r="http://schemas.openxmlformats.org/officeDocument/2006/relationships" xmlns:p="http://schemas.openxmlformats.org/presentationml/2006/main" type="title" preserve="1">
   <p:cSld name="Title Slide">
     <p:spTree>
       <p:nvGrpSpPr>
@@ -127,153 +151,89 @@
       </p:grpSpPr>
       <p:sp>
         <p:nvSpPr>
-          <p:cNvPr id="10" name="Rectangle 9">
-            <a:extLst>
-              <a:ext uri="{FF2B5EF4-FFF2-40B4-BE49-F238E27FC236}">
-                <a16:creationId xmlns:a16="http://schemas.microsoft.com/office/drawing/2014/main" id="{39E3965E-AC41-4711-9D10-E25ABB132D86}"/>
-              </a:ext>
-            </a:extLst>
-          </p:cNvPr>
-          <p:cNvSpPr/>
-          <p:nvPr/>
+          <p:cNvPr id="2" name="Title 1"/>
+          <p:cNvSpPr>
+            <a:spLocks noGrp="1"/>
+          </p:cNvSpPr>
+          <p:nvPr>
+            <p:ph type="ctrTitle"/>
+          </p:nvPr>
         </p:nvSpPr>
         <p:spPr>
           <a:xfrm>
-            <a:off x="3175" y="6400800"/>
-            <a:ext cx="12188825" cy="457200"/>
+            <a:off x="1524000" y="1122363"/>
+            <a:ext cx="9144000" cy="2387600"/>
           </a:xfrm>
-          <a:prstGeom prst="rect">
-            <a:avLst/>
-          </a:prstGeom>
-          <a:solidFill>
-            <a:srgbClr val="262626"/>
-          </a:solidFill>
-          <a:ln>
-            <a:noFill/>
-          </a:ln>
         </p:spPr>
-        <p:style>
-          <a:lnRef idx="2">
-            <a:schemeClr val="accent1">
-              <a:shade val="50000"/>
-            </a:schemeClr>
-          </a:lnRef>
-          <a:fillRef idx="1">
-            <a:schemeClr val="accent1"/>
-          </a:fillRef>
-          <a:effectRef idx="0">
-            <a:schemeClr val="accent1"/>
-          </a:effectRef>
-          <a:fontRef idx="minor">
-            <a:schemeClr val="lt1"/>
-          </a:fontRef>
-        </p:style>
-      </p:sp>
-      <p:sp>
-        <p:nvSpPr>
-          <p:cNvPr id="2" name="Title 1"/>
+        <p:txBody>
+          <a:bodyPr anchor="b"/>
+          <a:lstStyle>
+            <a:lvl1pPr algn="ctr">
+              <a:defRPr sz="6000"/>
+            </a:lvl1pPr>
+          </a:lstStyle>
+          <a:p>
+            <a:r>
+              <a:rPr lang="en-US"/>
+              <a:t>Click to edit Master title style</a:t>
+            </a:r>
+          </a:p>
+        </p:txBody>
+      </p:sp>
+      <p:sp>
+        <p:nvSpPr>
+          <p:cNvPr id="3" name="Subtitle 2"/>
           <p:cNvSpPr>
             <a:spLocks noGrp="1"/>
           </p:cNvSpPr>
           <p:nvPr>
-            <p:ph type="ctrTitle"/>
+            <p:ph type="subTitle" idx="1"/>
           </p:nvPr>
         </p:nvSpPr>
         <p:spPr>
           <a:xfrm>
-            <a:off x="1097280" y="758952"/>
-            <a:ext cx="10058400" cy="3566160"/>
+            <a:off x="1524000" y="3602038"/>
+            <a:ext cx="9144000" cy="1655762"/>
           </a:xfrm>
         </p:spPr>
         <p:txBody>
-          <a:bodyPr anchor="b">
-            <a:normAutofit/>
-          </a:bodyPr>
+          <a:bodyPr/>
           <a:lstStyle>
-            <a:lvl1pPr algn="l">
-              <a:lnSpc>
-                <a:spcPct val="90000"/>
-              </a:lnSpc>
-              <a:defRPr sz="8000" spc="-50" baseline="0">
-                <a:solidFill>
-                  <a:schemeClr val="tx1">
-                    <a:lumMod val="85000"/>
-                    <a:lumOff val="15000"/>
-                  </a:schemeClr>
-                </a:solidFill>
-              </a:defRPr>
-            </a:lvl1pPr>
-          </a:lstStyle>
-          <a:p>
-            <a:r>
-              <a:rPr lang="en-US"/>
-              <a:t>Click to edit Master title style</a:t>
-            </a:r>
-            <a:endParaRPr lang="en-US" dirty="0"/>
-          </a:p>
-        </p:txBody>
-      </p:sp>
-      <p:sp>
-        <p:nvSpPr>
-          <p:cNvPr id="3" name="Subtitle 2"/>
-          <p:cNvSpPr>
-            <a:spLocks noGrp="1"/>
-          </p:cNvSpPr>
-          <p:nvPr>
-            <p:ph type="subTitle" idx="1"/>
-          </p:nvPr>
-        </p:nvSpPr>
-        <p:spPr>
-          <a:xfrm>
-            <a:off x="1100051" y="4645152"/>
-            <a:ext cx="10058400" cy="1143000"/>
-          </a:xfrm>
-        </p:spPr>
-        <p:txBody>
-          <a:bodyPr lIns="91440" rIns="91440">
-            <a:normAutofit/>
-          </a:bodyPr>
-          <a:lstStyle>
-            <a:lvl1pPr marL="0" indent="0" algn="l">
+            <a:lvl1pPr marL="0" indent="0" algn="ctr">
               <a:buNone/>
-              <a:defRPr sz="2400" cap="all" spc="200" baseline="0">
-                <a:solidFill>
-                  <a:schemeClr val="tx1"/>
-                </a:solidFill>
-                <a:latin typeface="+mn-lt"/>
-              </a:defRPr>
+              <a:defRPr sz="2400"/>
             </a:lvl1pPr>
             <a:lvl2pPr marL="457200" indent="0" algn="ctr">
               <a:buNone/>
-              <a:defRPr sz="2400"/>
+              <a:defRPr sz="2000"/>
             </a:lvl2pPr>
             <a:lvl3pPr marL="914400" indent="0" algn="ctr">
               <a:buNone/>
-              <a:defRPr sz="2400"/>
+              <a:defRPr sz="1800"/>
             </a:lvl3pPr>
             <a:lvl4pPr marL="1371600" indent="0" algn="ctr">
               <a:buNone/>
-              <a:defRPr sz="2000"/>
+              <a:defRPr sz="1600"/>
             </a:lvl4pPr>
             <a:lvl5pPr marL="1828800" indent="0" algn="ctr">
               <a:buNone/>
-              <a:defRPr sz="2000"/>
+              <a:defRPr sz="1600"/>
             </a:lvl5pPr>
             <a:lvl6pPr marL="2286000" indent="0" algn="ctr">
               <a:buNone/>
-              <a:defRPr sz="2000"/>
+              <a:defRPr sz="1600"/>
             </a:lvl6pPr>
             <a:lvl7pPr marL="2743200" indent="0" algn="ctr">
               <a:buNone/>
-              <a:defRPr sz="2000"/>
+              <a:defRPr sz="1600"/>
             </a:lvl7pPr>
             <a:lvl8pPr marL="3200400" indent="0" algn="ctr">
               <a:buNone/>
-              <a:defRPr sz="2000"/>
+              <a:defRPr sz="1600"/>
             </a:lvl8pPr>
             <a:lvl9pPr marL="3657600" indent="0" algn="ctr">
               <a:buNone/>
-              <a:defRPr sz="2000"/>
+              <a:defRPr sz="1600"/>
             </a:lvl9pPr>
           </a:lstStyle>
           <a:p>
@@ -281,63 +241,12 @@
               <a:rPr lang="en-US"/>
               <a:t>Click to edit Master subtitle style</a:t>
             </a:r>
-            <a:endParaRPr lang="en-US" dirty="0"/>
-          </a:p>
-        </p:txBody>
-      </p:sp>
-      <p:cxnSp>
-        <p:nvCxnSpPr>
-          <p:cNvPr id="9" name="Straight Connector 8">
-            <a:extLst>
-              <a:ext uri="{FF2B5EF4-FFF2-40B4-BE49-F238E27FC236}">
-                <a16:creationId xmlns:a16="http://schemas.microsoft.com/office/drawing/2014/main" id="{1F5DC8C3-BA5F-4EED-BB9A-A14272BD82A1}"/>
-              </a:ext>
-            </a:extLst>
-          </p:cNvPr>
-          <p:cNvCxnSpPr/>
-          <p:nvPr/>
-        </p:nvCxnSpPr>
-        <p:spPr>
-          <a:xfrm>
-            <a:off x="1207658" y="4474741"/>
-            <a:ext cx="9875520" cy="0"/>
-          </a:xfrm>
-          <a:prstGeom prst="line">
-            <a:avLst/>
-          </a:prstGeom>
-          <a:ln w="12700">
-            <a:solidFill>
-              <a:schemeClr val="tx1">
-                <a:lumMod val="75000"/>
-                <a:lumOff val="25000"/>
-              </a:schemeClr>
-            </a:solidFill>
-          </a:ln>
-        </p:spPr>
-        <p:style>
-          <a:lnRef idx="1">
-            <a:schemeClr val="accent1"/>
-          </a:lnRef>
-          <a:fillRef idx="0">
-            <a:schemeClr val="accent1"/>
-          </a:fillRef>
-          <a:effectRef idx="0">
-            <a:schemeClr val="accent1"/>
-          </a:effectRef>
-          <a:fontRef idx="minor">
-            <a:schemeClr val="tx1"/>
-          </a:fontRef>
-        </p:style>
-      </p:cxnSp>
-      <p:sp>
-        <p:nvSpPr>
-          <p:cNvPr id="4" name="Date Placeholder 3">
-            <a:extLst>
-              <a:ext uri="{FF2B5EF4-FFF2-40B4-BE49-F238E27FC236}">
-                <a16:creationId xmlns:a16="http://schemas.microsoft.com/office/drawing/2014/main" id="{9925CCF1-92C0-4AF3-BFAF-4921631915AB}"/>
-              </a:ext>
-            </a:extLst>
-          </p:cNvPr>
+          </a:p>
+        </p:txBody>
+      </p:sp>
+      <p:sp>
+        <p:nvSpPr>
+          <p:cNvPr id="4" name="Date Placeholder 3"/>
           <p:cNvSpPr>
             <a:spLocks noGrp="1"/>
           </p:cNvSpPr>
@@ -352,21 +261,15 @@
           <a:p>
             <a:fld id="{9184DA70-C731-4C70-880D-CCD4705E623C}" type="datetime1">
               <a:rPr lang="en-US" smtClean="0"/>
-              <a:t>10/31/2023</a:t>
+              <a:t>11/1/2023</a:t>
             </a:fld>
-            <a:endParaRPr lang="en-US" dirty="0"/>
-          </a:p>
-        </p:txBody>
-      </p:sp>
-      <p:sp>
-        <p:nvSpPr>
-          <p:cNvPr id="5" name="Footer Placeholder 4">
-            <a:extLst>
-              <a:ext uri="{FF2B5EF4-FFF2-40B4-BE49-F238E27FC236}">
-                <a16:creationId xmlns:a16="http://schemas.microsoft.com/office/drawing/2014/main" id="{051A78A9-3DFF-4937-A9F2-5D8CF495F367}"/>
-              </a:ext>
-            </a:extLst>
-          </p:cNvPr>
+            <a:endParaRPr lang="en-US"/>
+          </a:p>
+        </p:txBody>
+      </p:sp>
+      <p:sp>
+        <p:nvSpPr>
+          <p:cNvPr id="5" name="Footer Placeholder 4"/>
           <p:cNvSpPr>
             <a:spLocks noGrp="1"/>
           </p:cNvSpPr>
@@ -379,19 +282,13 @@
           <a:bodyPr/>
           <a:lstStyle/>
           <a:p>
-            <a:endParaRPr lang="en-US" dirty="0"/>
-          </a:p>
-        </p:txBody>
-      </p:sp>
-      <p:sp>
-        <p:nvSpPr>
-          <p:cNvPr id="6" name="Slide Number Placeholder 5">
-            <a:extLst>
-              <a:ext uri="{FF2B5EF4-FFF2-40B4-BE49-F238E27FC236}">
-                <a16:creationId xmlns:a16="http://schemas.microsoft.com/office/drawing/2014/main" id="{5FAEB271-5CC0-4759-BC6E-8BE53AB227C0}"/>
-              </a:ext>
-            </a:extLst>
-          </p:cNvPr>
+            <a:endParaRPr lang="en-US"/>
+          </a:p>
+        </p:txBody>
+      </p:sp>
+      <p:sp>
+        <p:nvSpPr>
+          <p:cNvPr id="6" name="Slide Number Placeholder 5"/>
           <p:cNvSpPr>
             <a:spLocks noGrp="1"/>
           </p:cNvSpPr>
@@ -408,14 +305,14 @@
               <a:rPr lang="en-US" smtClean="0"/>
               <a:t>‹#›</a:t>
             </a:fld>
-            <a:endParaRPr lang="en-US" dirty="0"/>
+            <a:endParaRPr lang="en-US"/>
           </a:p>
         </p:txBody>
       </p:sp>
     </p:spTree>
     <p:extLst>
       <p:ext uri="{BB962C8B-B14F-4D97-AF65-F5344CB8AC3E}">
-        <p14:creationId xmlns:p14="http://schemas.microsoft.com/office/powerpoint/2010/main" val="777521439"/>
+        <p14:creationId xmlns:p14="http://schemas.microsoft.com/office/powerpoint/2010/main" val="1215930721"/>
       </p:ext>
     </p:extLst>
   </p:cSld>
@@ -461,7 +358,6 @@
               <a:rPr lang="en-US"/>
               <a:t>Click to edit Master title style</a:t>
             </a:r>
-            <a:endParaRPr lang="en-US" dirty="0"/>
           </a:p>
         </p:txBody>
       </p:sp>
@@ -477,7 +373,7 @@
         </p:nvSpPr>
         <p:spPr/>
         <p:txBody>
-          <a:bodyPr vert="eaVert" lIns="45720" tIns="0" rIns="45720" bIns="0"/>
+          <a:bodyPr vert="eaVert"/>
           <a:lstStyle/>
           <a:p>
             <a:pPr lvl="0"/>
@@ -513,19 +409,12 @@
               <a:rPr lang="en-US"/>
               <a:t>Fifth level</a:t>
             </a:r>
-            <a:endParaRPr lang="en-US" dirty="0"/>
-          </a:p>
-        </p:txBody>
-      </p:sp>
-      <p:sp>
-        <p:nvSpPr>
-          <p:cNvPr id="7" name="Date Placeholder 6">
-            <a:extLst>
-              <a:ext uri="{FF2B5EF4-FFF2-40B4-BE49-F238E27FC236}">
-                <a16:creationId xmlns:a16="http://schemas.microsoft.com/office/drawing/2014/main" id="{7D5506EE-1026-4F35-9ACC-BD05BE0F9B36}"/>
-              </a:ext>
-            </a:extLst>
-          </p:cNvPr>
+          </a:p>
+        </p:txBody>
+      </p:sp>
+      <p:sp>
+        <p:nvSpPr>
+          <p:cNvPr id="4" name="Date Placeholder 3"/>
           <p:cNvSpPr>
             <a:spLocks noGrp="1"/>
           </p:cNvSpPr>
@@ -540,21 +429,15 @@
           <a:p>
             <a:fld id="{B612A279-0833-481D-8C56-F67FD0AC6C50}" type="datetime1">
               <a:rPr lang="en-US" smtClean="0"/>
-              <a:t>10/31/2023</a:t>
+              <a:t>11/1/2023</a:t>
             </a:fld>
-            <a:endParaRPr lang="en-US" dirty="0"/>
-          </a:p>
-        </p:txBody>
-      </p:sp>
-      <p:sp>
-        <p:nvSpPr>
-          <p:cNvPr id="8" name="Footer Placeholder 7">
-            <a:extLst>
-              <a:ext uri="{FF2B5EF4-FFF2-40B4-BE49-F238E27FC236}">
-                <a16:creationId xmlns:a16="http://schemas.microsoft.com/office/drawing/2014/main" id="{B7696E5F-8D95-4450-AE52-5438E6EDE2BF}"/>
-              </a:ext>
-            </a:extLst>
-          </p:cNvPr>
+            <a:endParaRPr lang="en-US"/>
+          </a:p>
+        </p:txBody>
+      </p:sp>
+      <p:sp>
+        <p:nvSpPr>
+          <p:cNvPr id="5" name="Footer Placeholder 4"/>
           <p:cNvSpPr>
             <a:spLocks noGrp="1"/>
           </p:cNvSpPr>
@@ -567,19 +450,13 @@
           <a:bodyPr/>
           <a:lstStyle/>
           <a:p>
-            <a:endParaRPr lang="en-US" dirty="0"/>
-          </a:p>
-        </p:txBody>
-      </p:sp>
-      <p:sp>
-        <p:nvSpPr>
-          <p:cNvPr id="9" name="Slide Number Placeholder 8">
-            <a:extLst>
-              <a:ext uri="{FF2B5EF4-FFF2-40B4-BE49-F238E27FC236}">
-                <a16:creationId xmlns:a16="http://schemas.microsoft.com/office/drawing/2014/main" id="{999B2253-74CC-409E-BEB0-F8EFCFCB5629}"/>
-              </a:ext>
-            </a:extLst>
-          </p:cNvPr>
+            <a:endParaRPr lang="en-US"/>
+          </a:p>
+        </p:txBody>
+      </p:sp>
+      <p:sp>
+        <p:nvSpPr>
+          <p:cNvPr id="6" name="Slide Number Placeholder 5"/>
           <p:cNvSpPr>
             <a:spLocks noGrp="1"/>
           </p:cNvSpPr>
@@ -596,14 +473,14 @@
               <a:rPr lang="en-US" smtClean="0"/>
               <a:t>‹#›</a:t>
             </a:fld>
-            <a:endParaRPr lang="en-US" dirty="0"/>
+            <a:endParaRPr lang="en-US"/>
           </a:p>
         </p:txBody>
       </p:sp>
     </p:spTree>
     <p:extLst>
       <p:ext uri="{BB962C8B-B14F-4D97-AF65-F5344CB8AC3E}">
-        <p14:creationId xmlns:p14="http://schemas.microsoft.com/office/powerpoint/2010/main" val="511585548"/>
+        <p14:creationId xmlns:p14="http://schemas.microsoft.com/office/powerpoint/2010/main" val="3221927832"/>
       </p:ext>
     </p:extLst>
   </p:cSld>
@@ -614,7 +491,7 @@
 </file>
 
 <file path=ppt/slideLayouts/slideLayout11.xml><?xml version="1.0" encoding="utf-8"?>
-<p:sldLayout xmlns:a="http://schemas.openxmlformats.org/drawingml/2006/main" xmlns:r="http://schemas.openxmlformats.org/officeDocument/2006/relationships" xmlns:p="http://schemas.openxmlformats.org/presentationml/2006/main" showMasterSp="0" type="vertTitleAndTx" preserve="1">
+<p:sldLayout xmlns:a="http://schemas.openxmlformats.org/drawingml/2006/main" xmlns:r="http://schemas.openxmlformats.org/officeDocument/2006/relationships" xmlns:p="http://schemas.openxmlformats.org/presentationml/2006/main" type="vertTitleAndTx" preserve="1">
   <p:cSld name="Vertical Title and Text">
     <p:spTree>
       <p:nvGrpSpPr>
@@ -632,96 +509,51 @@
       </p:grpSpPr>
       <p:sp>
         <p:nvSpPr>
-          <p:cNvPr id="9" name="Rectangle 8">
-            <a:extLst>
-              <a:ext uri="{FF2B5EF4-FFF2-40B4-BE49-F238E27FC236}">
-                <a16:creationId xmlns:a16="http://schemas.microsoft.com/office/drawing/2014/main" id="{E1B68A5B-D9FA-424B-A4EB-30E7223836B3}"/>
-              </a:ext>
-            </a:extLst>
-          </p:cNvPr>
-          <p:cNvSpPr/>
-          <p:nvPr/>
+          <p:cNvPr id="2" name="Vertical Title 1"/>
+          <p:cNvSpPr>
+            <a:spLocks noGrp="1"/>
+          </p:cNvSpPr>
+          <p:nvPr>
+            <p:ph type="title" orient="vert"/>
+          </p:nvPr>
         </p:nvSpPr>
         <p:spPr>
           <a:xfrm>
-            <a:off x="3175" y="6400800"/>
-            <a:ext cx="12188825" cy="457200"/>
+            <a:off x="8724900" y="365125"/>
+            <a:ext cx="2628900" cy="5811838"/>
           </a:xfrm>
-          <a:prstGeom prst="rect">
-            <a:avLst/>
-          </a:prstGeom>
-          <a:solidFill>
-            <a:srgbClr val="262626"/>
-          </a:solidFill>
-          <a:ln>
-            <a:noFill/>
-          </a:ln>
         </p:spPr>
-        <p:style>
-          <a:lnRef idx="2">
-            <a:schemeClr val="accent1">
-              <a:shade val="50000"/>
-            </a:schemeClr>
-          </a:lnRef>
-          <a:fillRef idx="1">
-            <a:schemeClr val="accent1"/>
-          </a:fillRef>
-          <a:effectRef idx="0">
-            <a:schemeClr val="accent1"/>
-          </a:effectRef>
-          <a:fontRef idx="minor">
-            <a:schemeClr val="lt1"/>
-          </a:fontRef>
-        </p:style>
-      </p:sp>
-      <p:sp>
-        <p:nvSpPr>
-          <p:cNvPr id="2" name="Vertical Title 1"/>
+        <p:txBody>
+          <a:bodyPr vert="eaVert"/>
+          <a:lstStyle/>
+          <a:p>
+            <a:r>
+              <a:rPr lang="en-US"/>
+              <a:t>Click to edit Master title style</a:t>
+            </a:r>
+          </a:p>
+        </p:txBody>
+      </p:sp>
+      <p:sp>
+        <p:nvSpPr>
+          <p:cNvPr id="3" name="Vertical Text Placeholder 2"/>
           <p:cNvSpPr>
             <a:spLocks noGrp="1"/>
           </p:cNvSpPr>
           <p:nvPr>
-            <p:ph type="title" orient="vert"/>
+            <p:ph type="body" orient="vert" idx="1"/>
           </p:nvPr>
         </p:nvSpPr>
         <p:spPr>
           <a:xfrm>
-            <a:off x="8724900" y="412302"/>
-            <a:ext cx="2628900" cy="5759898"/>
+            <a:off x="838200" y="365125"/>
+            <a:ext cx="7734300" cy="5811838"/>
           </a:xfrm>
         </p:spPr>
         <p:txBody>
           <a:bodyPr vert="eaVert"/>
           <a:lstStyle/>
           <a:p>
-            <a:r>
-              <a:rPr lang="en-US"/>
-              <a:t>Click to edit Master title style</a:t>
-            </a:r>
-            <a:endParaRPr lang="en-US" dirty="0"/>
-          </a:p>
-        </p:txBody>
-      </p:sp>
-      <p:sp>
-        <p:nvSpPr>
-          <p:cNvPr id="3" name="Vertical Text Placeholder 2"/>
-          <p:cNvSpPr>
-            <a:spLocks noGrp="1"/>
-          </p:cNvSpPr>
-          <p:nvPr>
-            <p:ph type="body" orient="vert" idx="1"/>
-          </p:nvPr>
-        </p:nvSpPr>
-        <p:spPr>
-          <a:xfrm>
-            <a:off x="838200" y="412302"/>
-            <a:ext cx="7734300" cy="5759898"/>
-          </a:xfrm>
-        </p:spPr>
-        <p:txBody>
-          <a:bodyPr vert="eaVert" lIns="45720" tIns="0" rIns="45720" bIns="0"/>
-          <a:lstStyle/>
-          <a:p>
             <a:pPr lvl="0"/>
             <a:r>
               <a:rPr lang="en-US"/>
@@ -755,19 +587,12 @@
               <a:rPr lang="en-US"/>
               <a:t>Fifth level</a:t>
             </a:r>
-            <a:endParaRPr lang="en-US" dirty="0"/>
-          </a:p>
-        </p:txBody>
-      </p:sp>
-      <p:sp>
-        <p:nvSpPr>
-          <p:cNvPr id="7" name="Date Placeholder 6">
-            <a:extLst>
-              <a:ext uri="{FF2B5EF4-FFF2-40B4-BE49-F238E27FC236}">
-                <a16:creationId xmlns:a16="http://schemas.microsoft.com/office/drawing/2014/main" id="{AF33D6B0-F070-45C4-A472-19F432BE3932}"/>
-              </a:ext>
-            </a:extLst>
-          </p:cNvPr>
+          </a:p>
+        </p:txBody>
+      </p:sp>
+      <p:sp>
+        <p:nvSpPr>
+          <p:cNvPr id="4" name="Date Placeholder 3"/>
           <p:cNvSpPr>
             <a:spLocks noGrp="1"/>
           </p:cNvSpPr>
@@ -782,21 +607,15 @@
           <a:p>
             <a:fld id="{6587DA83-5663-4C9C-B9AA-0B40A3DAFF81}" type="datetime1">
               <a:rPr lang="en-US" smtClean="0"/>
-              <a:t>10/31/2023</a:t>
+              <a:t>11/1/2023</a:t>
             </a:fld>
-            <a:endParaRPr lang="en-US" dirty="0"/>
-          </a:p>
-        </p:txBody>
-      </p:sp>
-      <p:sp>
-        <p:nvSpPr>
-          <p:cNvPr id="8" name="Footer Placeholder 7">
-            <a:extLst>
-              <a:ext uri="{FF2B5EF4-FFF2-40B4-BE49-F238E27FC236}">
-                <a16:creationId xmlns:a16="http://schemas.microsoft.com/office/drawing/2014/main" id="{9975399F-DAB2-410D-967F-ED17E6F796E7}"/>
-              </a:ext>
-            </a:extLst>
-          </p:cNvPr>
+            <a:endParaRPr lang="en-US"/>
+          </a:p>
+        </p:txBody>
+      </p:sp>
+      <p:sp>
+        <p:nvSpPr>
+          <p:cNvPr id="5" name="Footer Placeholder 4"/>
           <p:cNvSpPr>
             <a:spLocks noGrp="1"/>
           </p:cNvSpPr>
@@ -809,19 +628,13 @@
           <a:bodyPr/>
           <a:lstStyle/>
           <a:p>
-            <a:endParaRPr lang="en-US" dirty="0"/>
-          </a:p>
-        </p:txBody>
-      </p:sp>
-      <p:sp>
-        <p:nvSpPr>
-          <p:cNvPr id="10" name="Slide Number Placeholder 9">
-            <a:extLst>
-              <a:ext uri="{FF2B5EF4-FFF2-40B4-BE49-F238E27FC236}">
-                <a16:creationId xmlns:a16="http://schemas.microsoft.com/office/drawing/2014/main" id="{F762A46F-6BE5-4D12-9412-5CA7672EA8EC}"/>
-              </a:ext>
-            </a:extLst>
-          </p:cNvPr>
+            <a:endParaRPr lang="en-US"/>
+          </a:p>
+        </p:txBody>
+      </p:sp>
+      <p:sp>
+        <p:nvSpPr>
+          <p:cNvPr id="6" name="Slide Number Placeholder 5"/>
           <p:cNvSpPr>
             <a:spLocks noGrp="1"/>
           </p:cNvSpPr>
@@ -838,14 +651,14 @@
               <a:rPr lang="en-US" smtClean="0"/>
               <a:t>‹#›</a:t>
             </a:fld>
-            <a:endParaRPr lang="en-US" dirty="0"/>
+            <a:endParaRPr lang="en-US"/>
           </a:p>
         </p:txBody>
       </p:sp>
     </p:spTree>
     <p:extLst>
       <p:ext uri="{BB962C8B-B14F-4D97-AF65-F5344CB8AC3E}">
-        <p14:creationId xmlns:p14="http://schemas.microsoft.com/office/powerpoint/2010/main" val="3138837004"/>
+        <p14:creationId xmlns:p14="http://schemas.microsoft.com/office/powerpoint/2010/main" val="1148100142"/>
       </p:ext>
     </p:extLst>
   </p:cSld>
@@ -891,7 +704,6 @@
               <a:rPr lang="en-US"/>
               <a:t>Click to edit Master title style</a:t>
             </a:r>
-            <a:endParaRPr lang="en-US" dirty="0"/>
           </a:p>
         </p:txBody>
       </p:sp>
@@ -943,19 +755,12 @@
               <a:rPr lang="en-US"/>
               <a:t>Fifth level</a:t>
             </a:r>
-            <a:endParaRPr lang="en-US" dirty="0"/>
-          </a:p>
-        </p:txBody>
-      </p:sp>
-      <p:sp>
-        <p:nvSpPr>
-          <p:cNvPr id="7" name="Date Placeholder 6">
-            <a:extLst>
-              <a:ext uri="{FF2B5EF4-FFF2-40B4-BE49-F238E27FC236}">
-                <a16:creationId xmlns:a16="http://schemas.microsoft.com/office/drawing/2014/main" id="{354D8B55-9EA8-4B81-8E84-9B93B0A27559}"/>
-              </a:ext>
-            </a:extLst>
-          </p:cNvPr>
+          </a:p>
+        </p:txBody>
+      </p:sp>
+      <p:sp>
+        <p:nvSpPr>
+          <p:cNvPr id="4" name="Date Placeholder 3"/>
           <p:cNvSpPr>
             <a:spLocks noGrp="1"/>
           </p:cNvSpPr>
@@ -970,21 +775,15 @@
           <a:p>
             <a:fld id="{4BE1D723-8F53-4F53-90B0-1982A396982E}" type="datetime1">
               <a:rPr lang="en-US" smtClean="0"/>
-              <a:t>10/31/2023</a:t>
+              <a:t>11/1/2023</a:t>
             </a:fld>
-            <a:endParaRPr lang="en-US" dirty="0"/>
-          </a:p>
-        </p:txBody>
-      </p:sp>
-      <p:sp>
-        <p:nvSpPr>
-          <p:cNvPr id="8" name="Footer Placeholder 7">
-            <a:extLst>
-              <a:ext uri="{FF2B5EF4-FFF2-40B4-BE49-F238E27FC236}">
-                <a16:creationId xmlns:a16="http://schemas.microsoft.com/office/drawing/2014/main" id="{062CA021-2578-47CB-822C-BDDFF7223B28}"/>
-              </a:ext>
-            </a:extLst>
-          </p:cNvPr>
+            <a:endParaRPr lang="en-US"/>
+          </a:p>
+        </p:txBody>
+      </p:sp>
+      <p:sp>
+        <p:nvSpPr>
+          <p:cNvPr id="5" name="Footer Placeholder 4"/>
           <p:cNvSpPr>
             <a:spLocks noGrp="1"/>
           </p:cNvSpPr>
@@ -997,19 +796,13 @@
           <a:bodyPr/>
           <a:lstStyle/>
           <a:p>
-            <a:endParaRPr lang="en-US" dirty="0"/>
-          </a:p>
-        </p:txBody>
-      </p:sp>
-      <p:sp>
-        <p:nvSpPr>
-          <p:cNvPr id="9" name="Slide Number Placeholder 8">
-            <a:extLst>
-              <a:ext uri="{FF2B5EF4-FFF2-40B4-BE49-F238E27FC236}">
-                <a16:creationId xmlns:a16="http://schemas.microsoft.com/office/drawing/2014/main" id="{C4AAB51D-4141-4682-9375-DAFD5FB9DD10}"/>
-              </a:ext>
-            </a:extLst>
-          </p:cNvPr>
+            <a:endParaRPr lang="en-US"/>
+          </a:p>
+        </p:txBody>
+      </p:sp>
+      <p:sp>
+        <p:nvSpPr>
+          <p:cNvPr id="6" name="Slide Number Placeholder 5"/>
           <p:cNvSpPr>
             <a:spLocks noGrp="1"/>
           </p:cNvSpPr>
@@ -1026,14 +819,14 @@
               <a:rPr lang="en-US" smtClean="0"/>
               <a:t>‹#›</a:t>
             </a:fld>
-            <a:endParaRPr lang="en-US" dirty="0"/>
+            <a:endParaRPr lang="en-US"/>
           </a:p>
         </p:txBody>
       </p:sp>
     </p:spTree>
     <p:extLst>
       <p:ext uri="{BB962C8B-B14F-4D97-AF65-F5344CB8AC3E}">
-        <p14:creationId xmlns:p14="http://schemas.microsoft.com/office/powerpoint/2010/main" val="4244847657"/>
+        <p14:creationId xmlns:p14="http://schemas.microsoft.com/office/powerpoint/2010/main" val="2190408934"/>
       </p:ext>
     </p:extLst>
   </p:cSld>
@@ -1044,16 +837,8 @@
 </file>
 
 <file path=ppt/slideLayouts/slideLayout3.xml><?xml version="1.0" encoding="utf-8"?>
-<p:sldLayout xmlns:a="http://schemas.openxmlformats.org/drawingml/2006/main" xmlns:r="http://schemas.openxmlformats.org/officeDocument/2006/relationships" xmlns:p="http://schemas.openxmlformats.org/presentationml/2006/main" showMasterSp="0" type="secHead" preserve="1">
+<p:sldLayout xmlns:a="http://schemas.openxmlformats.org/drawingml/2006/main" xmlns:r="http://schemas.openxmlformats.org/officeDocument/2006/relationships" xmlns:p="http://schemas.openxmlformats.org/presentationml/2006/main" type="secHead" preserve="1">
   <p:cSld name="Section Header">
-    <p:bg>
-      <p:bgPr>
-        <a:solidFill>
-          <a:schemeClr val="bg1"/>
-        </a:solidFill>
-        <a:effectLst/>
-      </p:bgPr>
-    </p:bg>
     <p:spTree>
       <p:nvGrpSpPr>
         <p:cNvPr id="1" name=""/>
@@ -1070,125 +855,67 @@
       </p:grpSpPr>
       <p:sp>
         <p:nvSpPr>
-          <p:cNvPr id="10" name="Rectangle 9">
-            <a:extLst>
-              <a:ext uri="{FF2B5EF4-FFF2-40B4-BE49-F238E27FC236}">
-                <a16:creationId xmlns:a16="http://schemas.microsoft.com/office/drawing/2014/main" id="{A585C21A-8B93-4657-B5DF-7EAEAD3BE127}"/>
-              </a:ext>
-            </a:extLst>
-          </p:cNvPr>
-          <p:cNvSpPr/>
-          <p:nvPr/>
+          <p:cNvPr id="2" name="Title 1"/>
+          <p:cNvSpPr>
+            <a:spLocks noGrp="1"/>
+          </p:cNvSpPr>
+          <p:nvPr>
+            <p:ph type="title"/>
+          </p:nvPr>
         </p:nvSpPr>
         <p:spPr>
           <a:xfrm>
-            <a:off x="3175" y="6400800"/>
-            <a:ext cx="12188825" cy="457200"/>
+            <a:off x="831850" y="1709738"/>
+            <a:ext cx="10515600" cy="2852737"/>
           </a:xfrm>
-          <a:prstGeom prst="rect">
-            <a:avLst/>
-          </a:prstGeom>
-          <a:solidFill>
-            <a:srgbClr val="262626"/>
-          </a:solidFill>
-          <a:ln>
-            <a:noFill/>
-          </a:ln>
         </p:spPr>
-        <p:style>
-          <a:lnRef idx="2">
-            <a:schemeClr val="accent1">
-              <a:shade val="50000"/>
-            </a:schemeClr>
-          </a:lnRef>
-          <a:fillRef idx="1">
-            <a:schemeClr val="accent1"/>
-          </a:fillRef>
-          <a:effectRef idx="0">
-            <a:schemeClr val="accent1"/>
-          </a:effectRef>
-          <a:fontRef idx="minor">
-            <a:schemeClr val="lt1"/>
-          </a:fontRef>
-        </p:style>
-      </p:sp>
-      <p:sp>
-        <p:nvSpPr>
-          <p:cNvPr id="2" name="Title 1"/>
+        <p:txBody>
+          <a:bodyPr anchor="b"/>
+          <a:lstStyle>
+            <a:lvl1pPr>
+              <a:defRPr sz="6000"/>
+            </a:lvl1pPr>
+          </a:lstStyle>
+          <a:p>
+            <a:r>
+              <a:rPr lang="en-US"/>
+              <a:t>Click to edit Master title style</a:t>
+            </a:r>
+          </a:p>
+        </p:txBody>
+      </p:sp>
+      <p:sp>
+        <p:nvSpPr>
+          <p:cNvPr id="3" name="Text Placeholder 2"/>
           <p:cNvSpPr>
             <a:spLocks noGrp="1"/>
           </p:cNvSpPr>
           <p:nvPr>
-            <p:ph type="title"/>
+            <p:ph type="body" idx="1"/>
           </p:nvPr>
         </p:nvSpPr>
         <p:spPr>
           <a:xfrm>
-            <a:off x="1097280" y="758952"/>
-            <a:ext cx="10058400" cy="3566160"/>
+            <a:off x="831850" y="4589463"/>
+            <a:ext cx="10515600" cy="1500187"/>
           </a:xfrm>
         </p:spPr>
         <p:txBody>
-          <a:bodyPr anchor="b" anchorCtr="0">
-            <a:normAutofit/>
-          </a:bodyPr>
+          <a:bodyPr/>
           <a:lstStyle>
-            <a:lvl1pPr>
-              <a:lnSpc>
-                <a:spcPct val="90000"/>
-              </a:lnSpc>
-              <a:defRPr sz="8000" b="0">
+            <a:lvl1pPr marL="0" indent="0">
+              <a:buNone/>
+              <a:defRPr sz="2400">
                 <a:solidFill>
                   <a:schemeClr val="tx1">
-                    <a:lumMod val="85000"/>
-                    <a:lumOff val="15000"/>
+                    <a:tint val="75000"/>
                   </a:schemeClr>
                 </a:solidFill>
               </a:defRPr>
             </a:lvl1pPr>
-          </a:lstStyle>
-          <a:p>
-            <a:r>
-              <a:rPr lang="en-US"/>
-              <a:t>Click to edit Master title style</a:t>
-            </a:r>
-            <a:endParaRPr lang="en-US" dirty="0"/>
-          </a:p>
-        </p:txBody>
-      </p:sp>
-      <p:sp>
-        <p:nvSpPr>
-          <p:cNvPr id="3" name="Text Placeholder 2"/>
-          <p:cNvSpPr>
-            <a:spLocks noGrp="1"/>
-          </p:cNvSpPr>
-          <p:nvPr>
-            <p:ph type="body" idx="1"/>
-          </p:nvPr>
-        </p:nvSpPr>
-        <p:spPr>
-          <a:xfrm>
-            <a:off x="1097280" y="4663440"/>
-            <a:ext cx="10058400" cy="1143000"/>
-          </a:xfrm>
-        </p:spPr>
-        <p:txBody>
-          <a:bodyPr lIns="91440" rIns="91440" anchor="t" anchorCtr="0">
-            <a:normAutofit/>
-          </a:bodyPr>
-          <a:lstStyle>
-            <a:lvl1pPr marL="0" indent="0">
-              <a:buNone/>
-              <a:defRPr sz="2400" cap="all" spc="200" baseline="0">
-                <a:solidFill>
-                  <a:schemeClr val="tx1"/>
-                </a:solidFill>
-                <a:latin typeface="+mn-lt"/>
-              </a:defRPr>
-            </a:lvl1pPr>
             <a:lvl2pPr marL="457200" indent="0">
               <a:buNone/>
-              <a:defRPr sz="1800">
+              <a:defRPr sz="2000">
                 <a:solidFill>
                   <a:schemeClr val="tx1">
                     <a:tint val="75000"/>
@@ -1198,7 +925,7 @@
             </a:lvl2pPr>
             <a:lvl3pPr marL="914400" indent="0">
               <a:buNone/>
-              <a:defRPr sz="1600">
+              <a:defRPr sz="1800">
                 <a:solidFill>
                   <a:schemeClr val="tx1">
                     <a:tint val="75000"/>
@@ -1208,7 +935,7 @@
             </a:lvl3pPr>
             <a:lvl4pPr marL="1371600" indent="0">
               <a:buNone/>
-              <a:defRPr sz="1400">
+              <a:defRPr sz="1600">
                 <a:solidFill>
                   <a:schemeClr val="tx1">
                     <a:tint val="75000"/>
@@ -1218,7 +945,7 @@
             </a:lvl4pPr>
             <a:lvl5pPr marL="1828800" indent="0">
               <a:buNone/>
-              <a:defRPr sz="1400">
+              <a:defRPr sz="1600">
                 <a:solidFill>
                   <a:schemeClr val="tx1">
                     <a:tint val="75000"/>
@@ -1228,7 +955,7 @@
             </a:lvl5pPr>
             <a:lvl6pPr marL="2286000" indent="0">
               <a:buNone/>
-              <a:defRPr sz="1400">
+              <a:defRPr sz="1600">
                 <a:solidFill>
                   <a:schemeClr val="tx1">
                     <a:tint val="75000"/>
@@ -1238,7 +965,7 @@
             </a:lvl6pPr>
             <a:lvl7pPr marL="2743200" indent="0">
               <a:buNone/>
-              <a:defRPr sz="1400">
+              <a:defRPr sz="1600">
                 <a:solidFill>
                   <a:schemeClr val="tx1">
                     <a:tint val="75000"/>
@@ -1248,7 +975,7 @@
             </a:lvl7pPr>
             <a:lvl8pPr marL="3200400" indent="0">
               <a:buNone/>
-              <a:defRPr sz="1400">
+              <a:defRPr sz="1600">
                 <a:solidFill>
                   <a:schemeClr val="tx1">
                     <a:tint val="75000"/>
@@ -1258,7 +985,7 @@
             </a:lvl8pPr>
             <a:lvl9pPr marL="3657600" indent="0">
               <a:buNone/>
-              <a:defRPr sz="1400">
+              <a:defRPr sz="1600">
                 <a:solidFill>
                   <a:schemeClr val="tx1">
                     <a:tint val="75000"/>
@@ -1276,59 +1003,9 @@
           </a:p>
         </p:txBody>
       </p:sp>
-      <p:cxnSp>
-        <p:nvCxnSpPr>
-          <p:cNvPr id="9" name="Straight Connector 8">
-            <a:extLst>
-              <a:ext uri="{FF2B5EF4-FFF2-40B4-BE49-F238E27FC236}">
-                <a16:creationId xmlns:a16="http://schemas.microsoft.com/office/drawing/2014/main" id="{459DE2C1-4C52-40A3-8959-27B2C1BEBFF6}"/>
-              </a:ext>
-            </a:extLst>
-          </p:cNvPr>
-          <p:cNvCxnSpPr/>
-          <p:nvPr/>
-        </p:nvCxnSpPr>
-        <p:spPr>
-          <a:xfrm>
-            <a:off x="1207658" y="4485132"/>
-            <a:ext cx="9875520" cy="0"/>
-          </a:xfrm>
-          <a:prstGeom prst="line">
-            <a:avLst/>
-          </a:prstGeom>
-          <a:ln w="12700">
-            <a:solidFill>
-              <a:schemeClr val="tx1">
-                <a:lumMod val="75000"/>
-                <a:lumOff val="25000"/>
-              </a:schemeClr>
-            </a:solidFill>
-          </a:ln>
-        </p:spPr>
-        <p:style>
-          <a:lnRef idx="1">
-            <a:schemeClr val="accent1"/>
-          </a:lnRef>
-          <a:fillRef idx="0">
-            <a:schemeClr val="accent1"/>
-          </a:fillRef>
-          <a:effectRef idx="0">
-            <a:schemeClr val="accent1"/>
-          </a:effectRef>
-          <a:fontRef idx="minor">
-            <a:schemeClr val="tx1"/>
-          </a:fontRef>
-        </p:style>
-      </p:cxnSp>
-      <p:sp>
-        <p:nvSpPr>
-          <p:cNvPr id="7" name="Date Placeholder 6">
-            <a:extLst>
-              <a:ext uri="{FF2B5EF4-FFF2-40B4-BE49-F238E27FC236}">
-                <a16:creationId xmlns:a16="http://schemas.microsoft.com/office/drawing/2014/main" id="{AAF2E137-EC28-48F8-9198-1F02539029B6}"/>
-              </a:ext>
-            </a:extLst>
-          </p:cNvPr>
+      <p:sp>
+        <p:nvSpPr>
+          <p:cNvPr id="4" name="Date Placeholder 3"/>
           <p:cNvSpPr>
             <a:spLocks noGrp="1"/>
           </p:cNvSpPr>
@@ -1343,21 +1020,15 @@
           <a:p>
             <a:fld id="{97669AF7-7BEB-44E4-9852-375E34362B5B}" type="datetime1">
               <a:rPr lang="en-US" smtClean="0"/>
-              <a:t>10/31/2023</a:t>
+              <a:t>11/1/2023</a:t>
             </a:fld>
-            <a:endParaRPr lang="en-US" dirty="0"/>
-          </a:p>
-        </p:txBody>
-      </p:sp>
-      <p:sp>
-        <p:nvSpPr>
-          <p:cNvPr id="8" name="Footer Placeholder 7">
-            <a:extLst>
-              <a:ext uri="{FF2B5EF4-FFF2-40B4-BE49-F238E27FC236}">
-                <a16:creationId xmlns:a16="http://schemas.microsoft.com/office/drawing/2014/main" id="{189422CD-6F62-4DD6-89EF-07A60B42D219}"/>
-              </a:ext>
-            </a:extLst>
-          </p:cNvPr>
+            <a:endParaRPr lang="en-US"/>
+          </a:p>
+        </p:txBody>
+      </p:sp>
+      <p:sp>
+        <p:nvSpPr>
+          <p:cNvPr id="5" name="Footer Placeholder 4"/>
           <p:cNvSpPr>
             <a:spLocks noGrp="1"/>
           </p:cNvSpPr>
@@ -1370,19 +1041,13 @@
           <a:bodyPr/>
           <a:lstStyle/>
           <a:p>
-            <a:endParaRPr lang="en-US" dirty="0"/>
-          </a:p>
-        </p:txBody>
-      </p:sp>
-      <p:sp>
-        <p:nvSpPr>
-          <p:cNvPr id="11" name="Slide Number Placeholder 10">
-            <a:extLst>
-              <a:ext uri="{FF2B5EF4-FFF2-40B4-BE49-F238E27FC236}">
-                <a16:creationId xmlns:a16="http://schemas.microsoft.com/office/drawing/2014/main" id="{69C6AFF8-42B4-4D05-969B-9F5FB3355555}"/>
-              </a:ext>
-            </a:extLst>
-          </p:cNvPr>
+            <a:endParaRPr lang="en-US"/>
+          </a:p>
+        </p:txBody>
+      </p:sp>
+      <p:sp>
+        <p:nvSpPr>
+          <p:cNvPr id="6" name="Slide Number Placeholder 5"/>
           <p:cNvSpPr>
             <a:spLocks noGrp="1"/>
           </p:cNvSpPr>
@@ -1399,14 +1064,14 @@
               <a:rPr lang="en-US" smtClean="0"/>
               <a:t>‹#›</a:t>
             </a:fld>
-            <a:endParaRPr lang="en-US" dirty="0"/>
+            <a:endParaRPr lang="en-US"/>
           </a:p>
         </p:txBody>
       </p:sp>
     </p:spTree>
     <p:extLst>
       <p:ext uri="{BB962C8B-B14F-4D97-AF65-F5344CB8AC3E}">
-        <p14:creationId xmlns:p14="http://schemas.microsoft.com/office/powerpoint/2010/main" val="3859646500"/>
+        <p14:creationId xmlns:p14="http://schemas.microsoft.com/office/powerpoint/2010/main" val="1391999319"/>
       </p:ext>
     </p:extLst>
   </p:cSld>
@@ -1435,46 +1100,96 @@
       </p:grpSpPr>
       <p:sp>
         <p:nvSpPr>
-          <p:cNvPr id="8" name="Title 7"/>
+          <p:cNvPr id="2" name="Title 1"/>
           <p:cNvSpPr>
             <a:spLocks noGrp="1"/>
           </p:cNvSpPr>
           <p:nvPr>
             <p:ph type="title"/>
+          </p:nvPr>
+        </p:nvSpPr>
+        <p:spPr/>
+        <p:txBody>
+          <a:bodyPr/>
+          <a:lstStyle/>
+          <a:p>
+            <a:r>
+              <a:rPr lang="en-US"/>
+              <a:t>Click to edit Master title style</a:t>
+            </a:r>
+          </a:p>
+        </p:txBody>
+      </p:sp>
+      <p:sp>
+        <p:nvSpPr>
+          <p:cNvPr id="3" name="Content Placeholder 2"/>
+          <p:cNvSpPr>
+            <a:spLocks noGrp="1"/>
+          </p:cNvSpPr>
+          <p:nvPr>
+            <p:ph sz="half" idx="1"/>
           </p:nvPr>
         </p:nvSpPr>
         <p:spPr>
           <a:xfrm>
-            <a:off x="1097280" y="286603"/>
-            <a:ext cx="10058400" cy="1450757"/>
+            <a:off x="838200" y="1825625"/>
+            <a:ext cx="5181600" cy="4351338"/>
           </a:xfrm>
         </p:spPr>
         <p:txBody>
           <a:bodyPr/>
           <a:lstStyle/>
           <a:p>
+            <a:pPr lvl="0"/>
             <a:r>
               <a:rPr lang="en-US"/>
-              <a:t>Click to edit Master title style</a:t>
-            </a:r>
-            <a:endParaRPr lang="en-US" dirty="0"/>
-          </a:p>
-        </p:txBody>
-      </p:sp>
-      <p:sp>
-        <p:nvSpPr>
-          <p:cNvPr id="3" name="Content Placeholder 2"/>
+              <a:t>Click to edit Master text styles</a:t>
+            </a:r>
+          </a:p>
+          <a:p>
+            <a:pPr lvl="1"/>
+            <a:r>
+              <a:rPr lang="en-US"/>
+              <a:t>Second level</a:t>
+            </a:r>
+          </a:p>
+          <a:p>
+            <a:pPr lvl="2"/>
+            <a:r>
+              <a:rPr lang="en-US"/>
+              <a:t>Third level</a:t>
+            </a:r>
+          </a:p>
+          <a:p>
+            <a:pPr lvl="3"/>
+            <a:r>
+              <a:rPr lang="en-US"/>
+              <a:t>Fourth level</a:t>
+            </a:r>
+          </a:p>
+          <a:p>
+            <a:pPr lvl="4"/>
+            <a:r>
+              <a:rPr lang="en-US"/>
+              <a:t>Fifth level</a:t>
+            </a:r>
+          </a:p>
+        </p:txBody>
+      </p:sp>
+      <p:sp>
+        <p:nvSpPr>
+          <p:cNvPr id="4" name="Content Placeholder 3"/>
           <p:cNvSpPr>
             <a:spLocks noGrp="1"/>
           </p:cNvSpPr>
           <p:nvPr>
-            <p:ph sz="half" idx="1"/>
+            <p:ph sz="half" idx="2"/>
           </p:nvPr>
         </p:nvSpPr>
         <p:spPr>
           <a:xfrm>
-            <a:off x="1097280" y="2120900"/>
-            <a:ext cx="4639736" cy="3748193"/>
+            <a:off x="6172200" y="1825625"/>
+            <a:ext cx="5181600" cy="4351338"/>
           </a:xfrm>
         </p:spPr>
         <p:txBody>
@@ -1514,81 +1229,40 @@
               <a:rPr lang="en-US"/>
               <a:t>Fifth level</a:t>
             </a:r>
-            <a:endParaRPr lang="en-US" dirty="0"/>
-          </a:p>
-        </p:txBody>
-      </p:sp>
-      <p:sp>
-        <p:nvSpPr>
-          <p:cNvPr id="4" name="Content Placeholder 3"/>
+          </a:p>
+        </p:txBody>
+      </p:sp>
+      <p:sp>
+        <p:nvSpPr>
+          <p:cNvPr id="5" name="Date Placeholder 4"/>
           <p:cNvSpPr>
             <a:spLocks noGrp="1"/>
           </p:cNvSpPr>
           <p:nvPr>
-            <p:ph sz="half" idx="2"/>
-          </p:nvPr>
-        </p:nvSpPr>
-        <p:spPr>
-          <a:xfrm>
-            <a:off x="6515944" y="2120900"/>
-            <a:ext cx="4639736" cy="3748194"/>
-          </a:xfrm>
-        </p:spPr>
+            <p:ph type="dt" sz="half" idx="10"/>
+          </p:nvPr>
+        </p:nvSpPr>
+        <p:spPr/>
         <p:txBody>
           <a:bodyPr/>
           <a:lstStyle/>
           <a:p>
-            <a:pPr lvl="0"/>
-            <a:r>
-              <a:rPr lang="en-US"/>
-              <a:t>Click to edit Master text styles</a:t>
-            </a:r>
-          </a:p>
-          <a:p>
-            <a:pPr lvl="1"/>
-            <a:r>
-              <a:rPr lang="en-US"/>
-              <a:t>Second level</a:t>
-            </a:r>
-          </a:p>
-          <a:p>
-            <a:pPr lvl="2"/>
-            <a:r>
-              <a:rPr lang="en-US"/>
-              <a:t>Third level</a:t>
-            </a:r>
-          </a:p>
-          <a:p>
-            <a:pPr lvl="3"/>
-            <a:r>
-              <a:rPr lang="en-US"/>
-              <a:t>Fourth level</a:t>
-            </a:r>
-          </a:p>
-          <a:p>
-            <a:pPr lvl="4"/>
-            <a:r>
-              <a:rPr lang="en-US"/>
-              <a:t>Fifth level</a:t>
-            </a:r>
-            <a:endParaRPr lang="en-US" dirty="0"/>
-          </a:p>
-        </p:txBody>
-      </p:sp>
-      <p:sp>
-        <p:nvSpPr>
-          <p:cNvPr id="2" name="Date Placeholder 1">
-            <a:extLst>
-              <a:ext uri="{FF2B5EF4-FFF2-40B4-BE49-F238E27FC236}">
-                <a16:creationId xmlns:a16="http://schemas.microsoft.com/office/drawing/2014/main" id="{5782D47D-B0DC-4C40-BCC6-BBBA32584A38}"/>
-              </a:ext>
-            </a:extLst>
-          </p:cNvPr>
+            <a:fld id="{BAAAC38D-0552-4C82-B593-E6124DFADBE2}" type="datetime1">
+              <a:rPr lang="en-US" smtClean="0"/>
+              <a:t>11/1/2023</a:t>
+            </a:fld>
+            <a:endParaRPr lang="en-US"/>
+          </a:p>
+        </p:txBody>
+      </p:sp>
+      <p:sp>
+        <p:nvSpPr>
+          <p:cNvPr id="6" name="Footer Placeholder 5"/>
           <p:cNvSpPr>
             <a:spLocks noGrp="1"/>
           </p:cNvSpPr>
           <p:nvPr>
-            <p:ph type="dt" sz="half" idx="10"/>
+            <p:ph type="ftr" sz="quarter" idx="11"/>
           </p:nvPr>
         </p:nvSpPr>
         <p:spPr/>
@@ -1596,48 +1270,13 @@
           <a:bodyPr/>
           <a:lstStyle/>
           <a:p>
-            <a:fld id="{BAAAC38D-0552-4C82-B593-E6124DFADBE2}" type="datetime1">
-              <a:rPr lang="en-US" smtClean="0"/>
-              <a:t>10/31/2023</a:t>
-            </a:fld>
-            <a:endParaRPr lang="en-US" dirty="0"/>
-          </a:p>
-        </p:txBody>
-      </p:sp>
-      <p:sp>
-        <p:nvSpPr>
-          <p:cNvPr id="9" name="Footer Placeholder 8">
-            <a:extLst>
-              <a:ext uri="{FF2B5EF4-FFF2-40B4-BE49-F238E27FC236}">
-                <a16:creationId xmlns:a16="http://schemas.microsoft.com/office/drawing/2014/main" id="{4690D34E-7EBD-44B2-83CA-4C126A18D7EF}"/>
-              </a:ext>
-            </a:extLst>
-          </p:cNvPr>
-          <p:cNvSpPr>
-            <a:spLocks noGrp="1"/>
-          </p:cNvSpPr>
-          <p:nvPr>
-            <p:ph type="ftr" sz="quarter" idx="11"/>
-          </p:nvPr>
-        </p:nvSpPr>
-        <p:spPr/>
-        <p:txBody>
-          <a:bodyPr/>
-          <a:lstStyle/>
-          <a:p>
-            <a:endParaRPr lang="en-US" dirty="0"/>
-          </a:p>
-        </p:txBody>
-      </p:sp>
-      <p:sp>
-        <p:nvSpPr>
-          <p:cNvPr id="10" name="Slide Number Placeholder 9">
-            <a:extLst>
-              <a:ext uri="{FF2B5EF4-FFF2-40B4-BE49-F238E27FC236}">
-                <a16:creationId xmlns:a16="http://schemas.microsoft.com/office/drawing/2014/main" id="{2AC511A1-9BBD-42DE-92FB-2AF44F8E97A9}"/>
-              </a:ext>
-            </a:extLst>
-          </p:cNvPr>
+            <a:endParaRPr lang="en-US"/>
+          </a:p>
+        </p:txBody>
+      </p:sp>
+      <p:sp>
+        <p:nvSpPr>
+          <p:cNvPr id="7" name="Slide Number Placeholder 6"/>
           <p:cNvSpPr>
             <a:spLocks noGrp="1"/>
           </p:cNvSpPr>
@@ -1654,14 +1293,14 @@
               <a:rPr lang="en-US" smtClean="0"/>
               <a:t>‹#›</a:t>
             </a:fld>
-            <a:endParaRPr lang="en-US" dirty="0"/>
+            <a:endParaRPr lang="en-US"/>
           </a:p>
         </p:txBody>
       </p:sp>
     </p:spTree>
     <p:extLst>
       <p:ext uri="{BB962C8B-B14F-4D97-AF65-F5344CB8AC3E}">
-        <p14:creationId xmlns:p14="http://schemas.microsoft.com/office/powerpoint/2010/main" val="2510683075"/>
+        <p14:creationId xmlns:p14="http://schemas.microsoft.com/office/powerpoint/2010/main" val="2155253559"/>
       </p:ext>
     </p:extLst>
   </p:cSld>
@@ -1690,7 +1329,7 @@
       </p:grpSpPr>
       <p:sp>
         <p:nvSpPr>
-          <p:cNvPr id="10" name="Title 9"/>
+          <p:cNvPr id="2" name="Title 1"/>
           <p:cNvSpPr>
             <a:spLocks noGrp="1"/>
           </p:cNvSpPr>
@@ -1700,8 +1339,8 @@
         </p:nvSpPr>
         <p:spPr>
           <a:xfrm>
-            <a:off x="1097280" y="286603"/>
-            <a:ext cx="10058400" cy="1450757"/>
+            <a:off x="839788" y="365125"/>
+            <a:ext cx="10515600" cy="1325563"/>
           </a:xfrm>
         </p:spPr>
         <p:txBody>
@@ -1712,7 +1351,6 @@
               <a:rPr lang="en-US"/>
               <a:t>Click to edit Master title style</a:t>
             </a:r>
-            <a:endParaRPr lang="en-US" dirty="0"/>
           </a:p>
         </p:txBody>
       </p:sp>
@@ -1728,22 +1366,16 @@
         </p:nvSpPr>
         <p:spPr>
           <a:xfrm>
-            <a:off x="1097280" y="2057400"/>
-            <a:ext cx="4639736" cy="736282"/>
+            <a:off x="839788" y="1681163"/>
+            <a:ext cx="5157787" cy="823912"/>
           </a:xfrm>
         </p:spPr>
         <p:txBody>
-          <a:bodyPr lIns="91440" rIns="91440" anchor="ctr">
-            <a:normAutofit/>
-          </a:bodyPr>
+          <a:bodyPr anchor="b"/>
           <a:lstStyle>
             <a:lvl1pPr marL="0" indent="0">
               <a:buNone/>
-              <a:defRPr sz="2000" b="0" cap="all" baseline="0">
-                <a:solidFill>
-                  <a:schemeClr val="tx1"/>
-                </a:solidFill>
-              </a:defRPr>
+              <a:defRPr sz="2400" b="1"/>
             </a:lvl1pPr>
             <a:lvl2pPr marL="457200" indent="0">
               <a:buNone/>
@@ -1799,8 +1431,8 @@
         </p:nvSpPr>
         <p:spPr>
           <a:xfrm>
-            <a:off x="1097280" y="2958274"/>
-            <a:ext cx="4639736" cy="2910821"/>
+            <a:off x="839788" y="2505075"/>
+            <a:ext cx="5157787" cy="3684588"/>
           </a:xfrm>
         </p:spPr>
         <p:txBody>
@@ -1840,7 +1472,6 @@
               <a:rPr lang="en-US"/>
               <a:t>Fifth level</a:t>
             </a:r>
-            <a:endParaRPr lang="en-US" dirty="0"/>
           </a:p>
         </p:txBody>
       </p:sp>
@@ -1856,22 +1487,16 @@
         </p:nvSpPr>
         <p:spPr>
           <a:xfrm>
-            <a:off x="6515944" y="2057400"/>
-            <a:ext cx="4639736" cy="736282"/>
+            <a:off x="6172200" y="1681163"/>
+            <a:ext cx="5183188" cy="823912"/>
           </a:xfrm>
         </p:spPr>
         <p:txBody>
-          <a:bodyPr lIns="91440" rIns="91440" anchor="ctr">
-            <a:normAutofit/>
-          </a:bodyPr>
+          <a:bodyPr anchor="b"/>
           <a:lstStyle>
             <a:lvl1pPr marL="0" indent="0">
               <a:buNone/>
-              <a:defRPr sz="2000" b="0" cap="all" baseline="0">
-                <a:solidFill>
-                  <a:schemeClr val="tx1"/>
-                </a:solidFill>
-              </a:defRPr>
+              <a:defRPr sz="2400" b="1"/>
             </a:lvl1pPr>
             <a:lvl2pPr marL="457200" indent="0">
               <a:buNone/>
@@ -1927,8 +1552,8 @@
         </p:nvSpPr>
         <p:spPr>
           <a:xfrm>
-            <a:off x="6515944" y="2958273"/>
-            <a:ext cx="4639736" cy="2910821"/>
+            <a:off x="6172200" y="2505075"/>
+            <a:ext cx="5183188" cy="3684588"/>
           </a:xfrm>
         </p:spPr>
         <p:txBody>
@@ -1968,19 +1593,12 @@
               <a:rPr lang="en-US"/>
               <a:t>Fifth level</a:t>
             </a:r>
-            <a:endParaRPr lang="en-US" dirty="0"/>
-          </a:p>
-        </p:txBody>
-      </p:sp>
-      <p:sp>
-        <p:nvSpPr>
-          <p:cNvPr id="2" name="Date Placeholder 1">
-            <a:extLst>
-              <a:ext uri="{FF2B5EF4-FFF2-40B4-BE49-F238E27FC236}">
-                <a16:creationId xmlns:a16="http://schemas.microsoft.com/office/drawing/2014/main" id="{8AF8A515-AA94-45D1-9223-5C2272618D85}"/>
-              </a:ext>
-            </a:extLst>
-          </p:cNvPr>
+          </a:p>
+        </p:txBody>
+      </p:sp>
+      <p:sp>
+        <p:nvSpPr>
+          <p:cNvPr id="7" name="Date Placeholder 6"/>
           <p:cNvSpPr>
             <a:spLocks noGrp="1"/>
           </p:cNvSpPr>
@@ -1995,21 +1613,15 @@
           <a:p>
             <a:fld id="{D9DF0F1C-5577-4ACB-BB62-DF8F3C494C7E}" type="datetime1">
               <a:rPr lang="en-US" smtClean="0"/>
-              <a:t>10/31/2023</a:t>
+              <a:t>11/1/2023</a:t>
             </a:fld>
-            <a:endParaRPr lang="en-US" dirty="0"/>
-          </a:p>
-        </p:txBody>
-      </p:sp>
-      <p:sp>
-        <p:nvSpPr>
-          <p:cNvPr id="11" name="Footer Placeholder 10">
-            <a:extLst>
-              <a:ext uri="{FF2B5EF4-FFF2-40B4-BE49-F238E27FC236}">
-                <a16:creationId xmlns:a16="http://schemas.microsoft.com/office/drawing/2014/main" id="{D052F5BC-98E0-4D60-AD67-9547738B7DD4}"/>
-              </a:ext>
-            </a:extLst>
-          </p:cNvPr>
+            <a:endParaRPr lang="en-US"/>
+          </a:p>
+        </p:txBody>
+      </p:sp>
+      <p:sp>
+        <p:nvSpPr>
+          <p:cNvPr id="8" name="Footer Placeholder 7"/>
           <p:cNvSpPr>
             <a:spLocks noGrp="1"/>
           </p:cNvSpPr>
@@ -2022,19 +1634,13 @@
           <a:bodyPr/>
           <a:lstStyle/>
           <a:p>
-            <a:endParaRPr lang="en-US" dirty="0"/>
-          </a:p>
-        </p:txBody>
-      </p:sp>
-      <p:sp>
-        <p:nvSpPr>
-          <p:cNvPr id="12" name="Slide Number Placeholder 11">
-            <a:extLst>
-              <a:ext uri="{FF2B5EF4-FFF2-40B4-BE49-F238E27FC236}">
-                <a16:creationId xmlns:a16="http://schemas.microsoft.com/office/drawing/2014/main" id="{A38552DC-952E-41EA-AAAF-C2187523C0B0}"/>
-              </a:ext>
-            </a:extLst>
-          </p:cNvPr>
+            <a:endParaRPr lang="en-US"/>
+          </a:p>
+        </p:txBody>
+      </p:sp>
+      <p:sp>
+        <p:nvSpPr>
+          <p:cNvPr id="9" name="Slide Number Placeholder 8"/>
           <p:cNvSpPr>
             <a:spLocks noGrp="1"/>
           </p:cNvSpPr>
@@ -2051,14 +1657,14 @@
               <a:rPr lang="en-US" smtClean="0"/>
               <a:t>‹#›</a:t>
             </a:fld>
-            <a:endParaRPr lang="en-US" dirty="0"/>
+            <a:endParaRPr lang="en-US"/>
           </a:p>
         </p:txBody>
       </p:sp>
     </p:spTree>
     <p:extLst>
       <p:ext uri="{BB962C8B-B14F-4D97-AF65-F5344CB8AC3E}">
-        <p14:creationId xmlns:p14="http://schemas.microsoft.com/office/powerpoint/2010/main" val="2119842101"/>
+        <p14:creationId xmlns:p14="http://schemas.microsoft.com/office/powerpoint/2010/main" val="3762741554"/>
       </p:ext>
     </p:extLst>
   </p:cSld>
@@ -2104,19 +1710,12 @@
               <a:rPr lang="en-US"/>
               <a:t>Click to edit Master title style</a:t>
             </a:r>
-            <a:endParaRPr lang="en-US" dirty="0"/>
-          </a:p>
-        </p:txBody>
-      </p:sp>
-      <p:sp>
-        <p:nvSpPr>
-          <p:cNvPr id="6" name="Date Placeholder 5">
-            <a:extLst>
-              <a:ext uri="{FF2B5EF4-FFF2-40B4-BE49-F238E27FC236}">
-                <a16:creationId xmlns:a16="http://schemas.microsoft.com/office/drawing/2014/main" id="{7392073F-158F-44A3-8913-917AFFC1BC20}"/>
-              </a:ext>
-            </a:extLst>
-          </p:cNvPr>
+          </a:p>
+        </p:txBody>
+      </p:sp>
+      <p:sp>
+        <p:nvSpPr>
+          <p:cNvPr id="3" name="Date Placeholder 2"/>
           <p:cNvSpPr>
             <a:spLocks noGrp="1"/>
           </p:cNvSpPr>
@@ -2131,21 +1730,15 @@
           <a:p>
             <a:fld id="{1775B394-D9F9-4F0C-B15D-605F45CB9E9F}" type="datetime1">
               <a:rPr lang="en-US" smtClean="0"/>
-              <a:t>10/31/2023</a:t>
+              <a:t>11/1/2023</a:t>
             </a:fld>
-            <a:endParaRPr lang="en-US" dirty="0"/>
-          </a:p>
-        </p:txBody>
-      </p:sp>
-      <p:sp>
-        <p:nvSpPr>
-          <p:cNvPr id="7" name="Footer Placeholder 6">
-            <a:extLst>
-              <a:ext uri="{FF2B5EF4-FFF2-40B4-BE49-F238E27FC236}">
-                <a16:creationId xmlns:a16="http://schemas.microsoft.com/office/drawing/2014/main" id="{EED72207-24CA-42B7-A975-2F8E41CBA904}"/>
-              </a:ext>
-            </a:extLst>
-          </p:cNvPr>
+            <a:endParaRPr lang="en-US"/>
+          </a:p>
+        </p:txBody>
+      </p:sp>
+      <p:sp>
+        <p:nvSpPr>
+          <p:cNvPr id="4" name="Footer Placeholder 3"/>
           <p:cNvSpPr>
             <a:spLocks noGrp="1"/>
           </p:cNvSpPr>
@@ -2158,19 +1751,13 @@
           <a:bodyPr/>
           <a:lstStyle/>
           <a:p>
-            <a:endParaRPr lang="en-US" dirty="0"/>
-          </a:p>
-        </p:txBody>
-      </p:sp>
-      <p:sp>
-        <p:nvSpPr>
-          <p:cNvPr id="8" name="Slide Number Placeholder 7">
-            <a:extLst>
-              <a:ext uri="{FF2B5EF4-FFF2-40B4-BE49-F238E27FC236}">
-                <a16:creationId xmlns:a16="http://schemas.microsoft.com/office/drawing/2014/main" id="{D01080F2-251A-4B88-9A62-16F46D724F83}"/>
-              </a:ext>
-            </a:extLst>
-          </p:cNvPr>
+            <a:endParaRPr lang="en-US"/>
+          </a:p>
+        </p:txBody>
+      </p:sp>
+      <p:sp>
+        <p:nvSpPr>
+          <p:cNvPr id="5" name="Slide Number Placeholder 4"/>
           <p:cNvSpPr>
             <a:spLocks noGrp="1"/>
           </p:cNvSpPr>
@@ -2187,14 +1774,14 @@
               <a:rPr lang="en-US" smtClean="0"/>
               <a:t>‹#›</a:t>
             </a:fld>
-            <a:endParaRPr lang="en-US" dirty="0"/>
+            <a:endParaRPr lang="en-US"/>
           </a:p>
         </p:txBody>
       </p:sp>
     </p:spTree>
     <p:extLst>
       <p:ext uri="{BB962C8B-B14F-4D97-AF65-F5344CB8AC3E}">
-        <p14:creationId xmlns:p14="http://schemas.microsoft.com/office/powerpoint/2010/main" val="709651482"/>
+        <p14:creationId xmlns:p14="http://schemas.microsoft.com/office/powerpoint/2010/main" val="1059828234"/>
       </p:ext>
     </p:extLst>
   </p:cSld>
@@ -2205,7 +1792,7 @@
 </file>
 
 <file path=ppt/slideLayouts/slideLayout7.xml><?xml version="1.0" encoding="utf-8"?>
-<p:sldLayout xmlns:a="http://schemas.openxmlformats.org/drawingml/2006/main" xmlns:r="http://schemas.openxmlformats.org/officeDocument/2006/relationships" xmlns:p="http://schemas.openxmlformats.org/presentationml/2006/main" showMasterSp="0" type="blank" preserve="1">
+<p:sldLayout xmlns:a="http://schemas.openxmlformats.org/drawingml/2006/main" xmlns:r="http://schemas.openxmlformats.org/officeDocument/2006/relationships" xmlns:p="http://schemas.openxmlformats.org/presentationml/2006/main" type="blank" preserve="1">
   <p:cSld name="Blank">
     <p:spTree>
       <p:nvGrpSpPr>
@@ -2223,57 +1810,7 @@
       </p:grpSpPr>
       <p:sp>
         <p:nvSpPr>
-          <p:cNvPr id="10" name="Rectangle 9">
-            <a:extLst>
-              <a:ext uri="{FF2B5EF4-FFF2-40B4-BE49-F238E27FC236}">
-                <a16:creationId xmlns:a16="http://schemas.microsoft.com/office/drawing/2014/main" id="{A8E9C91B-7EAD-4562-AB0E-DFB9663AECE3}"/>
-              </a:ext>
-            </a:extLst>
-          </p:cNvPr>
-          <p:cNvSpPr/>
-          <p:nvPr/>
-        </p:nvSpPr>
-        <p:spPr>
-          <a:xfrm>
-            <a:off x="3175" y="6400800"/>
-            <a:ext cx="12188825" cy="457200"/>
-          </a:xfrm>
-          <a:prstGeom prst="rect">
-            <a:avLst/>
-          </a:prstGeom>
-          <a:solidFill>
-            <a:srgbClr val="262626"/>
-          </a:solidFill>
-          <a:ln>
-            <a:noFill/>
-          </a:ln>
-        </p:spPr>
-        <p:style>
-          <a:lnRef idx="2">
-            <a:schemeClr val="accent1">
-              <a:shade val="50000"/>
-            </a:schemeClr>
-          </a:lnRef>
-          <a:fillRef idx="1">
-            <a:schemeClr val="accent1"/>
-          </a:fillRef>
-          <a:effectRef idx="0">
-            <a:schemeClr val="accent1"/>
-          </a:effectRef>
-          <a:fontRef idx="minor">
-            <a:schemeClr val="lt1"/>
-          </a:fontRef>
-        </p:style>
-      </p:sp>
-      <p:sp>
-        <p:nvSpPr>
-          <p:cNvPr id="2" name="Date Placeholder 1">
-            <a:extLst>
-              <a:ext uri="{FF2B5EF4-FFF2-40B4-BE49-F238E27FC236}">
-                <a16:creationId xmlns:a16="http://schemas.microsoft.com/office/drawing/2014/main" id="{94E9223F-721F-47BF-9FD5-0F8D12FF0DE1}"/>
-              </a:ext>
-            </a:extLst>
-          </p:cNvPr>
+          <p:cNvPr id="2" name="Date Placeholder 1"/>
           <p:cNvSpPr>
             <a:spLocks noGrp="1"/>
           </p:cNvSpPr>
@@ -2288,21 +1825,15 @@
           <a:p>
             <a:fld id="{39667345-2558-425A-8533-9BFDBCE15005}" type="datetime1">
               <a:rPr lang="en-US" smtClean="0"/>
-              <a:t>10/31/2023</a:t>
+              <a:t>11/1/2023</a:t>
             </a:fld>
-            <a:endParaRPr lang="en-US" dirty="0"/>
-          </a:p>
-        </p:txBody>
-      </p:sp>
-      <p:sp>
-        <p:nvSpPr>
-          <p:cNvPr id="3" name="Footer Placeholder 2">
-            <a:extLst>
-              <a:ext uri="{FF2B5EF4-FFF2-40B4-BE49-F238E27FC236}">
-                <a16:creationId xmlns:a16="http://schemas.microsoft.com/office/drawing/2014/main" id="{05915714-6BBA-4593-8591-4E26F7D58D9F}"/>
-              </a:ext>
-            </a:extLst>
-          </p:cNvPr>
+            <a:endParaRPr lang="en-US"/>
+          </a:p>
+        </p:txBody>
+      </p:sp>
+      <p:sp>
+        <p:nvSpPr>
+          <p:cNvPr id="3" name="Footer Placeholder 2"/>
           <p:cNvSpPr>
             <a:spLocks noGrp="1"/>
           </p:cNvSpPr>
@@ -2315,19 +1846,13 @@
           <a:bodyPr/>
           <a:lstStyle/>
           <a:p>
-            <a:endParaRPr lang="en-US" dirty="0"/>
-          </a:p>
-        </p:txBody>
-      </p:sp>
-      <p:sp>
-        <p:nvSpPr>
-          <p:cNvPr id="4" name="Slide Number Placeholder 3">
-            <a:extLst>
-              <a:ext uri="{FF2B5EF4-FFF2-40B4-BE49-F238E27FC236}">
-                <a16:creationId xmlns:a16="http://schemas.microsoft.com/office/drawing/2014/main" id="{BE06F857-D2E1-44DD-ABDD-EBB739645B67}"/>
-              </a:ext>
-            </a:extLst>
-          </p:cNvPr>
+            <a:endParaRPr lang="en-US"/>
+          </a:p>
+        </p:txBody>
+      </p:sp>
+      <p:sp>
+        <p:nvSpPr>
+          <p:cNvPr id="4" name="Slide Number Placeholder 3"/>
           <p:cNvSpPr>
             <a:spLocks noGrp="1"/>
           </p:cNvSpPr>
@@ -2344,14 +1869,14 @@
               <a:rPr lang="en-US" smtClean="0"/>
               <a:t>‹#›</a:t>
             </a:fld>
-            <a:endParaRPr lang="en-US" dirty="0"/>
+            <a:endParaRPr lang="en-US"/>
           </a:p>
         </p:txBody>
       </p:sp>
     </p:spTree>
     <p:extLst>
       <p:ext uri="{BB962C8B-B14F-4D97-AF65-F5344CB8AC3E}">
-        <p14:creationId xmlns:p14="http://schemas.microsoft.com/office/powerpoint/2010/main" val="1426570555"/>
+        <p14:creationId xmlns:p14="http://schemas.microsoft.com/office/powerpoint/2010/main" val="3336337047"/>
       </p:ext>
     </p:extLst>
   </p:cSld>
@@ -2362,7 +1887,7 @@
 </file>
 
 <file path=ppt/slideLayouts/slideLayout8.xml><?xml version="1.0" encoding="utf-8"?>
-<p:sldLayout xmlns:a="http://schemas.openxmlformats.org/drawingml/2006/main" xmlns:r="http://schemas.openxmlformats.org/officeDocument/2006/relationships" xmlns:p="http://schemas.openxmlformats.org/presentationml/2006/main" showMasterSp="0" type="objTx" preserve="1">
+<p:sldLayout xmlns:a="http://schemas.openxmlformats.org/drawingml/2006/main" xmlns:r="http://schemas.openxmlformats.org/officeDocument/2006/relationships" xmlns:p="http://schemas.openxmlformats.org/presentationml/2006/main" type="objTx" preserve="1">
   <p:cSld name="Content with Caption">
     <p:spTree>
       <p:nvGrpSpPr>
@@ -2380,206 +1905,173 @@
       </p:grpSpPr>
       <p:sp>
         <p:nvSpPr>
-          <p:cNvPr id="8" name="Rectangle 7">
-            <a:extLst>
-              <a:ext uri="{FF2B5EF4-FFF2-40B4-BE49-F238E27FC236}">
-                <a16:creationId xmlns:a16="http://schemas.microsoft.com/office/drawing/2014/main" id="{16D90D66-BCB9-4229-A829-628874352AC0}"/>
-              </a:ext>
-            </a:extLst>
-          </p:cNvPr>
-          <p:cNvSpPr/>
-          <p:nvPr/>
+          <p:cNvPr id="2" name="Title 1"/>
+          <p:cNvSpPr>
+            <a:spLocks noGrp="1"/>
+          </p:cNvSpPr>
+          <p:nvPr>
+            <p:ph type="title"/>
+          </p:nvPr>
         </p:nvSpPr>
         <p:spPr>
           <a:xfrm>
-            <a:off x="16" y="0"/>
-            <a:ext cx="4654296" cy="6858000"/>
+            <a:off x="839788" y="457200"/>
+            <a:ext cx="3932237" cy="1600200"/>
           </a:xfrm>
-          <a:prstGeom prst="rect">
-            <a:avLst/>
-          </a:prstGeom>
-          <a:solidFill>
-            <a:srgbClr val="262626"/>
-          </a:solidFill>
-          <a:ln>
-            <a:noFill/>
-          </a:ln>
         </p:spPr>
-        <p:style>
-          <a:lnRef idx="2">
-            <a:schemeClr val="accent1">
-              <a:shade val="50000"/>
-            </a:schemeClr>
-          </a:lnRef>
-          <a:fillRef idx="1">
-            <a:schemeClr val="accent1"/>
-          </a:fillRef>
-          <a:effectRef idx="0">
-            <a:schemeClr val="accent1"/>
-          </a:effectRef>
-          <a:fontRef idx="minor">
-            <a:schemeClr val="lt1"/>
-          </a:fontRef>
-        </p:style>
-      </p:sp>
-      <p:sp>
-        <p:nvSpPr>
-          <p:cNvPr id="2" name="Title 1"/>
+        <p:txBody>
+          <a:bodyPr anchor="b"/>
+          <a:lstStyle>
+            <a:lvl1pPr>
+              <a:defRPr sz="3200"/>
+            </a:lvl1pPr>
+          </a:lstStyle>
+          <a:p>
+            <a:r>
+              <a:rPr lang="en-US"/>
+              <a:t>Click to edit Master title style</a:t>
+            </a:r>
+          </a:p>
+        </p:txBody>
+      </p:sp>
+      <p:sp>
+        <p:nvSpPr>
+          <p:cNvPr id="3" name="Content Placeholder 2"/>
           <p:cNvSpPr>
             <a:spLocks noGrp="1"/>
           </p:cNvSpPr>
           <p:nvPr>
-            <p:ph type="title"/>
+            <p:ph idx="1"/>
           </p:nvPr>
         </p:nvSpPr>
         <p:spPr>
           <a:xfrm>
-            <a:off x="643466" y="786383"/>
-            <a:ext cx="3517567" cy="2093975"/>
+            <a:off x="5183188" y="987425"/>
+            <a:ext cx="6172200" cy="4873625"/>
           </a:xfrm>
         </p:spPr>
         <p:txBody>
-          <a:bodyPr anchor="b">
-            <a:normAutofit/>
-          </a:bodyPr>
+          <a:bodyPr/>
           <a:lstStyle>
             <a:lvl1pPr>
-              <a:lnSpc>
-                <a:spcPct val="90000"/>
-              </a:lnSpc>
-              <a:defRPr sz="3600" b="0">
-                <a:solidFill>
-                  <a:srgbClr val="FFFFFF"/>
-                </a:solidFill>
-              </a:defRPr>
+              <a:defRPr sz="3200"/>
             </a:lvl1pPr>
+            <a:lvl2pPr>
+              <a:defRPr sz="2800"/>
+            </a:lvl2pPr>
+            <a:lvl3pPr>
+              <a:defRPr sz="2400"/>
+            </a:lvl3pPr>
+            <a:lvl4pPr>
+              <a:defRPr sz="2000"/>
+            </a:lvl4pPr>
+            <a:lvl5pPr>
+              <a:defRPr sz="2000"/>
+            </a:lvl5pPr>
+            <a:lvl6pPr>
+              <a:defRPr sz="2000"/>
+            </a:lvl6pPr>
+            <a:lvl7pPr>
+              <a:defRPr sz="2000"/>
+            </a:lvl7pPr>
+            <a:lvl8pPr>
+              <a:defRPr sz="2000"/>
+            </a:lvl8pPr>
+            <a:lvl9pPr>
+              <a:defRPr sz="2000"/>
+            </a:lvl9pPr>
           </a:lstStyle>
           <a:p>
+            <a:pPr lvl="0"/>
             <a:r>
               <a:rPr lang="en-US"/>
-              <a:t>Click to edit Master title style</a:t>
-            </a:r>
-            <a:endParaRPr lang="en-US" dirty="0"/>
-          </a:p>
-        </p:txBody>
-      </p:sp>
-      <p:sp>
-        <p:nvSpPr>
-          <p:cNvPr id="3" name="Content Placeholder 2"/>
+              <a:t>Click to edit Master text styles</a:t>
+            </a:r>
+          </a:p>
+          <a:p>
+            <a:pPr lvl="1"/>
+            <a:r>
+              <a:rPr lang="en-US"/>
+              <a:t>Second level</a:t>
+            </a:r>
+          </a:p>
+          <a:p>
+            <a:pPr lvl="2"/>
+            <a:r>
+              <a:rPr lang="en-US"/>
+              <a:t>Third level</a:t>
+            </a:r>
+          </a:p>
+          <a:p>
+            <a:pPr lvl="3"/>
+            <a:r>
+              <a:rPr lang="en-US"/>
+              <a:t>Fourth level</a:t>
+            </a:r>
+          </a:p>
+          <a:p>
+            <a:pPr lvl="4"/>
+            <a:r>
+              <a:rPr lang="en-US"/>
+              <a:t>Fifth level</a:t>
+            </a:r>
+          </a:p>
+        </p:txBody>
+      </p:sp>
+      <p:sp>
+        <p:nvSpPr>
+          <p:cNvPr id="4" name="Text Placeholder 3"/>
           <p:cNvSpPr>
             <a:spLocks noGrp="1"/>
           </p:cNvSpPr>
           <p:nvPr>
-            <p:ph idx="1"/>
+            <p:ph type="body" sz="half" idx="2"/>
           </p:nvPr>
         </p:nvSpPr>
         <p:spPr>
           <a:xfrm>
-            <a:off x="5458984" y="812799"/>
-            <a:ext cx="5928344" cy="5294757"/>
+            <a:off x="839788" y="2057400"/>
+            <a:ext cx="3932237" cy="3811588"/>
           </a:xfrm>
         </p:spPr>
         <p:txBody>
           <a:bodyPr/>
-          <a:lstStyle/>
-          <a:p>
-            <a:pPr lvl="0"/>
-            <a:r>
-              <a:rPr lang="en-US"/>
-              <a:t>Click to edit Master text styles</a:t>
-            </a:r>
-          </a:p>
-          <a:p>
-            <a:pPr lvl="1"/>
-            <a:r>
-              <a:rPr lang="en-US"/>
-              <a:t>Second level</a:t>
-            </a:r>
-          </a:p>
-          <a:p>
-            <a:pPr lvl="2"/>
-            <a:r>
-              <a:rPr lang="en-US"/>
-              <a:t>Third level</a:t>
-            </a:r>
-          </a:p>
-          <a:p>
-            <a:pPr lvl="3"/>
-            <a:r>
-              <a:rPr lang="en-US"/>
-              <a:t>Fourth level</a:t>
-            </a:r>
-          </a:p>
-          <a:p>
-            <a:pPr lvl="4"/>
-            <a:r>
-              <a:rPr lang="en-US"/>
-              <a:t>Fifth level</a:t>
-            </a:r>
-            <a:endParaRPr lang="en-US" dirty="0"/>
-          </a:p>
-        </p:txBody>
-      </p:sp>
-      <p:sp>
-        <p:nvSpPr>
-          <p:cNvPr id="4" name="Text Placeholder 3"/>
-          <p:cNvSpPr>
-            <a:spLocks noGrp="1"/>
-          </p:cNvSpPr>
-          <p:nvPr>
-            <p:ph type="body" sz="half" idx="2"/>
-          </p:nvPr>
-        </p:nvSpPr>
-        <p:spPr>
-          <a:xfrm>
-            <a:off x="643465" y="3043050"/>
-            <a:ext cx="3517567" cy="3064505"/>
-          </a:xfrm>
-        </p:spPr>
-        <p:txBody>
-          <a:bodyPr lIns="91440" rIns="91440">
-            <a:normAutofit/>
-          </a:bodyPr>
           <a:lstStyle>
             <a:lvl1pPr marL="0" indent="0">
               <a:buNone/>
-              <a:defRPr sz="1800">
-                <a:solidFill>
-                  <a:srgbClr val="FFFFFF"/>
-                </a:solidFill>
-              </a:defRPr>
+              <a:defRPr sz="1600"/>
             </a:lvl1pPr>
             <a:lvl2pPr marL="457200" indent="0">
               <a:buNone/>
-              <a:defRPr sz="1200"/>
+              <a:defRPr sz="1400"/>
             </a:lvl2pPr>
             <a:lvl3pPr marL="914400" indent="0">
               <a:buNone/>
-              <a:defRPr sz="1000"/>
+              <a:defRPr sz="1200"/>
             </a:lvl3pPr>
             <a:lvl4pPr marL="1371600" indent="0">
               <a:buNone/>
-              <a:defRPr sz="900"/>
+              <a:defRPr sz="1000"/>
             </a:lvl4pPr>
             <a:lvl5pPr marL="1828800" indent="0">
               <a:buNone/>
-              <a:defRPr sz="900"/>
+              <a:defRPr sz="1000"/>
             </a:lvl5pPr>
             <a:lvl6pPr marL="2286000" indent="0">
               <a:buNone/>
-              <a:defRPr sz="900"/>
+              <a:defRPr sz="1000"/>
             </a:lvl6pPr>
             <a:lvl7pPr marL="2743200" indent="0">
               <a:buNone/>
-              <a:defRPr sz="900"/>
+              <a:defRPr sz="1000"/>
             </a:lvl7pPr>
             <a:lvl8pPr marL="3200400" indent="0">
               <a:buNone/>
-              <a:defRPr sz="900"/>
+              <a:defRPr sz="1000"/>
             </a:lvl8pPr>
             <a:lvl9pPr marL="3657600" indent="0">
               <a:buNone/>
-              <a:defRPr sz="900"/>
+              <a:defRPr sz="1000"/>
             </a:lvl9pPr>
           </a:lstStyle>
           <a:p>
@@ -2601,25 +2093,16 @@
             <p:ph type="dt" sz="half" idx="10"/>
           </p:nvPr>
         </p:nvSpPr>
-        <p:spPr>
-          <a:xfrm>
-            <a:off x="643464" y="6446520"/>
-            <a:ext cx="3517568" cy="365125"/>
-          </a:xfrm>
-        </p:spPr>
+        <p:spPr/>
         <p:txBody>
           <a:bodyPr/>
-          <a:lstStyle>
-            <a:lvl1pPr algn="l">
-              <a:defRPr/>
-            </a:lvl1pPr>
-          </a:lstStyle>
+          <a:lstStyle/>
           <a:p>
             <a:fld id="{92BEA474-078D-4E9B-9B14-09A87B19DC46}" type="datetime1">
               <a:rPr lang="en-US" smtClean="0"/>
-              <a:t>10/31/2023</a:t>
+              <a:t>11/1/2023</a:t>
             </a:fld>
-            <a:endParaRPr lang="en-US" dirty="0"/>
+            <a:endParaRPr lang="en-US"/>
           </a:p>
         </p:txBody>
       </p:sp>
@@ -2633,25 +2116,12 @@
             <p:ph type="ftr" sz="quarter" idx="11"/>
           </p:nvPr>
         </p:nvSpPr>
-        <p:spPr>
-          <a:xfrm>
-            <a:off x="5458983" y="6446520"/>
-            <a:ext cx="5334019" cy="365125"/>
-          </a:xfrm>
-        </p:spPr>
+        <p:spPr/>
         <p:txBody>
           <a:bodyPr/>
-          <a:lstStyle>
-            <a:lvl1pPr algn="l">
-              <a:defRPr>
-                <a:solidFill>
-                  <a:schemeClr val="tx2"/>
-                </a:solidFill>
-              </a:defRPr>
-            </a:lvl1pPr>
-          </a:lstStyle>
-          <a:p>
-            <a:endParaRPr lang="en-US" dirty="0"/>
+          <a:lstStyle/>
+          <a:p>
+            <a:endParaRPr lang="en-US"/>
           </a:p>
         </p:txBody>
       </p:sp>
@@ -2668,29 +2138,21 @@
         <p:spPr/>
         <p:txBody>
           <a:bodyPr/>
-          <a:lstStyle>
-            <a:lvl1pPr>
-              <a:defRPr>
-                <a:solidFill>
-                  <a:schemeClr val="tx2"/>
-                </a:solidFill>
-              </a:defRPr>
-            </a:lvl1pPr>
-          </a:lstStyle>
+          <a:lstStyle/>
           <a:p>
             <a:fld id="{3A98EE3D-8CD1-4C3F-BD1C-C98C9596463C}" type="slidenum">
               <a:rPr lang="en-US" smtClean="0"/>
               <a:pPr/>
               <a:t>‹#›</a:t>
             </a:fld>
-            <a:endParaRPr lang="en-US" dirty="0"/>
+            <a:endParaRPr lang="en-US"/>
           </a:p>
         </p:txBody>
       </p:sp>
     </p:spTree>
     <p:extLst>
       <p:ext uri="{BB962C8B-B14F-4D97-AF65-F5344CB8AC3E}">
-        <p14:creationId xmlns:p14="http://schemas.microsoft.com/office/powerpoint/2010/main" val="2633500401"/>
+        <p14:creationId xmlns:p14="http://schemas.microsoft.com/office/powerpoint/2010/main" val="1152538363"/>
       </p:ext>
     </p:extLst>
   </p:cSld>
@@ -2701,7 +2163,7 @@
 </file>
 
 <file path=ppt/slideLayouts/slideLayout9.xml><?xml version="1.0" encoding="utf-8"?>
-<p:sldLayout xmlns:a="http://schemas.openxmlformats.org/drawingml/2006/main" xmlns:r="http://schemas.openxmlformats.org/officeDocument/2006/relationships" xmlns:p="http://schemas.openxmlformats.org/presentationml/2006/main" showMasterSp="0" type="picTx" preserve="1">
+<p:sldLayout xmlns:a="http://schemas.openxmlformats.org/drawingml/2006/main" xmlns:r="http://schemas.openxmlformats.org/officeDocument/2006/relationships" xmlns:p="http://schemas.openxmlformats.org/presentationml/2006/main" type="picTx" preserve="1">
   <p:cSld name="Picture with Caption">
     <p:spTree>
       <p:nvGrpSpPr>
@@ -2719,47 +2181,34 @@
       </p:grpSpPr>
       <p:sp>
         <p:nvSpPr>
-          <p:cNvPr id="8" name="Rectangle 7">
-            <a:extLst>
-              <a:ext uri="{FF2B5EF4-FFF2-40B4-BE49-F238E27FC236}">
-                <a16:creationId xmlns:a16="http://schemas.microsoft.com/office/drawing/2014/main" id="{DA134939-39C0-4522-A125-A13DFDA66490}"/>
-              </a:ext>
-            </a:extLst>
-          </p:cNvPr>
-          <p:cNvSpPr/>
-          <p:nvPr/>
+          <p:cNvPr id="2" name="Title 1"/>
+          <p:cNvSpPr>
+            <a:spLocks noGrp="1"/>
+          </p:cNvSpPr>
+          <p:nvPr>
+            <p:ph type="title"/>
+          </p:nvPr>
         </p:nvSpPr>
         <p:spPr>
           <a:xfrm>
-            <a:off x="0" y="4578350"/>
-            <a:ext cx="12188825" cy="2279650"/>
+            <a:off x="839788" y="457200"/>
+            <a:ext cx="3932237" cy="1600200"/>
           </a:xfrm>
-          <a:prstGeom prst="rect">
-            <a:avLst/>
-          </a:prstGeom>
-          <a:solidFill>
-            <a:srgbClr val="262626"/>
-          </a:solidFill>
-          <a:ln>
-            <a:noFill/>
-          </a:ln>
         </p:spPr>
-        <p:style>
-          <a:lnRef idx="2">
-            <a:schemeClr val="accent1">
-              <a:shade val="50000"/>
-            </a:schemeClr>
-          </a:lnRef>
-          <a:fillRef idx="1">
-            <a:schemeClr val="accent1"/>
-          </a:fillRef>
-          <a:effectRef idx="0">
-            <a:schemeClr val="accent1"/>
-          </a:effectRef>
-          <a:fontRef idx="minor">
-            <a:schemeClr val="lt1"/>
-          </a:fontRef>
-        </p:style>
+        <p:txBody>
+          <a:bodyPr anchor="b"/>
+          <a:lstStyle>
+            <a:lvl1pPr>
+              <a:defRPr sz="3200"/>
+            </a:lvl1pPr>
+          </a:lstStyle>
+          <a:p>
+            <a:r>
+              <a:rPr lang="en-US"/>
+              <a:t>Click to edit Master title style</a:t>
+            </a:r>
+          </a:p>
+        </p:txBody>
       </p:sp>
       <p:sp>
         <p:nvSpPr>
@@ -2773,17 +2222,12 @@
         </p:nvSpPr>
         <p:spPr>
           <a:xfrm>
-            <a:off x="15" y="0"/>
-            <a:ext cx="12191985" cy="4578350"/>
+            <a:off x="5183188" y="987425"/>
+            <a:ext cx="6172200" cy="4873625"/>
           </a:xfrm>
-          <a:solidFill>
-            <a:schemeClr val="bg1">
-              <a:lumMod val="85000"/>
-            </a:schemeClr>
-          </a:solidFill>
         </p:spPr>
         <p:txBody>
-          <a:bodyPr lIns="457200" tIns="457200" anchor="t"/>
+          <a:bodyPr anchor="t"/>
           <a:lstStyle>
             <a:lvl1pPr marL="0" indent="0">
               <a:buNone/>
@@ -2827,114 +2271,63 @@
               <a:rPr lang="en-US"/>
               <a:t>Click icon to add picture</a:t>
             </a:r>
-            <a:endParaRPr lang="en-US" dirty="0"/>
-          </a:p>
-        </p:txBody>
-      </p:sp>
-      <p:sp>
-        <p:nvSpPr>
-          <p:cNvPr id="2" name="Title 1"/>
+          </a:p>
+        </p:txBody>
+      </p:sp>
+      <p:sp>
+        <p:nvSpPr>
+          <p:cNvPr id="4" name="Text Placeholder 3"/>
           <p:cNvSpPr>
             <a:spLocks noGrp="1"/>
           </p:cNvSpPr>
           <p:nvPr>
-            <p:ph type="title"/>
+            <p:ph type="body" sz="half" idx="2"/>
           </p:nvPr>
         </p:nvSpPr>
         <p:spPr>
           <a:xfrm>
-            <a:off x="1097279" y="4799362"/>
-            <a:ext cx="10113645" cy="743682"/>
+            <a:off x="839788" y="2057400"/>
+            <a:ext cx="3932237" cy="3811588"/>
           </a:xfrm>
         </p:spPr>
         <p:txBody>
-          <a:bodyPr tIns="0" bIns="0" anchor="b">
-            <a:noAutofit/>
-          </a:bodyPr>
-          <a:lstStyle>
-            <a:lvl1pPr>
-              <a:defRPr sz="3600" b="0">
-                <a:solidFill>
-                  <a:srgbClr val="FFFFFF"/>
-                </a:solidFill>
-              </a:defRPr>
-            </a:lvl1pPr>
-          </a:lstStyle>
-          <a:p>
-            <a:r>
-              <a:rPr lang="en-US"/>
-              <a:t>Click to edit Master title style</a:t>
-            </a:r>
-            <a:endParaRPr lang="en-US" dirty="0"/>
-          </a:p>
-        </p:txBody>
-      </p:sp>
-      <p:sp>
-        <p:nvSpPr>
-          <p:cNvPr id="4" name="Text Placeholder 3"/>
-          <p:cNvSpPr>
-            <a:spLocks noGrp="1"/>
-          </p:cNvSpPr>
-          <p:nvPr>
-            <p:ph type="body" sz="half" idx="2"/>
-          </p:nvPr>
-        </p:nvSpPr>
-        <p:spPr>
-          <a:xfrm>
-            <a:off x="1097279" y="5715000"/>
-            <a:ext cx="10113264" cy="609600"/>
-          </a:xfrm>
-        </p:spPr>
-        <p:txBody>
-          <a:bodyPr lIns="91440" tIns="0" rIns="91440" bIns="0">
-            <a:normAutofit/>
-          </a:bodyPr>
+          <a:bodyPr/>
           <a:lstStyle>
             <a:lvl1pPr marL="0" indent="0">
-              <a:spcBef>
-                <a:spcPts val="0"/>
-              </a:spcBef>
-              <a:spcAft>
-                <a:spcPts val="600"/>
-              </a:spcAft>
               <a:buNone/>
-              <a:defRPr sz="1800">
-                <a:solidFill>
-                  <a:srgbClr val="FFFFFF"/>
-                </a:solidFill>
-              </a:defRPr>
+              <a:defRPr sz="1600"/>
             </a:lvl1pPr>
             <a:lvl2pPr marL="457200" indent="0">
               <a:buNone/>
-              <a:defRPr sz="1200"/>
+              <a:defRPr sz="1400"/>
             </a:lvl2pPr>
             <a:lvl3pPr marL="914400" indent="0">
               <a:buNone/>
-              <a:defRPr sz="1000"/>
+              <a:defRPr sz="1200"/>
             </a:lvl3pPr>
             <a:lvl4pPr marL="1371600" indent="0">
               <a:buNone/>
-              <a:defRPr sz="900"/>
+              <a:defRPr sz="1000"/>
             </a:lvl4pPr>
             <a:lvl5pPr marL="1828800" indent="0">
               <a:buNone/>
-              <a:defRPr sz="900"/>
+              <a:defRPr sz="1000"/>
             </a:lvl5pPr>
             <a:lvl6pPr marL="2286000" indent="0">
               <a:buNone/>
-              <a:defRPr sz="900"/>
+              <a:defRPr sz="1000"/>
             </a:lvl6pPr>
             <a:lvl7pPr marL="2743200" indent="0">
               <a:buNone/>
-              <a:defRPr sz="900"/>
+              <a:defRPr sz="1000"/>
             </a:lvl7pPr>
             <a:lvl8pPr marL="3200400" indent="0">
               <a:buNone/>
-              <a:defRPr sz="900"/>
+              <a:defRPr sz="1000"/>
             </a:lvl8pPr>
             <a:lvl9pPr marL="3657600" indent="0">
               <a:buNone/>
-              <a:defRPr sz="900"/>
+              <a:defRPr sz="1000"/>
             </a:lvl9pPr>
           </a:lstStyle>
           <a:p>
@@ -2959,17 +2352,13 @@
         <p:spPr/>
         <p:txBody>
           <a:bodyPr/>
-          <a:lstStyle>
-            <a:lvl1pPr>
-              <a:defRPr/>
-            </a:lvl1pPr>
-          </a:lstStyle>
+          <a:lstStyle/>
           <a:p>
             <a:fld id="{4907D986-8816-4272-A432-0437A28A9828}" type="datetime1">
               <a:rPr lang="en-US" smtClean="0"/>
-              <a:t>10/31/2023</a:t>
+              <a:t>11/1/2023</a:t>
             </a:fld>
-            <a:endParaRPr lang="en-US" dirty="0"/>
+            <a:endParaRPr lang="en-US"/>
           </a:p>
         </p:txBody>
       </p:sp>
@@ -2983,18 +2372,13 @@
             <p:ph type="ftr" sz="quarter" idx="11"/>
           </p:nvPr>
         </p:nvSpPr>
-        <p:spPr>
-          <a:xfrm>
-            <a:off x="1097279" y="6446838"/>
-            <a:ext cx="6818262" cy="365125"/>
-          </a:xfrm>
-        </p:spPr>
+        <p:spPr/>
         <p:txBody>
           <a:bodyPr/>
           <a:lstStyle/>
           <a:p>
             <a:pPr algn="l"/>
-            <a:endParaRPr lang="en-US" dirty="0"/>
+            <a:endParaRPr lang="en-US"/>
           </a:p>
         </p:txBody>
       </p:sp>
@@ -3017,14 +2401,14 @@
               <a:rPr lang="en-US" smtClean="0"/>
               <a:t>‹#›</a:t>
             </a:fld>
-            <a:endParaRPr lang="en-US" dirty="0"/>
+            <a:endParaRPr lang="en-US"/>
           </a:p>
         </p:txBody>
       </p:sp>
     </p:spTree>
     <p:extLst>
       <p:ext uri="{BB962C8B-B14F-4D97-AF65-F5344CB8AC3E}">
-        <p14:creationId xmlns:p14="http://schemas.microsoft.com/office/powerpoint/2010/main" val="1635152653"/>
+        <p14:creationId xmlns:p14="http://schemas.microsoft.com/office/powerpoint/2010/main" val="1542631253"/>
       </p:ext>
     </p:extLst>
   </p:cSld>
@@ -3058,69 +2442,25 @@
       </p:grpSpPr>
       <p:sp>
         <p:nvSpPr>
-          <p:cNvPr id="7" name="Rectangle 6">
-            <a:extLst>
-              <a:ext uri="{FF2B5EF4-FFF2-40B4-BE49-F238E27FC236}">
-                <a16:creationId xmlns:a16="http://schemas.microsoft.com/office/drawing/2014/main" id="{416A0E3C-60E6-4F39-BC55-5F7C224E1F7C}"/>
-              </a:ext>
-            </a:extLst>
-          </p:cNvPr>
-          <p:cNvSpPr/>
-          <p:nvPr/>
+          <p:cNvPr id="2" name="Title Placeholder 1"/>
+          <p:cNvSpPr>
+            <a:spLocks noGrp="1"/>
+          </p:cNvSpPr>
+          <p:nvPr>
+            <p:ph type="title"/>
+          </p:nvPr>
         </p:nvSpPr>
         <p:spPr>
           <a:xfrm>
-            <a:off x="3175" y="6400800"/>
-            <a:ext cx="12188825" cy="457200"/>
-          </a:xfrm>
-          <a:prstGeom prst="rect">
-            <a:avLst/>
-          </a:prstGeom>
-          <a:solidFill>
-            <a:srgbClr val="262626"/>
-          </a:solidFill>
-          <a:ln>
-            <a:noFill/>
-          </a:ln>
-        </p:spPr>
-        <p:style>
-          <a:lnRef idx="2">
-            <a:schemeClr val="accent1">
-              <a:shade val="50000"/>
-            </a:schemeClr>
-          </a:lnRef>
-          <a:fillRef idx="1">
-            <a:schemeClr val="accent1"/>
-          </a:fillRef>
-          <a:effectRef idx="0">
-            <a:schemeClr val="accent1"/>
-          </a:effectRef>
-          <a:fontRef idx="minor">
-            <a:schemeClr val="lt1"/>
-          </a:fontRef>
-        </p:style>
-      </p:sp>
-      <p:sp>
-        <p:nvSpPr>
-          <p:cNvPr id="2" name="Title Placeholder 1"/>
-          <p:cNvSpPr>
-            <a:spLocks noGrp="1"/>
-          </p:cNvSpPr>
-          <p:nvPr>
-            <p:ph type="title"/>
-          </p:nvPr>
-        </p:nvSpPr>
-        <p:spPr>
-          <a:xfrm>
-            <a:off x="1097280" y="286603"/>
-            <a:ext cx="10058400" cy="1450757"/>
+            <a:off x="838200" y="365125"/>
+            <a:ext cx="10515600" cy="1325563"/>
           </a:xfrm>
           <a:prstGeom prst="rect">
             <a:avLst/>
           </a:prstGeom>
         </p:spPr>
         <p:txBody>
-          <a:bodyPr vert="horz" lIns="91440" tIns="45720" rIns="91440" bIns="45720" rtlCol="0" anchor="b">
+          <a:bodyPr vert="horz" lIns="91440" tIns="45720" rIns="91440" bIns="45720" rtlCol="0" anchor="ctr">
             <a:normAutofit/>
           </a:bodyPr>
           <a:lstStyle/>
@@ -3129,7 +2469,6 @@
               <a:rPr lang="en-US"/>
               <a:t>Click to edit Master title style</a:t>
             </a:r>
-            <a:endParaRPr lang="en-US" dirty="0"/>
           </a:p>
         </p:txBody>
       </p:sp>
@@ -3145,15 +2484,15 @@
         </p:nvSpPr>
         <p:spPr>
           <a:xfrm>
-            <a:off x="1097280" y="2108201"/>
-            <a:ext cx="10058400" cy="3760891"/>
+            <a:off x="838200" y="1825625"/>
+            <a:ext cx="10515600" cy="4351338"/>
           </a:xfrm>
           <a:prstGeom prst="rect">
             <a:avLst/>
           </a:prstGeom>
         </p:spPr>
         <p:txBody>
-          <a:bodyPr vert="horz" lIns="0" tIns="45720" rIns="0" bIns="45720" rtlCol="0">
+          <a:bodyPr vert="horz" lIns="91440" tIns="45720" rIns="91440" bIns="45720" rtlCol="0">
             <a:normAutofit/>
           </a:bodyPr>
           <a:lstStyle/>
@@ -3191,7 +2530,6 @@
               <a:rPr lang="en-US"/>
               <a:t>Fifth level</a:t>
             </a:r>
-            <a:endParaRPr lang="en-US" dirty="0"/>
           </a:p>
         </p:txBody>
       </p:sp>
@@ -3207,8 +2545,8 @@
         </p:nvSpPr>
         <p:spPr>
           <a:xfrm>
-            <a:off x="8218426" y="6446838"/>
-            <a:ext cx="2584850" cy="365125"/>
+            <a:off x="838200" y="6356350"/>
+            <a:ext cx="2743200" cy="365125"/>
           </a:xfrm>
           <a:prstGeom prst="rect">
             <a:avLst/>
@@ -3217,10 +2555,12 @@
         <p:txBody>
           <a:bodyPr vert="horz" lIns="91440" tIns="45720" rIns="91440" bIns="45720" rtlCol="0" anchor="ctr"/>
           <a:lstStyle>
-            <a:lvl1pPr algn="r">
-              <a:defRPr sz="800">
+            <a:lvl1pPr algn="l">
+              <a:defRPr sz="1200">
                 <a:solidFill>
-                  <a:srgbClr val="FFFFFF"/>
+                  <a:schemeClr val="tx1">
+                    <a:tint val="75000"/>
+                  </a:schemeClr>
                 </a:solidFill>
               </a:defRPr>
             </a:lvl1pPr>
@@ -3228,9 +2568,9 @@
           <a:p>
             <a:fld id="{62D6E202-B606-4609-B914-27C9371A1F6D}" type="datetime1">
               <a:rPr lang="en-US" smtClean="0"/>
-              <a:t>10/31/2023</a:t>
+              <a:t>11/1/2023</a:t>
             </a:fld>
-            <a:endParaRPr lang="en-US" dirty="0"/>
+            <a:endParaRPr lang="en-US"/>
           </a:p>
         </p:txBody>
       </p:sp>
@@ -3246,8 +2586,8 @@
         </p:nvSpPr>
         <p:spPr>
           <a:xfrm>
-            <a:off x="1097279" y="6446838"/>
-            <a:ext cx="6818262" cy="365125"/>
+            <a:off x="4038600" y="6356350"/>
+            <a:ext cx="4114800" cy="365125"/>
           </a:xfrm>
           <a:prstGeom prst="rect">
             <a:avLst/>
@@ -3256,16 +2596,18 @@
         <p:txBody>
           <a:bodyPr vert="horz" lIns="91440" tIns="45720" rIns="91440" bIns="45720" rtlCol="0" anchor="ctr"/>
           <a:lstStyle>
-            <a:lvl1pPr algn="l">
-              <a:defRPr sz="800" cap="all" baseline="0">
+            <a:lvl1pPr algn="ctr">
+              <a:defRPr sz="1200">
                 <a:solidFill>
-                  <a:srgbClr val="FFFFFF"/>
+                  <a:schemeClr val="tx1">
+                    <a:tint val="75000"/>
+                  </a:schemeClr>
                 </a:solidFill>
               </a:defRPr>
             </a:lvl1pPr>
           </a:lstStyle>
           <a:p>
-            <a:endParaRPr lang="en-US" dirty="0"/>
+            <a:endParaRPr lang="en-US"/>
           </a:p>
         </p:txBody>
       </p:sp>
@@ -3281,8 +2623,8 @@
         </p:nvSpPr>
         <p:spPr>
           <a:xfrm>
-            <a:off x="10993582" y="6446838"/>
-            <a:ext cx="780010" cy="365125"/>
+            <a:off x="8610600" y="6356350"/>
+            <a:ext cx="2743200" cy="365125"/>
           </a:xfrm>
           <a:prstGeom prst="rect">
             <a:avLst/>
@@ -3291,10 +2633,12 @@
         <p:txBody>
           <a:bodyPr vert="horz" lIns="91440" tIns="45720" rIns="91440" bIns="45720" rtlCol="0" anchor="ctr"/>
           <a:lstStyle>
-            <a:lvl1pPr algn="l">
-              <a:defRPr sz="800">
+            <a:lvl1pPr algn="r">
+              <a:defRPr sz="1200">
                 <a:solidFill>
-                  <a:srgbClr val="FFFFFF"/>
+                  <a:schemeClr val="tx1">
+                    <a:tint val="75000"/>
+                  </a:schemeClr>
                 </a:solidFill>
               </a:defRPr>
             </a:lvl1pPr>
@@ -3304,74 +2648,30 @@
               <a:rPr lang="en-US" smtClean="0"/>
               <a:t>‹#›</a:t>
             </a:fld>
-            <a:endParaRPr lang="en-US" dirty="0"/>
-          </a:p>
-        </p:txBody>
-      </p:sp>
-      <p:cxnSp>
-        <p:nvCxnSpPr>
-          <p:cNvPr id="10" name="Straight Connector 9">
-            <a:extLst>
-              <a:ext uri="{FF2B5EF4-FFF2-40B4-BE49-F238E27FC236}">
-                <a16:creationId xmlns:a16="http://schemas.microsoft.com/office/drawing/2014/main" id="{C5025DAC-8B93-4160-B017-3A274A5828C0}"/>
-              </a:ext>
-            </a:extLst>
-          </p:cNvPr>
-          <p:cNvCxnSpPr/>
-          <p:nvPr/>
-        </p:nvCxnSpPr>
-        <p:spPr>
-          <a:xfrm>
-            <a:off x="1193532" y="1897380"/>
-            <a:ext cx="9966960" cy="0"/>
-          </a:xfrm>
-          <a:prstGeom prst="line">
-            <a:avLst/>
-          </a:prstGeom>
-          <a:ln w="12700">
-            <a:solidFill>
-              <a:schemeClr val="tx1">
-                <a:lumMod val="75000"/>
-                <a:lumOff val="25000"/>
-              </a:schemeClr>
-            </a:solidFill>
-          </a:ln>
-        </p:spPr>
-        <p:style>
-          <a:lnRef idx="1">
-            <a:schemeClr val="accent1"/>
-          </a:lnRef>
-          <a:fillRef idx="0">
-            <a:schemeClr val="accent1"/>
-          </a:fillRef>
-          <a:effectRef idx="0">
-            <a:schemeClr val="accent1"/>
-          </a:effectRef>
-          <a:fontRef idx="minor">
-            <a:schemeClr val="tx1"/>
-          </a:fontRef>
-        </p:style>
-      </p:cxnSp>
+            <a:endParaRPr lang="en-US"/>
+          </a:p>
+        </p:txBody>
+      </p:sp>
     </p:spTree>
     <p:extLst>
       <p:ext uri="{BB962C8B-B14F-4D97-AF65-F5344CB8AC3E}">
-        <p14:creationId xmlns:p14="http://schemas.microsoft.com/office/powerpoint/2010/main" val="1011086531"/>
+        <p14:creationId xmlns:p14="http://schemas.microsoft.com/office/powerpoint/2010/main" val="1045718400"/>
       </p:ext>
     </p:extLst>
   </p:cSld>
-  <p:clrMap bg1="lt1" tx1="dk1" bg2="lt2" tx2="dk2" accent1="accent1" accent2="accent2" accent3="accent3" accent4="accent4" accent5="accent5" accent6="accent6" hlink="hlink" folHlink="folHlink"/>
+  <p:clrMap bg1="dk1" tx1="lt1" bg2="dk2" tx2="lt2" accent1="accent1" accent2="accent2" accent3="accent3" accent4="accent4" accent5="accent5" accent6="accent6" hlink="hlink" folHlink="folHlink"/>
   <p:sldLayoutIdLst>
-    <p:sldLayoutId id="2147483755" r:id="rId1"/>
-    <p:sldLayoutId id="2147483756" r:id="rId2"/>
-    <p:sldLayoutId id="2147483757" r:id="rId3"/>
-    <p:sldLayoutId id="2147483758" r:id="rId4"/>
-    <p:sldLayoutId id="2147483759" r:id="rId5"/>
-    <p:sldLayoutId id="2147483753" r:id="rId6"/>
-    <p:sldLayoutId id="2147483749" r:id="rId7"/>
-    <p:sldLayoutId id="2147483750" r:id="rId8"/>
-    <p:sldLayoutId id="2147483751" r:id="rId9"/>
-    <p:sldLayoutId id="2147483752" r:id="rId10"/>
-    <p:sldLayoutId id="2147483754" r:id="rId11"/>
+    <p:sldLayoutId id="2147483958" r:id="rId1"/>
+    <p:sldLayoutId id="2147483959" r:id="rId2"/>
+    <p:sldLayoutId id="2147483960" r:id="rId3"/>
+    <p:sldLayoutId id="2147483961" r:id="rId4"/>
+    <p:sldLayoutId id="2147483962" r:id="rId5"/>
+    <p:sldLayoutId id="2147483963" r:id="rId6"/>
+    <p:sldLayoutId id="2147483964" r:id="rId7"/>
+    <p:sldLayoutId id="2147483965" r:id="rId8"/>
+    <p:sldLayoutId id="2147483966" r:id="rId9"/>
+    <p:sldLayoutId id="2147483967" r:id="rId10"/>
+    <p:sldLayoutId id="2147483968" r:id="rId11"/>
   </p:sldLayoutIdLst>
   <p:hf sldNum="0" hdr="0" ftr="0" dt="0"/>
   <p:txStyles>
@@ -3384,12 +2684,9 @@
           <a:spcPct val="0"/>
         </a:spcBef>
         <a:buNone/>
-        <a:defRPr sz="4700" kern="1200" spc="-50" baseline="0">
+        <a:defRPr sz="4400" kern="1200">
           <a:solidFill>
-            <a:schemeClr val="tx1">
-              <a:lumMod val="75000"/>
-              <a:lumOff val="25000"/>
-            </a:schemeClr>
+            <a:schemeClr val="tx1"/>
           </a:solidFill>
           <a:latin typeface="+mj-lt"/>
           <a:ea typeface="+mj-ea"/>
@@ -3398,236 +2695,162 @@
       </a:lvl1pPr>
     </p:titleStyle>
     <p:bodyStyle>
-      <a:lvl1pPr marL="91440" indent="-91440" algn="l" defTabSz="914400" rtl="0" eaLnBrk="1" latinLnBrk="0" hangingPunct="1">
+      <a:lvl1pPr marL="228600" indent="-228600" algn="l" defTabSz="914400" rtl="0" eaLnBrk="1" latinLnBrk="0" hangingPunct="1">
         <a:lnSpc>
-          <a:spcPct val="110000"/>
+          <a:spcPct val="90000"/>
         </a:lnSpc>
         <a:spcBef>
-          <a:spcPts val="1200"/>
+          <a:spcPts val="1000"/>
         </a:spcBef>
-        <a:spcAft>
-          <a:spcPts val="200"/>
-        </a:spcAft>
-        <a:buClr>
-          <a:schemeClr val="accent1"/>
-        </a:buClr>
-        <a:buSzPct val="100000"/>
-        <a:buFont typeface="Calibri" panose="020F0502020204030204" pitchFamily="34" charset="0"/>
-        <a:buChar char=" "/>
-        <a:defRPr sz="2000" kern="1200">
+        <a:buFont typeface="Arial" panose="020B0604020202020204" pitchFamily="34" charset="0"/>
+        <a:buChar char="•"/>
+        <a:defRPr sz="2800" kern="1200">
           <a:solidFill>
-            <a:schemeClr val="tx1">
-              <a:lumMod val="75000"/>
-              <a:lumOff val="25000"/>
-            </a:schemeClr>
+            <a:schemeClr val="tx1"/>
           </a:solidFill>
           <a:latin typeface="+mn-lt"/>
           <a:ea typeface="+mn-ea"/>
           <a:cs typeface="+mn-cs"/>
         </a:defRPr>
       </a:lvl1pPr>
-      <a:lvl2pPr marL="384048" indent="-182880" algn="l" defTabSz="914400" rtl="0" eaLnBrk="1" latinLnBrk="0" hangingPunct="1">
+      <a:lvl2pPr marL="685800" indent="-228600" algn="l" defTabSz="914400" rtl="0" eaLnBrk="1" latinLnBrk="0" hangingPunct="1">
         <a:lnSpc>
-          <a:spcPct val="110000"/>
+          <a:spcPct val="90000"/>
         </a:lnSpc>
         <a:spcBef>
-          <a:spcPts val="200"/>
+          <a:spcPts val="500"/>
         </a:spcBef>
-        <a:spcAft>
-          <a:spcPts val="400"/>
-        </a:spcAft>
-        <a:buClrTx/>
-        <a:buFont typeface="Calibri" pitchFamily="34" charset="0"/>
-        <a:buChar char="◦"/>
-        <a:defRPr sz="1800" kern="1200">
+        <a:buFont typeface="Arial" panose="020B0604020202020204" pitchFamily="34" charset="0"/>
+        <a:buChar char="•"/>
+        <a:defRPr sz="2400" kern="1200">
           <a:solidFill>
-            <a:schemeClr val="tx1">
-              <a:lumMod val="75000"/>
-              <a:lumOff val="25000"/>
-            </a:schemeClr>
+            <a:schemeClr val="tx1"/>
           </a:solidFill>
           <a:latin typeface="+mn-lt"/>
           <a:ea typeface="+mn-ea"/>
           <a:cs typeface="+mn-cs"/>
         </a:defRPr>
       </a:lvl2pPr>
-      <a:lvl3pPr marL="566928" indent="-182880" algn="l" defTabSz="914400" rtl="0" eaLnBrk="1" latinLnBrk="0" hangingPunct="1">
+      <a:lvl3pPr marL="1143000" indent="-228600" algn="l" defTabSz="914400" rtl="0" eaLnBrk="1" latinLnBrk="0" hangingPunct="1">
         <a:lnSpc>
-          <a:spcPct val="110000"/>
+          <a:spcPct val="90000"/>
         </a:lnSpc>
         <a:spcBef>
-          <a:spcPts val="200"/>
+          <a:spcPts val="500"/>
         </a:spcBef>
-        <a:spcAft>
-          <a:spcPts val="400"/>
-        </a:spcAft>
-        <a:buClrTx/>
-        <a:buFont typeface="Calibri" pitchFamily="34" charset="0"/>
-        <a:buChar char="◦"/>
-        <a:defRPr sz="1400" kern="1200">
+        <a:buFont typeface="Arial" panose="020B0604020202020204" pitchFamily="34" charset="0"/>
+        <a:buChar char="•"/>
+        <a:defRPr sz="2000" kern="1200">
           <a:solidFill>
-            <a:schemeClr val="tx1">
-              <a:lumMod val="75000"/>
-              <a:lumOff val="25000"/>
-            </a:schemeClr>
+            <a:schemeClr val="tx1"/>
           </a:solidFill>
           <a:latin typeface="+mn-lt"/>
           <a:ea typeface="+mn-ea"/>
           <a:cs typeface="+mn-cs"/>
         </a:defRPr>
       </a:lvl3pPr>
-      <a:lvl4pPr marL="749808" indent="-182880" algn="l" defTabSz="914400" rtl="0" eaLnBrk="1" latinLnBrk="0" hangingPunct="1">
+      <a:lvl4pPr marL="1600200" indent="-228600" algn="l" defTabSz="914400" rtl="0" eaLnBrk="1" latinLnBrk="0" hangingPunct="1">
         <a:lnSpc>
-          <a:spcPct val="110000"/>
+          <a:spcPct val="90000"/>
         </a:lnSpc>
         <a:spcBef>
-          <a:spcPts val="200"/>
+          <a:spcPts val="500"/>
         </a:spcBef>
-        <a:spcAft>
-          <a:spcPts val="400"/>
-        </a:spcAft>
-        <a:buClrTx/>
-        <a:buFont typeface="Calibri" pitchFamily="34" charset="0"/>
-        <a:buChar char="◦"/>
-        <a:defRPr sz="1400" kern="1200">
+        <a:buFont typeface="Arial" panose="020B0604020202020204" pitchFamily="34" charset="0"/>
+        <a:buChar char="•"/>
+        <a:defRPr sz="1800" kern="1200">
           <a:solidFill>
-            <a:schemeClr val="tx1">
-              <a:lumMod val="75000"/>
-              <a:lumOff val="25000"/>
-            </a:schemeClr>
+            <a:schemeClr val="tx1"/>
           </a:solidFill>
           <a:latin typeface="+mn-lt"/>
           <a:ea typeface="+mn-ea"/>
           <a:cs typeface="+mn-cs"/>
         </a:defRPr>
       </a:lvl4pPr>
-      <a:lvl5pPr marL="932688" indent="-182880" algn="l" defTabSz="914400" rtl="0" eaLnBrk="1" latinLnBrk="0" hangingPunct="1">
+      <a:lvl5pPr marL="2057400" indent="-228600" algn="l" defTabSz="914400" rtl="0" eaLnBrk="1" latinLnBrk="0" hangingPunct="1">
         <a:lnSpc>
-          <a:spcPct val="110000"/>
+          <a:spcPct val="90000"/>
         </a:lnSpc>
         <a:spcBef>
-          <a:spcPts val="200"/>
+          <a:spcPts val="500"/>
         </a:spcBef>
-        <a:spcAft>
-          <a:spcPts val="400"/>
-        </a:spcAft>
-        <a:buClrTx/>
-        <a:buFont typeface="Calibri" pitchFamily="34" charset="0"/>
-        <a:buChar char="◦"/>
-        <a:defRPr sz="1400" kern="1200">
+        <a:buFont typeface="Arial" panose="020B0604020202020204" pitchFamily="34" charset="0"/>
+        <a:buChar char="•"/>
+        <a:defRPr sz="1800" kern="1200">
           <a:solidFill>
-            <a:schemeClr val="tx1">
-              <a:lumMod val="75000"/>
-              <a:lumOff val="25000"/>
-            </a:schemeClr>
+            <a:schemeClr val="tx1"/>
           </a:solidFill>
           <a:latin typeface="+mn-lt"/>
           <a:ea typeface="+mn-ea"/>
           <a:cs typeface="+mn-cs"/>
         </a:defRPr>
       </a:lvl5pPr>
-      <a:lvl6pPr marL="1100000" indent="-228600" algn="l" defTabSz="914400" rtl="0" eaLnBrk="1" latinLnBrk="0" hangingPunct="1">
+      <a:lvl6pPr marL="2514600" indent="-228600" algn="l" defTabSz="914400" rtl="0" eaLnBrk="1" latinLnBrk="0" hangingPunct="1">
         <a:lnSpc>
           <a:spcPct val="90000"/>
         </a:lnSpc>
         <a:spcBef>
-          <a:spcPts val="200"/>
+          <a:spcPts val="500"/>
         </a:spcBef>
-        <a:spcAft>
-          <a:spcPts val="400"/>
-        </a:spcAft>
-        <a:buClr>
-          <a:schemeClr val="accent1"/>
-        </a:buClr>
-        <a:buFont typeface="Calibri" pitchFamily="34" charset="0"/>
-        <a:buChar char="◦"/>
-        <a:defRPr sz="1400" kern="1200">
+        <a:buFont typeface="Arial" panose="020B0604020202020204" pitchFamily="34" charset="0"/>
+        <a:buChar char="•"/>
+        <a:defRPr sz="1800" kern="1200">
           <a:solidFill>
-            <a:schemeClr val="tx1">
-              <a:lumMod val="75000"/>
-              <a:lumOff val="25000"/>
-            </a:schemeClr>
+            <a:schemeClr val="tx1"/>
           </a:solidFill>
           <a:latin typeface="+mn-lt"/>
           <a:ea typeface="+mn-ea"/>
           <a:cs typeface="+mn-cs"/>
         </a:defRPr>
       </a:lvl6pPr>
-      <a:lvl7pPr marL="1300000" indent="-228600" algn="l" defTabSz="914400" rtl="0" eaLnBrk="1" latinLnBrk="0" hangingPunct="1">
+      <a:lvl7pPr marL="2971800" indent="-228600" algn="l" defTabSz="914400" rtl="0" eaLnBrk="1" latinLnBrk="0" hangingPunct="1">
         <a:lnSpc>
           <a:spcPct val="90000"/>
         </a:lnSpc>
         <a:spcBef>
-          <a:spcPts val="200"/>
+          <a:spcPts val="500"/>
         </a:spcBef>
-        <a:spcAft>
-          <a:spcPts val="400"/>
-        </a:spcAft>
-        <a:buClr>
-          <a:schemeClr val="accent1"/>
-        </a:buClr>
-        <a:buFont typeface="Calibri" pitchFamily="34" charset="0"/>
-        <a:buChar char="◦"/>
-        <a:defRPr sz="1400" kern="1200">
+        <a:buFont typeface="Arial" panose="020B0604020202020204" pitchFamily="34" charset="0"/>
+        <a:buChar char="•"/>
+        <a:defRPr sz="1800" kern="1200">
           <a:solidFill>
-            <a:schemeClr val="tx1">
-              <a:lumMod val="75000"/>
-              <a:lumOff val="25000"/>
-            </a:schemeClr>
+            <a:schemeClr val="tx1"/>
           </a:solidFill>
           <a:latin typeface="+mn-lt"/>
           <a:ea typeface="+mn-ea"/>
           <a:cs typeface="+mn-cs"/>
         </a:defRPr>
       </a:lvl7pPr>
-      <a:lvl8pPr marL="1500000" indent="-228600" algn="l" defTabSz="914400" rtl="0" eaLnBrk="1" latinLnBrk="0" hangingPunct="1">
+      <a:lvl8pPr marL="3429000" indent="-228600" algn="l" defTabSz="914400" rtl="0" eaLnBrk="1" latinLnBrk="0" hangingPunct="1">
         <a:lnSpc>
           <a:spcPct val="90000"/>
         </a:lnSpc>
         <a:spcBef>
-          <a:spcPts val="200"/>
+          <a:spcPts val="500"/>
         </a:spcBef>
-        <a:spcAft>
-          <a:spcPts val="400"/>
-        </a:spcAft>
-        <a:buClr>
-          <a:schemeClr val="accent1"/>
-        </a:buClr>
-        <a:buFont typeface="Calibri" pitchFamily="34" charset="0"/>
-        <a:buChar char="◦"/>
-        <a:defRPr sz="1400" kern="1200">
+        <a:buFont typeface="Arial" panose="020B0604020202020204" pitchFamily="34" charset="0"/>
+        <a:buChar char="•"/>
+        <a:defRPr sz="1800" kern="1200">
           <a:solidFill>
-            <a:schemeClr val="tx1">
-              <a:lumMod val="75000"/>
-              <a:lumOff val="25000"/>
-            </a:schemeClr>
+            <a:schemeClr val="tx1"/>
           </a:solidFill>
           <a:latin typeface="+mn-lt"/>
           <a:ea typeface="+mn-ea"/>
           <a:cs typeface="+mn-cs"/>
         </a:defRPr>
       </a:lvl8pPr>
-      <a:lvl9pPr marL="1700000" indent="-228600" algn="l" defTabSz="914400" rtl="0" eaLnBrk="1" latinLnBrk="0" hangingPunct="1">
+      <a:lvl9pPr marL="3886200" indent="-228600" algn="l" defTabSz="914400" rtl="0" eaLnBrk="1" latinLnBrk="0" hangingPunct="1">
         <a:lnSpc>
           <a:spcPct val="90000"/>
         </a:lnSpc>
         <a:spcBef>
-          <a:spcPts val="200"/>
+          <a:spcPts val="500"/>
         </a:spcBef>
-        <a:spcAft>
-          <a:spcPts val="400"/>
-        </a:spcAft>
-        <a:buClr>
-          <a:schemeClr val="accent1"/>
-        </a:buClr>
-        <a:buFont typeface="Calibri" pitchFamily="34" charset="0"/>
-        <a:buChar char="◦"/>
-        <a:defRPr sz="1400" kern="1200">
+        <a:buFont typeface="Arial" panose="020B0604020202020204" pitchFamily="34" charset="0"/>
+        <a:buChar char="•"/>
+        <a:defRPr sz="1800" kern="1200">
           <a:solidFill>
-            <a:schemeClr val="tx1">
-              <a:lumMod val="75000"/>
-              <a:lumOff val="25000"/>
-            </a:schemeClr>
+            <a:schemeClr val="tx1"/>
           </a:solidFill>
           <a:latin typeface="+mn-lt"/>
           <a:ea typeface="+mn-ea"/>
@@ -3759,66 +2982,6 @@
           <a:chExt cx="0" cy="0"/>
         </a:xfrm>
       </p:grpSpPr>
-      <p:sp useBgFill="1">
-        <p:nvSpPr>
-          <p:cNvPr id="9" name="Rectangle 8">
-            <a:extLst>
-              <a:ext uri="{FF2B5EF4-FFF2-40B4-BE49-F238E27FC236}">
-                <a16:creationId xmlns:a16="http://schemas.microsoft.com/office/drawing/2014/main" id="{A9286AD2-18A9-4868-A4E3-7A2097A20810}"/>
-              </a:ext>
-              <a:ext uri="{C183D7F6-B498-43B3-948B-1728B52AA6E4}">
-                <adec:decorative xmlns:adec="http://schemas.microsoft.com/office/drawing/2017/decorative" val="1"/>
-              </a:ext>
-            </a:extLst>
-          </p:cNvPr>
-          <p:cNvSpPr>
-            <a:spLocks noGrp="1" noRot="1" noChangeAspect="1" noMove="1" noResize="1" noEditPoints="1" noAdjustHandles="1" noChangeArrowheads="1" noChangeShapeType="1" noTextEdit="1"/>
-          </p:cNvSpPr>
-          <p:nvPr>
-            <p:extLst>
-              <p:ext uri="{386F3935-93C4-4BCD-93E2-E3B085C9AB24}">
-                <p16:designElem xmlns:p16="http://schemas.microsoft.com/office/powerpoint/2015/main" val="1"/>
-              </p:ext>
-            </p:extLst>
-          </p:nvPr>
-        </p:nvSpPr>
-        <p:spPr>
-          <a:xfrm>
-            <a:off x="0" y="1"/>
-            <a:ext cx="12192001" cy="6857999"/>
-          </a:xfrm>
-          <a:prstGeom prst="rect">
-            <a:avLst/>
-          </a:prstGeom>
-          <a:ln>
-            <a:noFill/>
-          </a:ln>
-        </p:spPr>
-        <p:style>
-          <a:lnRef idx="2">
-            <a:schemeClr val="accent1">
-              <a:shade val="50000"/>
-            </a:schemeClr>
-          </a:lnRef>
-          <a:fillRef idx="1">
-            <a:schemeClr val="accent1"/>
-          </a:fillRef>
-          <a:effectRef idx="0">
-            <a:schemeClr val="accent1"/>
-          </a:effectRef>
-          <a:fontRef idx="minor">
-            <a:schemeClr val="lt1"/>
-          </a:fontRef>
-        </p:style>
-        <p:txBody>
-          <a:bodyPr rtlCol="0" anchor="ctr"/>
-          <a:lstStyle/>
-          <a:p>
-            <a:pPr algn="ctr"/>
-            <a:endParaRPr lang="en-US"/>
-          </a:p>
-        </p:txBody>
-      </p:sp>
       <p:sp>
         <p:nvSpPr>
           <p:cNvPr id="2" name="Title 1">
@@ -3848,7 +3011,7 @@
           <a:lstStyle/>
           <a:p>
             <a:r>
-              <a:rPr lang="en-US" dirty="0"/>
+              <a:rPr lang="en-US"/>
               <a:t>Group Project 2</a:t>
             </a:r>
           </a:p>
@@ -3945,61 +3108,6 @@
           </a:prstGeom>
         </p:spPr>
       </p:pic>
-      <p:cxnSp>
-        <p:nvCxnSpPr>
-          <p:cNvPr id="11" name="Straight Connector 10">
-            <a:extLst>
-              <a:ext uri="{FF2B5EF4-FFF2-40B4-BE49-F238E27FC236}">
-                <a16:creationId xmlns:a16="http://schemas.microsoft.com/office/drawing/2014/main" id="{E7A7CD63-7EC3-44F3-95D0-595C4019FF24}"/>
-              </a:ext>
-              <a:ext uri="{C183D7F6-B498-43B3-948B-1728B52AA6E4}">
-                <adec:decorative xmlns:adec="http://schemas.microsoft.com/office/drawing/2017/decorative" val="1"/>
-              </a:ext>
-            </a:extLst>
-          </p:cNvPr>
-          <p:cNvCxnSpPr>
-            <a:cxnSpLocks noGrp="1" noRot="1" noChangeAspect="1" noMove="1" noResize="1" noEditPoints="1" noAdjustHandles="1" noChangeArrowheads="1" noChangeShapeType="1"/>
-          </p:cNvCxnSpPr>
-          <p:nvPr>
-            <p:extLst>
-              <p:ext uri="{386F3935-93C4-4BCD-93E2-E3B085C9AB24}">
-                <p16:designElem xmlns:p16="http://schemas.microsoft.com/office/powerpoint/2015/main" val="1"/>
-              </p:ext>
-            </p:extLst>
-          </p:nvPr>
-        </p:nvCxnSpPr>
-        <p:spPr>
-          <a:xfrm>
-            <a:off x="5427754" y="4498925"/>
-            <a:ext cx="5636107" cy="0"/>
-          </a:xfrm>
-          <a:prstGeom prst="line">
-            <a:avLst/>
-          </a:prstGeom>
-          <a:ln w="12700">
-            <a:solidFill>
-              <a:schemeClr val="tx1">
-                <a:lumMod val="75000"/>
-                <a:lumOff val="25000"/>
-              </a:schemeClr>
-            </a:solidFill>
-          </a:ln>
-        </p:spPr>
-        <p:style>
-          <a:lnRef idx="1">
-            <a:schemeClr val="accent1"/>
-          </a:lnRef>
-          <a:fillRef idx="0">
-            <a:schemeClr val="accent1"/>
-          </a:fillRef>
-          <a:effectRef idx="0">
-            <a:schemeClr val="accent1"/>
-          </a:effectRef>
-          <a:fontRef idx="minor">
-            <a:schemeClr val="tx1"/>
-          </a:fontRef>
-        </p:style>
-      </p:cxnSp>
     </p:spTree>
     <p:extLst>
       <p:ext uri="{BB962C8B-B14F-4D97-AF65-F5344CB8AC3E}">
@@ -4016,6 +3124,14 @@
 <file path=ppt/slides/slide2.xml><?xml version="1.0" encoding="utf-8"?>
 <p:sld xmlns:a="http://schemas.openxmlformats.org/drawingml/2006/main" xmlns:r="http://schemas.openxmlformats.org/officeDocument/2006/relationships" xmlns:p="http://schemas.openxmlformats.org/presentationml/2006/main">
   <p:cSld>
+    <p:bg>
+      <p:bgPr>
+        <a:solidFill>
+          <a:schemeClr val="bg1"/>
+        </a:solidFill>
+        <a:effectLst/>
+      </p:bgPr>
+    </p:bg>
     <p:spTree>
       <p:nvGrpSpPr>
         <p:cNvPr id="1" name=""/>
@@ -4046,12 +3162,26 @@
             <p:ph type="title"/>
           </p:nvPr>
         </p:nvSpPr>
-        <p:spPr/>
-        <p:txBody>
-          <a:bodyPr/>
+        <p:spPr>
+          <a:xfrm>
+            <a:off x="5172074" y="286603"/>
+            <a:ext cx="5983605" cy="1450757"/>
+          </a:xfrm>
+        </p:spPr>
+        <p:txBody>
+          <a:bodyPr>
+            <a:normAutofit/>
+          </a:bodyPr>
           <a:lstStyle/>
           <a:p>
-            <a:endParaRPr lang="en-US"/>
+            <a:r>
+              <a:rPr lang="en-US">
+                <a:solidFill>
+                  <a:schemeClr val="tx1"/>
+                </a:solidFill>
+              </a:rPr>
+              <a:t>Tasks </a:t>
+            </a:r>
           </a:p>
         </p:txBody>
       </p:sp>
@@ -4071,15 +3201,219 @@
             <p:ph idx="1"/>
           </p:nvPr>
         </p:nvSpPr>
-        <p:spPr/>
-        <p:txBody>
-          <a:bodyPr/>
+        <p:spPr>
+          <a:xfrm>
+            <a:off x="5172074" y="2108201"/>
+            <a:ext cx="5983606" cy="3760891"/>
+          </a:xfrm>
+        </p:spPr>
+        <p:txBody>
+          <a:bodyPr vert="horz" lIns="0" tIns="45720" rIns="0" bIns="45720" rtlCol="0" anchor="t">
+            <a:normAutofit/>
+          </a:bodyPr>
           <a:lstStyle/>
           <a:p>
-            <a:endParaRPr lang="en-US"/>
-          </a:p>
-        </p:txBody>
-      </p:sp>
+            <a:pPr>
+              <a:spcBef>
+                <a:spcPts val="0"/>
+              </a:spcBef>
+              <a:spcAft>
+                <a:spcPts val="600"/>
+              </a:spcAft>
+              <a:buFont typeface="Wingdings" panose="05000000000000000000" pitchFamily="2" charset="2"/>
+              <a:buChar char="v"/>
+            </a:pPr>
+            <a:r>
+              <a:rPr lang="en-US">
+                <a:solidFill>
+                  <a:schemeClr val="tx1"/>
+                </a:solidFill>
+                <a:latin typeface="Calibri"/>
+                <a:ea typeface="Calibri"/>
+                <a:cs typeface="Calibri"/>
+              </a:rPr>
+              <a:t>Issa Habeeb: Front End</a:t>
+            </a:r>
+            <a:endParaRPr lang="en-US">
+              <a:solidFill>
+                <a:schemeClr val="tx1"/>
+              </a:solidFill>
+            </a:endParaRPr>
+          </a:p>
+          <a:p>
+            <a:pPr>
+              <a:spcBef>
+                <a:spcPts val="0"/>
+              </a:spcBef>
+              <a:spcAft>
+                <a:spcPts val="600"/>
+              </a:spcAft>
+              <a:buFont typeface="Wingdings" panose="05000000000000000000" pitchFamily="2" charset="2"/>
+              <a:buChar char="v"/>
+            </a:pPr>
+            <a:r>
+              <a:rPr lang="en-US">
+                <a:solidFill>
+                  <a:schemeClr val="tx1"/>
+                </a:solidFill>
+                <a:latin typeface="Calibri"/>
+                <a:ea typeface="Calibri"/>
+                <a:cs typeface="Calibri"/>
+              </a:rPr>
+              <a:t>Ali Algahim: Coding</a:t>
+            </a:r>
+          </a:p>
+          <a:p>
+            <a:pPr>
+              <a:spcBef>
+                <a:spcPts val="0"/>
+              </a:spcBef>
+              <a:spcAft>
+                <a:spcPts val="600"/>
+              </a:spcAft>
+              <a:buFont typeface="Wingdings" panose="05000000000000000000" pitchFamily="2" charset="2"/>
+              <a:buChar char="v"/>
+            </a:pPr>
+            <a:r>
+              <a:rPr lang="en-US">
+                <a:solidFill>
+                  <a:schemeClr val="tx1"/>
+                </a:solidFill>
+                <a:latin typeface="Calibri"/>
+                <a:ea typeface="Calibri"/>
+                <a:cs typeface="Calibri"/>
+              </a:rPr>
+              <a:t>Emran Ali: Coding</a:t>
+            </a:r>
+          </a:p>
+          <a:p>
+            <a:pPr>
+              <a:spcBef>
+                <a:spcPts val="0"/>
+              </a:spcBef>
+              <a:spcAft>
+                <a:spcPts val="600"/>
+              </a:spcAft>
+              <a:buFont typeface="Wingdings" panose="05000000000000000000" pitchFamily="2" charset="2"/>
+              <a:buChar char="v"/>
+            </a:pPr>
+            <a:r>
+              <a:rPr lang="en-US">
+                <a:solidFill>
+                  <a:schemeClr val="tx1"/>
+                </a:solidFill>
+                <a:latin typeface="Calibri"/>
+                <a:ea typeface="Calibri"/>
+                <a:cs typeface="Calibri"/>
+              </a:rPr>
+              <a:t>George Ebaugh: Coding</a:t>
+            </a:r>
+          </a:p>
+          <a:p>
+            <a:pPr>
+              <a:spcBef>
+                <a:spcPts val="0"/>
+              </a:spcBef>
+              <a:spcAft>
+                <a:spcPts val="600"/>
+              </a:spcAft>
+              <a:buFont typeface="Wingdings" panose="05000000000000000000" pitchFamily="2" charset="2"/>
+              <a:buChar char="v"/>
+            </a:pPr>
+            <a:r>
+              <a:rPr lang="en-US">
+                <a:solidFill>
+                  <a:schemeClr val="tx1"/>
+                </a:solidFill>
+                <a:latin typeface="Calibri"/>
+                <a:ea typeface="Calibri"/>
+                <a:cs typeface="Calibri"/>
+              </a:rPr>
+              <a:t>Munassar Shariff: Written document </a:t>
+            </a:r>
+          </a:p>
+          <a:p>
+            <a:pPr>
+              <a:spcBef>
+                <a:spcPts val="0"/>
+              </a:spcBef>
+              <a:spcAft>
+                <a:spcPts val="600"/>
+              </a:spcAft>
+              <a:buFont typeface="Wingdings" panose="05000000000000000000" pitchFamily="2" charset="2"/>
+              <a:buChar char="v"/>
+            </a:pPr>
+            <a:r>
+              <a:rPr lang="en-US">
+                <a:solidFill>
+                  <a:schemeClr val="tx1"/>
+                </a:solidFill>
+                <a:latin typeface="Calibri"/>
+                <a:ea typeface="Calibri"/>
+                <a:cs typeface="Calibri"/>
+              </a:rPr>
+              <a:t>Nadia Aktar: Written  document</a:t>
+            </a:r>
+          </a:p>
+          <a:p>
+            <a:pPr>
+              <a:spcBef>
+                <a:spcPts val="0"/>
+              </a:spcBef>
+              <a:spcAft>
+                <a:spcPts val="600"/>
+              </a:spcAft>
+              <a:buFont typeface="Wingdings" panose="05000000000000000000" pitchFamily="2" charset="2"/>
+              <a:buChar char="v"/>
+            </a:pPr>
+            <a:r>
+              <a:rPr lang="en-US">
+                <a:solidFill>
+                  <a:schemeClr val="tx1"/>
+                </a:solidFill>
+                <a:latin typeface="Calibri"/>
+                <a:ea typeface="Calibri"/>
+                <a:cs typeface="Calibri"/>
+              </a:rPr>
+              <a:t>Rasheed Kareem: Coding </a:t>
+            </a:r>
+            <a:endParaRPr lang="en-US">
+              <a:solidFill>
+                <a:schemeClr val="tx1"/>
+              </a:solidFill>
+            </a:endParaRPr>
+          </a:p>
+        </p:txBody>
+      </p:sp>
+      <p:pic>
+        <p:nvPicPr>
+          <p:cNvPr id="26" name="Picture 25" descr="Computer script on a screen">
+            <a:extLst>
+              <a:ext uri="{FF2B5EF4-FFF2-40B4-BE49-F238E27FC236}">
+                <a16:creationId xmlns:a16="http://schemas.microsoft.com/office/drawing/2014/main" id="{AC8B6B64-0971-8CCF-9360-D7CA071B0444}"/>
+              </a:ext>
+            </a:extLst>
+          </p:cNvPr>
+          <p:cNvPicPr>
+            <a:picLocks noChangeAspect="1"/>
+          </p:cNvPicPr>
+          <p:nvPr/>
+        </p:nvPicPr>
+        <p:blipFill rotWithShape="1">
+          <a:blip r:embed="rId2"/>
+          <a:srcRect l="9253" r="46234" b="-3"/>
+          <a:stretch/>
+        </p:blipFill>
+        <p:spPr>
+          <a:xfrm>
+            <a:off x="20" y="10"/>
+            <a:ext cx="4580077" cy="6857990"/>
+          </a:xfrm>
+          <a:prstGeom prst="rect">
+            <a:avLst/>
+          </a:prstGeom>
+        </p:spPr>
+      </p:pic>
     </p:spTree>
     <p:extLst>
       <p:ext uri="{BB962C8B-B14F-4D97-AF65-F5344CB8AC3E}">
@@ -4093,55 +3427,4137 @@
 </p:sld>
 </file>
 
+<file path=ppt/slides/slide3.xml><?xml version="1.0" encoding="utf-8"?>
+<p:sld xmlns:a="http://schemas.openxmlformats.org/drawingml/2006/main" xmlns:r="http://schemas.openxmlformats.org/officeDocument/2006/relationships" xmlns:p="http://schemas.openxmlformats.org/presentationml/2006/main">
+  <p:cSld>
+    <p:bg>
+      <p:bgPr>
+        <a:solidFill>
+          <a:schemeClr val="bg1"/>
+        </a:solidFill>
+        <a:effectLst/>
+      </p:bgPr>
+    </p:bg>
+    <p:spTree>
+      <p:nvGrpSpPr>
+        <p:cNvPr id="1" name=""/>
+        <p:cNvGrpSpPr/>
+        <p:nvPr/>
+      </p:nvGrpSpPr>
+      <p:grpSpPr>
+        <a:xfrm>
+          <a:off x="0" y="0"/>
+          <a:ext cx="0" cy="0"/>
+          <a:chOff x="0" y="0"/>
+          <a:chExt cx="0" cy="0"/>
+        </a:xfrm>
+      </p:grpSpPr>
+      <p:sp>
+        <p:nvSpPr>
+          <p:cNvPr id="2" name="Title 1">
+            <a:extLst>
+              <a:ext uri="{FF2B5EF4-FFF2-40B4-BE49-F238E27FC236}">
+                <a16:creationId xmlns:a16="http://schemas.microsoft.com/office/drawing/2014/main" id="{D0EA287A-08A3-74D4-010D-A718863497BD}"/>
+              </a:ext>
+            </a:extLst>
+          </p:cNvPr>
+          <p:cNvSpPr>
+            <a:spLocks noGrp="1"/>
+          </p:cNvSpPr>
+          <p:nvPr>
+            <p:ph type="title"/>
+          </p:nvPr>
+        </p:nvSpPr>
+        <p:spPr>
+          <a:xfrm>
+            <a:off x="6513788" y="365125"/>
+            <a:ext cx="4840010" cy="1807305"/>
+          </a:xfrm>
+        </p:spPr>
+        <p:txBody>
+          <a:bodyPr>
+            <a:normAutofit/>
+          </a:bodyPr>
+          <a:lstStyle/>
+          <a:p>
+            <a:r>
+              <a:rPr lang="en-US" cap="all" baseline="0">
+                <a:latin typeface="Tw Cen MT"/>
+              </a:rPr>
+              <a:t>Project overview</a:t>
+            </a:r>
+            <a:endParaRPr lang="en-US"/>
+          </a:p>
+        </p:txBody>
+      </p:sp>
+      <p:sp>
+        <p:nvSpPr>
+          <p:cNvPr id="3" name="Content Placeholder 2">
+            <a:extLst>
+              <a:ext uri="{FF2B5EF4-FFF2-40B4-BE49-F238E27FC236}">
+                <a16:creationId xmlns:a16="http://schemas.microsoft.com/office/drawing/2014/main" id="{D5271388-A0D4-8F29-3A97-BD3A25BBE33A}"/>
+              </a:ext>
+            </a:extLst>
+          </p:cNvPr>
+          <p:cNvSpPr>
+            <a:spLocks noGrp="1"/>
+          </p:cNvSpPr>
+          <p:nvPr>
+            <p:ph idx="1"/>
+          </p:nvPr>
+        </p:nvSpPr>
+        <p:spPr>
+          <a:xfrm>
+            <a:off x="6513788" y="2333297"/>
+            <a:ext cx="4840010" cy="3843666"/>
+          </a:xfrm>
+        </p:spPr>
+        <p:txBody>
+          <a:bodyPr vert="horz" lIns="0" tIns="45720" rIns="0" bIns="45720" rtlCol="0">
+            <a:normAutofit/>
+          </a:bodyPr>
+          <a:lstStyle/>
+          <a:p>
+            <a:pPr>
+              <a:buClr>
+                <a:schemeClr val="tx1"/>
+              </a:buClr>
+              <a:buFont typeface="Wingdings" panose="05000000000000000000" pitchFamily="2" charset="2"/>
+              <a:buChar char="v"/>
+            </a:pPr>
+            <a:endParaRPr lang="en-US" sz="2000"/>
+          </a:p>
+          <a:p>
+            <a:pPr>
+              <a:buClr>
+                <a:schemeClr val="tx1"/>
+              </a:buClr>
+              <a:buFont typeface="Wingdings" panose="05000000000000000000" pitchFamily="2" charset="2"/>
+              <a:buChar char="v"/>
+            </a:pPr>
+            <a:r>
+              <a:rPr lang="en-US" sz="2000"/>
+              <a:t>Create a game like the popular arcade game space invaders using turtle.</a:t>
+            </a:r>
+          </a:p>
+          <a:p>
+            <a:pPr>
+              <a:buClr>
+                <a:schemeClr val="tx1"/>
+              </a:buClr>
+              <a:buFont typeface="Wingdings" panose="05000000000000000000" pitchFamily="2" charset="2"/>
+              <a:buChar char="v"/>
+            </a:pPr>
+            <a:r>
+              <a:rPr lang="en-US" sz="2000"/>
+              <a:t>Create a </a:t>
+            </a:r>
+            <a:r>
+              <a:rPr lang="en-US" sz="2000" err="1"/>
+              <a:t>tkinter</a:t>
+            </a:r>
+            <a:r>
+              <a:rPr lang="en-US" sz="2000"/>
+              <a:t> </a:t>
+            </a:r>
+            <a:r>
+              <a:rPr lang="en-US" sz="2000" err="1"/>
+              <a:t>gui</a:t>
+            </a:r>
+            <a:r>
+              <a:rPr lang="en-US" sz="2000"/>
+              <a:t> to create a menu for the game</a:t>
+            </a:r>
+          </a:p>
+          <a:p>
+            <a:pPr>
+              <a:buClr>
+                <a:schemeClr val="tx1"/>
+              </a:buClr>
+              <a:buFont typeface="Wingdings" panose="05000000000000000000" pitchFamily="2" charset="2"/>
+              <a:buChar char="v"/>
+            </a:pPr>
+            <a:r>
+              <a:rPr lang="en-US" sz="2000"/>
+              <a:t>Create new branch for project two on webpage</a:t>
+            </a:r>
+          </a:p>
+        </p:txBody>
+      </p:sp>
+      <p:pic>
+        <p:nvPicPr>
+          <p:cNvPr id="23" name="Picture 22">
+            <a:extLst>
+              <a:ext uri="{FF2B5EF4-FFF2-40B4-BE49-F238E27FC236}">
+                <a16:creationId xmlns:a16="http://schemas.microsoft.com/office/drawing/2014/main" id="{726F6EDC-605A-1579-CFFF-BCF56CC1669D}"/>
+              </a:ext>
+            </a:extLst>
+          </p:cNvPr>
+          <p:cNvPicPr>
+            <a:picLocks noChangeAspect="1"/>
+          </p:cNvPicPr>
+          <p:nvPr/>
+        </p:nvPicPr>
+        <p:blipFill rotWithShape="1">
+          <a:blip r:embed="rId2"/>
+          <a:srcRect l="32180" r="17651"/>
+          <a:stretch/>
+        </p:blipFill>
+        <p:spPr>
+          <a:xfrm>
+            <a:off x="20" y="10"/>
+            <a:ext cx="6116549" cy="6857990"/>
+          </a:xfrm>
+          <a:custGeom>
+            <a:avLst/>
+            <a:gdLst/>
+            <a:ahLst/>
+            <a:cxnLst/>
+            <a:rect l="l" t="t" r="r" b="b"/>
+            <a:pathLst>
+              <a:path w="6116569" h="6879321">
+                <a:moveTo>
+                  <a:pt x="0" y="0"/>
+                </a:moveTo>
+                <a:lnTo>
+                  <a:pt x="2935851" y="0"/>
+                </a:lnTo>
+                <a:cubicBezTo>
+                  <a:pt x="3035710" y="10660"/>
+                  <a:pt x="3138421" y="17767"/>
+                  <a:pt x="3238280" y="31980"/>
+                </a:cubicBezTo>
+                <a:cubicBezTo>
+                  <a:pt x="3817462" y="106602"/>
+                  <a:pt x="3127009" y="277163"/>
+                  <a:pt x="3660541" y="550772"/>
+                </a:cubicBezTo>
+                <a:cubicBezTo>
+                  <a:pt x="3706191" y="575645"/>
+                  <a:pt x="3757546" y="579199"/>
+                  <a:pt x="3808902" y="589860"/>
+                </a:cubicBezTo>
+                <a:cubicBezTo>
+                  <a:pt x="4008620" y="625393"/>
+                  <a:pt x="4211192" y="618286"/>
+                  <a:pt x="4413762" y="625393"/>
+                </a:cubicBezTo>
+                <a:cubicBezTo>
+                  <a:pt x="4465118" y="628946"/>
+                  <a:pt x="4525033" y="625393"/>
+                  <a:pt x="4567830" y="721333"/>
+                </a:cubicBezTo>
+                <a:cubicBezTo>
+                  <a:pt x="4425175" y="724888"/>
+                  <a:pt x="4305344" y="731994"/>
+                  <a:pt x="4171247" y="792401"/>
+                </a:cubicBezTo>
+                <a:cubicBezTo>
+                  <a:pt x="4239722" y="859916"/>
+                  <a:pt x="4322462" y="795955"/>
+                  <a:pt x="4376671" y="842148"/>
+                </a:cubicBezTo>
+                <a:cubicBezTo>
+                  <a:pt x="4428027" y="888342"/>
+                  <a:pt x="4470824" y="891896"/>
+                  <a:pt x="4527887" y="813722"/>
+                </a:cubicBezTo>
+                <a:cubicBezTo>
+                  <a:pt x="4556417" y="774634"/>
+                  <a:pt x="4604920" y="778187"/>
+                  <a:pt x="4633452" y="799508"/>
+                </a:cubicBezTo>
+                <a:cubicBezTo>
+                  <a:pt x="4781813" y="913216"/>
+                  <a:pt x="4778960" y="909662"/>
+                  <a:pt x="4947293" y="870576"/>
+                </a:cubicBezTo>
+                <a:cubicBezTo>
+                  <a:pt x="5055712" y="845701"/>
+                  <a:pt x="5166983" y="806615"/>
+                  <a:pt x="5263988" y="820828"/>
+                </a:cubicBezTo>
+                <a:cubicBezTo>
+                  <a:pt x="5275401" y="867022"/>
+                  <a:pt x="5263988" y="888342"/>
+                  <a:pt x="5249723" y="895449"/>
+                </a:cubicBezTo>
+                <a:cubicBezTo>
+                  <a:pt x="5021475" y="1005604"/>
+                  <a:pt x="4975825" y="1122864"/>
+                  <a:pt x="4744723" y="1197485"/>
+                </a:cubicBezTo>
+                <a:cubicBezTo>
+                  <a:pt x="4724751" y="1268552"/>
+                  <a:pt x="4807491" y="1275660"/>
+                  <a:pt x="4767548" y="1346727"/>
+                </a:cubicBezTo>
+                <a:cubicBezTo>
+                  <a:pt x="4693367" y="1407134"/>
+                  <a:pt x="4610627" y="1346727"/>
+                  <a:pt x="4539299" y="1421348"/>
+                </a:cubicBezTo>
+                <a:cubicBezTo>
+                  <a:pt x="4550712" y="1471094"/>
+                  <a:pt x="4610627" y="1432008"/>
+                  <a:pt x="4607773" y="1485309"/>
+                </a:cubicBezTo>
+                <a:cubicBezTo>
+                  <a:pt x="4604920" y="1517288"/>
+                  <a:pt x="4593508" y="1527948"/>
+                  <a:pt x="4579242" y="1535055"/>
+                </a:cubicBezTo>
+                <a:cubicBezTo>
+                  <a:pt x="4776107" y="1538608"/>
+                  <a:pt x="5383820" y="1574142"/>
+                  <a:pt x="5278255" y="1609676"/>
+                </a:cubicBezTo>
+                <a:cubicBezTo>
+                  <a:pt x="5418057" y="1698511"/>
+                  <a:pt x="5623481" y="1609676"/>
+                  <a:pt x="5771843" y="1630997"/>
+                </a:cubicBezTo>
+                <a:cubicBezTo>
+                  <a:pt x="5925911" y="1652316"/>
+                  <a:pt x="6171278" y="1719830"/>
+                  <a:pt x="6105656" y="1748257"/>
+                </a:cubicBezTo>
+                <a:cubicBezTo>
+                  <a:pt x="6031475" y="1780238"/>
+                  <a:pt x="5766136" y="2146235"/>
+                  <a:pt x="5691955" y="2167555"/>
+                </a:cubicBezTo>
+                <a:cubicBezTo>
+                  <a:pt x="5606362" y="2188875"/>
+                  <a:pt x="5589243" y="2217302"/>
+                  <a:pt x="5475118" y="2348776"/>
+                </a:cubicBezTo>
+                <a:cubicBezTo>
+                  <a:pt x="5398085" y="2437610"/>
+                  <a:pt x="5709074" y="2238623"/>
+                  <a:pt x="5826051" y="2291922"/>
+                </a:cubicBezTo>
+                <a:cubicBezTo>
+                  <a:pt x="5868848" y="2309690"/>
+                  <a:pt x="5552153" y="2554872"/>
+                  <a:pt x="5552153" y="2597513"/>
+                </a:cubicBezTo>
+                <a:cubicBezTo>
+                  <a:pt x="5549300" y="2640153"/>
+                  <a:pt x="5577831" y="2647260"/>
+                  <a:pt x="5603508" y="2647260"/>
+                </a:cubicBezTo>
+                <a:cubicBezTo>
+                  <a:pt x="5660571" y="2647260"/>
+                  <a:pt x="5640599" y="2686346"/>
+                  <a:pt x="5700515" y="2679240"/>
+                </a:cubicBezTo>
+                <a:cubicBezTo>
+                  <a:pt x="5523622" y="2800055"/>
+                  <a:pt x="5418057" y="2778734"/>
+                  <a:pt x="5246870" y="2888889"/>
+                </a:cubicBezTo>
+                <a:cubicBezTo>
+                  <a:pt x="5164130" y="2942189"/>
+                  <a:pt x="4921615" y="3119857"/>
+                  <a:pt x="4836022" y="3169605"/>
+                </a:cubicBezTo>
+                <a:cubicBezTo>
+                  <a:pt x="4801785" y="3187371"/>
+                  <a:pt x="4758988" y="3173158"/>
+                  <a:pt x="4736163" y="3233565"/>
+                </a:cubicBezTo>
+                <a:cubicBezTo>
+                  <a:pt x="4770400" y="3279759"/>
+                  <a:pt x="4816050" y="3254885"/>
+                  <a:pt x="4853141" y="3233565"/>
+                </a:cubicBezTo>
+                <a:cubicBezTo>
+                  <a:pt x="4944440" y="3176711"/>
+                  <a:pt x="4935881" y="3190925"/>
+                  <a:pt x="4944440" y="3226459"/>
+                </a:cubicBezTo>
+                <a:cubicBezTo>
+                  <a:pt x="4972972" y="3350827"/>
+                  <a:pt x="5044300" y="3308186"/>
+                  <a:pt x="5109921" y="3283313"/>
+                </a:cubicBezTo>
+                <a:cubicBezTo>
+                  <a:pt x="5303932" y="3208692"/>
+                  <a:pt x="5500797" y="3215799"/>
+                  <a:pt x="5694809" y="3141178"/>
+                </a:cubicBezTo>
+                <a:cubicBezTo>
+                  <a:pt x="5714781" y="3134070"/>
+                  <a:pt x="5612068" y="3283313"/>
+                  <a:pt x="5566419" y="3301079"/>
+                </a:cubicBezTo>
+                <a:cubicBezTo>
+                  <a:pt x="5515063" y="3322399"/>
+                  <a:pt x="5452294" y="3311739"/>
+                  <a:pt x="5415203" y="3397020"/>
+                </a:cubicBezTo>
+                <a:cubicBezTo>
+                  <a:pt x="5477972" y="3414787"/>
+                  <a:pt x="5552153" y="3372147"/>
+                  <a:pt x="5612068" y="3432554"/>
+                </a:cubicBezTo>
+                <a:cubicBezTo>
+                  <a:pt x="5469413" y="3528494"/>
+                  <a:pt x="5329610" y="3535601"/>
+                  <a:pt x="5206927" y="3599562"/>
+                </a:cubicBezTo>
+                <a:cubicBezTo>
+                  <a:pt x="5192661" y="3706163"/>
+                  <a:pt x="5272548" y="3663523"/>
+                  <a:pt x="5301079" y="3723930"/>
+                </a:cubicBezTo>
+                <a:cubicBezTo>
+                  <a:pt x="5072830" y="3844745"/>
+                  <a:pt x="4564977" y="4232062"/>
+                  <a:pt x="4507915" y="4306683"/>
+                </a:cubicBezTo>
+                <a:cubicBezTo>
+                  <a:pt x="4390937" y="4463031"/>
+                  <a:pt x="3900202" y="4562525"/>
+                  <a:pt x="3982942" y="4587399"/>
+                </a:cubicBezTo>
+                <a:cubicBezTo>
+                  <a:pt x="4051417" y="4608719"/>
+                  <a:pt x="4119891" y="4587399"/>
+                  <a:pt x="4185513" y="4541205"/>
+                </a:cubicBezTo>
+                <a:cubicBezTo>
+                  <a:pt x="4291078" y="4466584"/>
+                  <a:pt x="5010062" y="4523438"/>
+                  <a:pt x="5212633" y="4455924"/>
+                </a:cubicBezTo>
+                <a:cubicBezTo>
+                  <a:pt x="5241164" y="4445264"/>
+                  <a:pt x="5283960" y="4409730"/>
+                  <a:pt x="5312492" y="4473691"/>
+                </a:cubicBezTo>
+                <a:cubicBezTo>
+                  <a:pt x="5098508" y="4704659"/>
+                  <a:pt x="4833169" y="4654913"/>
+                  <a:pt x="4596361" y="4818368"/>
+                </a:cubicBezTo>
+                <a:cubicBezTo>
+                  <a:pt x="4684807" y="4917861"/>
+                  <a:pt x="4776107" y="4907202"/>
+                  <a:pt x="4873113" y="4885882"/>
+                </a:cubicBezTo>
+                <a:cubicBezTo>
+                  <a:pt x="4895938" y="4878775"/>
+                  <a:pt x="4930175" y="4871668"/>
+                  <a:pt x="4935881" y="4914309"/>
+                </a:cubicBezTo>
+                <a:cubicBezTo>
+                  <a:pt x="4941587" y="4967609"/>
+                  <a:pt x="4898790" y="4978270"/>
+                  <a:pt x="4873113" y="5003143"/>
+                </a:cubicBezTo>
+                <a:cubicBezTo>
+                  <a:pt x="4833169" y="5038676"/>
+                  <a:pt x="4773254" y="4999590"/>
+                  <a:pt x="4721898" y="5095530"/>
+                </a:cubicBezTo>
+                <a:cubicBezTo>
+                  <a:pt x="4873113" y="5067104"/>
+                  <a:pt x="4998650" y="5020910"/>
+                  <a:pt x="5132745" y="4949842"/>
+                </a:cubicBezTo>
+                <a:cubicBezTo>
+                  <a:pt x="5121333" y="5006696"/>
+                  <a:pt x="5081390" y="5035123"/>
+                  <a:pt x="5101362" y="5081317"/>
+                </a:cubicBezTo>
+                <a:cubicBezTo>
+                  <a:pt x="5118480" y="5116850"/>
+                  <a:pt x="5164130" y="5131063"/>
+                  <a:pt x="5138452" y="5198578"/>
+                </a:cubicBezTo>
+                <a:cubicBezTo>
+                  <a:pt x="5067125" y="5273199"/>
+                  <a:pt x="4967265" y="5258986"/>
+                  <a:pt x="4904497" y="5362033"/>
+                </a:cubicBezTo>
+                <a:cubicBezTo>
+                  <a:pt x="4818903" y="5507721"/>
+                  <a:pt x="4684807" y="5564575"/>
+                  <a:pt x="4579242" y="5674729"/>
+                </a:cubicBezTo>
+                <a:cubicBezTo>
+                  <a:pt x="4545005" y="5713816"/>
+                  <a:pt x="4313903" y="5841738"/>
+                  <a:pt x="4253988" y="5884379"/>
+                </a:cubicBezTo>
+                <a:cubicBezTo>
+                  <a:pt x="4168395" y="5944786"/>
+                  <a:pt x="4071389" y="5966106"/>
+                  <a:pt x="3985795" y="6069153"/>
+                </a:cubicBezTo>
+                <a:cubicBezTo>
+                  <a:pt x="4065682" y="6086921"/>
+                  <a:pt x="4134157" y="5990979"/>
+                  <a:pt x="4231163" y="6030066"/>
+                </a:cubicBezTo>
+                <a:cubicBezTo>
+                  <a:pt x="4074242" y="6133114"/>
+                  <a:pt x="3931586" y="6182861"/>
+                  <a:pt x="3814609" y="6317889"/>
+                </a:cubicBezTo>
+                <a:cubicBezTo>
+                  <a:pt x="3800343" y="6335656"/>
+                  <a:pt x="3771812" y="6332102"/>
+                  <a:pt x="3751840" y="6339209"/>
+                </a:cubicBezTo>
+                <a:cubicBezTo>
+                  <a:pt x="3529298" y="6406723"/>
+                  <a:pt x="3309608" y="6467130"/>
+                  <a:pt x="3089919" y="6563071"/>
+                </a:cubicBezTo>
+                <a:cubicBezTo>
+                  <a:pt x="3041416" y="6584392"/>
+                  <a:pt x="2955823" y="6595052"/>
+                  <a:pt x="2961529" y="6662566"/>
+                </a:cubicBezTo>
+                <a:cubicBezTo>
+                  <a:pt x="2972941" y="6765613"/>
+                  <a:pt x="3055681" y="6687439"/>
+                  <a:pt x="3107038" y="6673226"/>
+                </a:cubicBezTo>
+                <a:cubicBezTo>
+                  <a:pt x="3269664" y="6634138"/>
+                  <a:pt x="3432292" y="6570178"/>
+                  <a:pt x="3594919" y="6591499"/>
+                </a:cubicBezTo>
+                <a:cubicBezTo>
+                  <a:pt x="3483648" y="6637693"/>
+                  <a:pt x="3372376" y="6680332"/>
+                  <a:pt x="3261106" y="6726527"/>
+                </a:cubicBezTo>
+                <a:cubicBezTo>
+                  <a:pt x="3386642" y="6705206"/>
+                  <a:pt x="3495061" y="6786934"/>
+                  <a:pt x="3620597" y="6740740"/>
+                </a:cubicBezTo>
+                <a:cubicBezTo>
+                  <a:pt x="3660541" y="6726527"/>
+                  <a:pt x="3700484" y="6765613"/>
+                  <a:pt x="3703337" y="6826020"/>
+                </a:cubicBezTo>
+                <a:cubicBezTo>
+                  <a:pt x="3706191" y="6847340"/>
+                  <a:pt x="3700484" y="6865108"/>
+                  <a:pt x="3689072" y="6879321"/>
+                </a:cubicBezTo>
+                <a:lnTo>
+                  <a:pt x="0" y="6879321"/>
+                </a:lnTo>
+                <a:close/>
+              </a:path>
+            </a:pathLst>
+          </a:custGeom>
+        </p:spPr>
+      </p:pic>
+    </p:spTree>
+    <p:extLst>
+      <p:ext uri="{BB962C8B-B14F-4D97-AF65-F5344CB8AC3E}">
+        <p14:creationId xmlns:p14="http://schemas.microsoft.com/office/powerpoint/2010/main" val="3833075344"/>
+      </p:ext>
+    </p:extLst>
+  </p:cSld>
+  <p:clrMapOvr>
+    <a:masterClrMapping/>
+  </p:clrMapOvr>
+</p:sld>
+</file>
+
+<file path=ppt/slides/slide4.xml><?xml version="1.0" encoding="utf-8"?>
+<p:sld xmlns:a="http://schemas.openxmlformats.org/drawingml/2006/main" xmlns:r="http://schemas.openxmlformats.org/officeDocument/2006/relationships" xmlns:p="http://schemas.openxmlformats.org/presentationml/2006/main">
+  <p:cSld>
+    <p:bg>
+      <p:bgPr>
+        <a:solidFill>
+          <a:schemeClr val="bg1"/>
+        </a:solidFill>
+        <a:effectLst/>
+      </p:bgPr>
+    </p:bg>
+    <p:spTree>
+      <p:nvGrpSpPr>
+        <p:cNvPr id="1" name=""/>
+        <p:cNvGrpSpPr/>
+        <p:nvPr/>
+      </p:nvGrpSpPr>
+      <p:grpSpPr>
+        <a:xfrm>
+          <a:off x="0" y="0"/>
+          <a:ext cx="0" cy="0"/>
+          <a:chOff x="0" y="0"/>
+          <a:chExt cx="0" cy="0"/>
+        </a:xfrm>
+      </p:grpSpPr>
+      <p:sp useBgFill="1">
+        <p:nvSpPr>
+          <p:cNvPr id="31" name="Rectangle 30">
+            <a:extLst>
+              <a:ext uri="{FF2B5EF4-FFF2-40B4-BE49-F238E27FC236}">
+                <a16:creationId xmlns:a16="http://schemas.microsoft.com/office/drawing/2014/main" id="{57F72BCA-EE24-40BE-9ECA-E10C9BA55F90}"/>
+              </a:ext>
+              <a:ext uri="{C183D7F6-B498-43B3-948B-1728B52AA6E4}">
+                <adec:decorative xmlns:adec="http://schemas.microsoft.com/office/drawing/2017/decorative" val="1"/>
+              </a:ext>
+            </a:extLst>
+          </p:cNvPr>
+          <p:cNvSpPr>
+            <a:spLocks noGrp="1" noRot="1" noChangeAspect="1" noMove="1" noResize="1" noEditPoints="1" noAdjustHandles="1" noChangeArrowheads="1" noChangeShapeType="1" noTextEdit="1"/>
+          </p:cNvSpPr>
+          <p:nvPr>
+            <p:extLst>
+              <p:ext uri="{386F3935-93C4-4BCD-93E2-E3B085C9AB24}">
+                <p16:designElem xmlns:p16="http://schemas.microsoft.com/office/powerpoint/2015/main" val="1"/>
+              </p:ext>
+            </p:extLst>
+          </p:nvPr>
+        </p:nvSpPr>
+        <p:spPr>
+          <a:xfrm>
+            <a:off x="0" y="0"/>
+            <a:ext cx="12192000" cy="6858000"/>
+          </a:xfrm>
+          <a:prstGeom prst="rect">
+            <a:avLst/>
+          </a:prstGeom>
+          <a:ln>
+            <a:noFill/>
+          </a:ln>
+        </p:spPr>
+        <p:style>
+          <a:lnRef idx="2">
+            <a:schemeClr val="accent1">
+              <a:shade val="50000"/>
+            </a:schemeClr>
+          </a:lnRef>
+          <a:fillRef idx="1">
+            <a:schemeClr val="accent1"/>
+          </a:fillRef>
+          <a:effectRef idx="0">
+            <a:schemeClr val="accent1"/>
+          </a:effectRef>
+          <a:fontRef idx="minor">
+            <a:schemeClr val="lt1"/>
+          </a:fontRef>
+        </p:style>
+        <p:txBody>
+          <a:bodyPr rtlCol="0" anchor="ctr"/>
+          <a:lstStyle/>
+          <a:p>
+            <a:pPr algn="ctr"/>
+            <a:endParaRPr lang="en-US"/>
+          </a:p>
+        </p:txBody>
+      </p:sp>
+      <p:sp>
+        <p:nvSpPr>
+          <p:cNvPr id="2" name="Title 1">
+            <a:extLst>
+              <a:ext uri="{FF2B5EF4-FFF2-40B4-BE49-F238E27FC236}">
+                <a16:creationId xmlns:a16="http://schemas.microsoft.com/office/drawing/2014/main" id="{1E858F22-D8DE-1B8F-C52F-76AE981B4EA7}"/>
+              </a:ext>
+            </a:extLst>
+          </p:cNvPr>
+          <p:cNvSpPr>
+            <a:spLocks noGrp="1"/>
+          </p:cNvSpPr>
+          <p:nvPr>
+            <p:ph type="title"/>
+          </p:nvPr>
+        </p:nvSpPr>
+        <p:spPr>
+          <a:xfrm>
+            <a:off x="6775703" y="566928"/>
+            <a:ext cx="4578337" cy="1161288"/>
+          </a:xfrm>
+        </p:spPr>
+        <p:txBody>
+          <a:bodyPr anchor="b">
+            <a:normAutofit/>
+          </a:bodyPr>
+          <a:lstStyle/>
+          <a:p>
+            <a:r>
+              <a:rPr lang="en-US" sz="3600"/>
+              <a:t>Software</a:t>
+            </a:r>
+          </a:p>
+        </p:txBody>
+      </p:sp>
+      <p:pic>
+        <p:nvPicPr>
+          <p:cNvPr id="19" name="Picture 18" descr="Data concept">
+            <a:extLst>
+              <a:ext uri="{FF2B5EF4-FFF2-40B4-BE49-F238E27FC236}">
+                <a16:creationId xmlns:a16="http://schemas.microsoft.com/office/drawing/2014/main" id="{7A9D66CC-7B68-19C8-6097-E60422056466}"/>
+              </a:ext>
+            </a:extLst>
+          </p:cNvPr>
+          <p:cNvPicPr>
+            <a:picLocks noChangeAspect="1"/>
+          </p:cNvPicPr>
+          <p:nvPr/>
+        </p:nvPicPr>
+        <p:blipFill rotWithShape="1">
+          <a:blip r:embed="rId2"/>
+          <a:srcRect r="26815" b="-2"/>
+          <a:stretch/>
+        </p:blipFill>
+        <p:spPr>
+          <a:xfrm>
+            <a:off x="838199" y="566928"/>
+            <a:ext cx="5157216" cy="5285232"/>
+          </a:xfrm>
+          <a:prstGeom prst="rect">
+            <a:avLst/>
+          </a:prstGeom>
+        </p:spPr>
+      </p:pic>
+      <p:sp>
+        <p:nvSpPr>
+          <p:cNvPr id="3" name="Content Placeholder 2">
+            <a:extLst>
+              <a:ext uri="{FF2B5EF4-FFF2-40B4-BE49-F238E27FC236}">
+                <a16:creationId xmlns:a16="http://schemas.microsoft.com/office/drawing/2014/main" id="{10E7E560-140C-AB2E-65DA-A4EC136BED8A}"/>
+              </a:ext>
+            </a:extLst>
+          </p:cNvPr>
+          <p:cNvSpPr>
+            <a:spLocks noGrp="1"/>
+          </p:cNvSpPr>
+          <p:nvPr>
+            <p:ph idx="1"/>
+          </p:nvPr>
+        </p:nvSpPr>
+        <p:spPr>
+          <a:xfrm>
+            <a:off x="6775704" y="2057400"/>
+            <a:ext cx="4572000" cy="3776472"/>
+          </a:xfrm>
+        </p:spPr>
+        <p:txBody>
+          <a:bodyPr vert="horz" lIns="0" tIns="45720" rIns="0" bIns="45720" rtlCol="0">
+            <a:normAutofit/>
+          </a:bodyPr>
+          <a:lstStyle/>
+          <a:p>
+            <a:pPr>
+              <a:buFont typeface="Wingdings" panose="05000000000000000000" pitchFamily="2" charset="2"/>
+              <a:buChar char="v"/>
+            </a:pPr>
+            <a:r>
+              <a:rPr lang="en-US" sz="1800"/>
+              <a:t>HTML</a:t>
+            </a:r>
+            <a:r>
+              <a:rPr lang="en-US" sz="1800">
+                <a:latin typeface="TW Cen MT"/>
+              </a:rPr>
+              <a:t>- The structure, and elements (such as header, body, footer) of the website. </a:t>
+            </a:r>
+          </a:p>
+          <a:p>
+            <a:pPr>
+              <a:buFont typeface="Wingdings" panose="05000000000000000000" pitchFamily="2" charset="2"/>
+              <a:buChar char="v"/>
+            </a:pPr>
+            <a:r>
+              <a:rPr lang="en-US" sz="1800">
+                <a:latin typeface="TW Cen MT"/>
+              </a:rPr>
+              <a:t>CSS- Styling for the elements.</a:t>
+            </a:r>
+          </a:p>
+          <a:p>
+            <a:pPr>
+              <a:buFont typeface="Wingdings" panose="05000000000000000000" pitchFamily="2" charset="2"/>
+              <a:buChar char="v"/>
+            </a:pPr>
+            <a:r>
+              <a:rPr lang="en-US" sz="1800">
+                <a:latin typeface="TW Cen MT"/>
+              </a:rPr>
+              <a:t>VS code- Text editor.</a:t>
+            </a:r>
+          </a:p>
+          <a:p>
+            <a:pPr>
+              <a:buFont typeface="Wingdings" panose="05000000000000000000" pitchFamily="2" charset="2"/>
+              <a:buChar char="v"/>
+            </a:pPr>
+            <a:r>
+              <a:rPr lang="en-US" sz="1800">
+                <a:latin typeface="TW Cen MT"/>
+              </a:rPr>
+              <a:t>Python- Programming language used to write the code.</a:t>
+            </a:r>
+          </a:p>
+          <a:p>
+            <a:pPr>
+              <a:buFont typeface="Wingdings" panose="05000000000000000000" pitchFamily="2" charset="2"/>
+              <a:buChar char="v"/>
+            </a:pPr>
+            <a:r>
+              <a:rPr lang="en-US" sz="1800">
+                <a:latin typeface="TW Cen MT"/>
+              </a:rPr>
+              <a:t>Tkinter- Graphical user interface.</a:t>
+            </a:r>
+          </a:p>
+          <a:p>
+            <a:pPr>
+              <a:buFont typeface="Wingdings" panose="05000000000000000000" pitchFamily="2" charset="2"/>
+              <a:buChar char="v"/>
+            </a:pPr>
+            <a:r>
+              <a:rPr lang="en-US" sz="1800">
+                <a:latin typeface="TW Cen MT"/>
+              </a:rPr>
+              <a:t>Pylint- Checked Code and Followed Requirements.</a:t>
+            </a:r>
+          </a:p>
+          <a:p>
+            <a:pPr>
+              <a:buFont typeface="Wingdings" panose="05000000000000000000" pitchFamily="2" charset="2"/>
+              <a:buChar char="v"/>
+            </a:pPr>
+            <a:r>
+              <a:rPr lang="en-US" sz="1800">
+                <a:latin typeface="TW Cen MT"/>
+              </a:rPr>
+              <a:t>Pyinstaller- Made it into an exe</a:t>
+            </a:r>
+          </a:p>
+        </p:txBody>
+      </p:sp>
+      <p:sp>
+        <p:nvSpPr>
+          <p:cNvPr id="35" name="Rectangle 34">
+            <a:extLst>
+              <a:ext uri="{FF2B5EF4-FFF2-40B4-BE49-F238E27FC236}">
+                <a16:creationId xmlns:a16="http://schemas.microsoft.com/office/drawing/2014/main" id="{6B3C4597-DD46-4BFC-B999-C52879B95B16}"/>
+              </a:ext>
+              <a:ext uri="{C183D7F6-B498-43B3-948B-1728B52AA6E4}">
+                <adec:decorative xmlns:adec="http://schemas.microsoft.com/office/drawing/2017/decorative" val="1"/>
+              </a:ext>
+            </a:extLst>
+          </p:cNvPr>
+          <p:cNvSpPr>
+            <a:spLocks noGrp="1" noRot="1" noChangeAspect="1" noMove="1" noResize="1" noEditPoints="1" noAdjustHandles="1" noChangeArrowheads="1" noChangeShapeType="1" noTextEdit="1"/>
+          </p:cNvSpPr>
+          <p:nvPr>
+            <p:extLst>
+              <p:ext uri="{386F3935-93C4-4BCD-93E2-E3B085C9AB24}">
+                <p16:designElem xmlns:p16="http://schemas.microsoft.com/office/powerpoint/2015/main" val="1"/>
+              </p:ext>
+            </p:extLst>
+          </p:nvPr>
+        </p:nvSpPr>
+        <p:spPr>
+          <a:xfrm>
+            <a:off x="841248" y="6112341"/>
+            <a:ext cx="10506456" cy="18288"/>
+          </a:xfrm>
+          <a:prstGeom prst="rect">
+            <a:avLst/>
+          </a:prstGeom>
+          <a:solidFill>
+            <a:srgbClr val="D5D5D5"/>
+          </a:solidFill>
+          <a:ln w="3175">
+            <a:noFill/>
+          </a:ln>
+          <a:effectLst/>
+        </p:spPr>
+        <p:style>
+          <a:lnRef idx="2">
+            <a:schemeClr val="accent1">
+              <a:shade val="50000"/>
+            </a:schemeClr>
+          </a:lnRef>
+          <a:fillRef idx="1">
+            <a:schemeClr val="accent1"/>
+          </a:fillRef>
+          <a:effectRef idx="0">
+            <a:schemeClr val="accent1"/>
+          </a:effectRef>
+          <a:fontRef idx="minor">
+            <a:schemeClr val="lt1"/>
+          </a:fontRef>
+        </p:style>
+        <p:txBody>
+          <a:bodyPr rtlCol="0" anchor="ctr"/>
+          <a:lstStyle/>
+          <a:p>
+            <a:pPr algn="ctr"/>
+            <a:endParaRPr lang="en-US">
+              <a:solidFill>
+                <a:prstClr val="white"/>
+              </a:solidFill>
+              <a:latin typeface="Calibri" panose="020F0502020204030204"/>
+            </a:endParaRPr>
+          </a:p>
+        </p:txBody>
+      </p:sp>
+      <p:sp>
+        <p:nvSpPr>
+          <p:cNvPr id="36" name="Rectangle 35">
+            <a:extLst>
+              <a:ext uri="{FF2B5EF4-FFF2-40B4-BE49-F238E27FC236}">
+                <a16:creationId xmlns:a16="http://schemas.microsoft.com/office/drawing/2014/main" id="{632B59AC-0160-4F1D-934F-B7D8B6AE44A1}"/>
+              </a:ext>
+              <a:ext uri="{C183D7F6-B498-43B3-948B-1728B52AA6E4}">
+                <adec:decorative xmlns:adec="http://schemas.microsoft.com/office/drawing/2017/decorative" val="1"/>
+              </a:ext>
+            </a:extLst>
+          </p:cNvPr>
+          <p:cNvSpPr>
+            <a:spLocks noGrp="1" noRot="1" noChangeAspect="1" noMove="1" noResize="1" noEditPoints="1" noAdjustHandles="1" noChangeArrowheads="1" noChangeShapeType="1" noTextEdit="1"/>
+          </p:cNvSpPr>
+          <p:nvPr>
+            <p:extLst>
+              <p:ext uri="{386F3935-93C4-4BCD-93E2-E3B085C9AB24}">
+                <p16:designElem xmlns:p16="http://schemas.microsoft.com/office/powerpoint/2015/main" val="1"/>
+              </p:ext>
+            </p:extLst>
+          </p:nvPr>
+        </p:nvSpPr>
+        <p:spPr>
+          <a:xfrm rot="5400000">
+            <a:off x="9034272" y="3817404"/>
+            <a:ext cx="54864" cy="4572000"/>
+          </a:xfrm>
+          <a:prstGeom prst="rect">
+            <a:avLst/>
+          </a:prstGeom>
+          <a:solidFill>
+            <a:schemeClr val="accent2"/>
+          </a:solidFill>
+          <a:ln>
+            <a:noFill/>
+          </a:ln>
+        </p:spPr>
+        <p:style>
+          <a:lnRef idx="2">
+            <a:schemeClr val="accent1">
+              <a:shade val="50000"/>
+            </a:schemeClr>
+          </a:lnRef>
+          <a:fillRef idx="1">
+            <a:schemeClr val="accent1"/>
+          </a:fillRef>
+          <a:effectRef idx="0">
+            <a:schemeClr val="accent1"/>
+          </a:effectRef>
+          <a:fontRef idx="minor">
+            <a:schemeClr val="lt1"/>
+          </a:fontRef>
+        </p:style>
+        <p:txBody>
+          <a:bodyPr rtlCol="0" anchor="ctr"/>
+          <a:lstStyle/>
+          <a:p>
+            <a:pPr algn="ctr"/>
+            <a:endParaRPr lang="en-US">
+              <a:solidFill>
+                <a:prstClr val="white"/>
+              </a:solidFill>
+              <a:latin typeface="Calibri" panose="020F0502020204030204"/>
+            </a:endParaRPr>
+          </a:p>
+        </p:txBody>
+      </p:sp>
+    </p:spTree>
+    <p:extLst>
+      <p:ext uri="{BB962C8B-B14F-4D97-AF65-F5344CB8AC3E}">
+        <p14:creationId xmlns:p14="http://schemas.microsoft.com/office/powerpoint/2010/main" val="549629519"/>
+      </p:ext>
+    </p:extLst>
+  </p:cSld>
+  <p:clrMapOvr>
+    <a:masterClrMapping/>
+  </p:clrMapOvr>
+</p:sld>
+</file>
+
+<file path=ppt/slides/slide5.xml><?xml version="1.0" encoding="utf-8"?>
+<p:sld xmlns:a="http://schemas.openxmlformats.org/drawingml/2006/main" xmlns:r="http://schemas.openxmlformats.org/officeDocument/2006/relationships" xmlns:p="http://schemas.openxmlformats.org/presentationml/2006/main">
+  <p:cSld>
+    <p:bg>
+      <p:bgPr>
+        <a:solidFill>
+          <a:schemeClr val="bg1"/>
+        </a:solidFill>
+        <a:effectLst/>
+      </p:bgPr>
+    </p:bg>
+    <p:spTree>
+      <p:nvGrpSpPr>
+        <p:cNvPr id="1" name=""/>
+        <p:cNvGrpSpPr/>
+        <p:nvPr/>
+      </p:nvGrpSpPr>
+      <p:grpSpPr>
+        <a:xfrm>
+          <a:off x="0" y="0"/>
+          <a:ext cx="0" cy="0"/>
+          <a:chOff x="0" y="0"/>
+          <a:chExt cx="0" cy="0"/>
+        </a:xfrm>
+      </p:grpSpPr>
+      <p:sp useBgFill="1">
+        <p:nvSpPr>
+          <p:cNvPr id="8" name="Rectangle 7">
+            <a:extLst>
+              <a:ext uri="{FF2B5EF4-FFF2-40B4-BE49-F238E27FC236}">
+                <a16:creationId xmlns:a16="http://schemas.microsoft.com/office/drawing/2014/main" id="{F12E7CC5-C78B-4EBD-9565-3FA00FAA6CF2}"/>
+              </a:ext>
+              <a:ext uri="{C183D7F6-B498-43B3-948B-1728B52AA6E4}">
+                <adec:decorative xmlns:adec="http://schemas.microsoft.com/office/drawing/2017/decorative" val="1"/>
+              </a:ext>
+            </a:extLst>
+          </p:cNvPr>
+          <p:cNvSpPr>
+            <a:spLocks noGrp="1" noRot="1" noChangeAspect="1" noMove="1" noResize="1" noEditPoints="1" noAdjustHandles="1" noChangeArrowheads="1" noChangeShapeType="1" noTextEdit="1"/>
+          </p:cNvSpPr>
+          <p:nvPr>
+            <p:extLst>
+              <p:ext uri="{386F3935-93C4-4BCD-93E2-E3B085C9AB24}">
+                <p16:designElem xmlns:p16="http://schemas.microsoft.com/office/powerpoint/2015/main" val="1"/>
+              </p:ext>
+            </p:extLst>
+          </p:nvPr>
+        </p:nvSpPr>
+        <p:spPr>
+          <a:xfrm>
+            <a:off x="0" y="0"/>
+            <a:ext cx="12188952" cy="6858000"/>
+          </a:xfrm>
+          <a:prstGeom prst="rect">
+            <a:avLst/>
+          </a:prstGeom>
+          <a:ln>
+            <a:noFill/>
+          </a:ln>
+        </p:spPr>
+        <p:style>
+          <a:lnRef idx="2">
+            <a:schemeClr val="accent1">
+              <a:shade val="50000"/>
+            </a:schemeClr>
+          </a:lnRef>
+          <a:fillRef idx="1">
+            <a:schemeClr val="accent1"/>
+          </a:fillRef>
+          <a:effectRef idx="0">
+            <a:schemeClr val="accent1"/>
+          </a:effectRef>
+          <a:fontRef idx="minor">
+            <a:schemeClr val="lt1"/>
+          </a:fontRef>
+        </p:style>
+        <p:txBody>
+          <a:bodyPr rtlCol="0" anchor="ctr"/>
+          <a:lstStyle/>
+          <a:p>
+            <a:pPr algn="ctr"/>
+            <a:endParaRPr lang="en-US"/>
+          </a:p>
+        </p:txBody>
+      </p:sp>
+      <p:sp>
+        <p:nvSpPr>
+          <p:cNvPr id="10" name="Freeform: Shape 9">
+            <a:extLst>
+              <a:ext uri="{FF2B5EF4-FFF2-40B4-BE49-F238E27FC236}">
+                <a16:creationId xmlns:a16="http://schemas.microsoft.com/office/drawing/2014/main" id="{3A4529A5-F675-429F-8044-01372BB13422}"/>
+              </a:ext>
+              <a:ext uri="{C183D7F6-B498-43B3-948B-1728B52AA6E4}">
+                <adec:decorative xmlns:adec="http://schemas.microsoft.com/office/drawing/2017/decorative" val="1"/>
+              </a:ext>
+            </a:extLst>
+          </p:cNvPr>
+          <p:cNvSpPr>
+            <a:spLocks noGrp="1" noRot="1" noChangeAspect="1" noMove="1" noResize="1" noEditPoints="1" noAdjustHandles="1" noChangeArrowheads="1" noChangeShapeType="1" noTextEdit="1"/>
+          </p:cNvSpPr>
+          <p:nvPr>
+            <p:extLst>
+              <p:ext uri="{386F3935-93C4-4BCD-93E2-E3B085C9AB24}">
+                <p16:designElem xmlns:p16="http://schemas.microsoft.com/office/powerpoint/2015/main" val="1"/>
+              </p:ext>
+            </p:extLst>
+          </p:nvPr>
+        </p:nvSpPr>
+        <p:spPr>
+          <a:xfrm flipH="1">
+            <a:off x="-1" y="0"/>
+            <a:ext cx="7562008" cy="6858000"/>
+          </a:xfrm>
+          <a:custGeom>
+            <a:avLst/>
+            <a:gdLst>
+              <a:gd name="connsiteX0" fmla="*/ 7529613 w 7529613"/>
+              <a:gd name="connsiteY0" fmla="*/ 0 h 6858000"/>
+              <a:gd name="connsiteX1" fmla="*/ 1222331 w 7529613"/>
+              <a:gd name="connsiteY1" fmla="*/ 0 h 6858000"/>
+              <a:gd name="connsiteX2" fmla="*/ 1126483 w 7529613"/>
+              <a:gd name="connsiteY2" fmla="*/ 148742 h 6858000"/>
+              <a:gd name="connsiteX3" fmla="*/ 767554 w 7529613"/>
+              <a:gd name="connsiteY3" fmla="*/ 819975 h 6858000"/>
+              <a:gd name="connsiteX4" fmla="*/ 742103 w 7529613"/>
+              <a:gd name="connsiteY4" fmla="*/ 854514 h 6858000"/>
+              <a:gd name="connsiteX5" fmla="*/ 785881 w 7529613"/>
+              <a:gd name="connsiteY5" fmla="*/ 750263 h 6858000"/>
+              <a:gd name="connsiteX6" fmla="*/ 978978 w 7529613"/>
+              <a:gd name="connsiteY6" fmla="*/ 331786 h 6858000"/>
+              <a:gd name="connsiteX7" fmla="*/ 1155717 w 7529613"/>
+              <a:gd name="connsiteY7" fmla="*/ 0 h 6858000"/>
+              <a:gd name="connsiteX8" fmla="*/ 1098249 w 7529613"/>
+              <a:gd name="connsiteY8" fmla="*/ 0 h 6858000"/>
+              <a:gd name="connsiteX9" fmla="*/ 991458 w 7529613"/>
+              <a:gd name="connsiteY9" fmla="*/ 196614 h 6858000"/>
+              <a:gd name="connsiteX10" fmla="*/ 493941 w 7529613"/>
+              <a:gd name="connsiteY10" fmla="*/ 1371196 h 6858000"/>
+              <a:gd name="connsiteX11" fmla="*/ 46485 w 7529613"/>
+              <a:gd name="connsiteY11" fmla="*/ 3331516 h 6858000"/>
+              <a:gd name="connsiteX12" fmla="*/ 12252 w 7529613"/>
+              <a:gd name="connsiteY12" fmla="*/ 4357388 h 6858000"/>
+              <a:gd name="connsiteX13" fmla="*/ 170821 w 7529613"/>
+              <a:gd name="connsiteY13" fmla="*/ 5552906 h 6858000"/>
+              <a:gd name="connsiteX14" fmla="*/ 537265 w 7529613"/>
+              <a:gd name="connsiteY14" fmla="*/ 6828295 h 6858000"/>
+              <a:gd name="connsiteX15" fmla="*/ 549692 w 7529613"/>
+              <a:gd name="connsiteY15" fmla="*/ 6858000 h 6858000"/>
+              <a:gd name="connsiteX16" fmla="*/ 602234 w 7529613"/>
+              <a:gd name="connsiteY16" fmla="*/ 6858000 h 6858000"/>
+              <a:gd name="connsiteX17" fmla="*/ 595414 w 7529613"/>
+              <a:gd name="connsiteY17" fmla="*/ 6841549 h 6858000"/>
+              <a:gd name="connsiteX18" fmla="*/ 364260 w 7529613"/>
+              <a:gd name="connsiteY18" fmla="*/ 6142729 h 6858000"/>
+              <a:gd name="connsiteX19" fmla="*/ 213071 w 7529613"/>
+              <a:gd name="connsiteY19" fmla="*/ 5513923 h 6858000"/>
+              <a:gd name="connsiteX20" fmla="*/ 211290 w 7529613"/>
+              <a:gd name="connsiteY20" fmla="*/ 5480401 h 6858000"/>
+              <a:gd name="connsiteX21" fmla="*/ 311446 w 7529613"/>
+              <a:gd name="connsiteY21" fmla="*/ 5830359 h 6858000"/>
+              <a:gd name="connsiteX22" fmla="*/ 622963 w 7529613"/>
+              <a:gd name="connsiteY22" fmla="*/ 6670527 h 6858000"/>
+              <a:gd name="connsiteX23" fmla="*/ 710464 w 7529613"/>
+              <a:gd name="connsiteY23" fmla="*/ 6858000 h 6858000"/>
+              <a:gd name="connsiteX24" fmla="*/ 7529613 w 7529613"/>
+              <a:gd name="connsiteY24" fmla="*/ 6858000 h 6858000"/>
+            </a:gdLst>
+            <a:ahLst/>
+            <a:cxnLst>
+              <a:cxn ang="0">
+                <a:pos x="connsiteX0" y="connsiteY0"/>
+              </a:cxn>
+              <a:cxn ang="0">
+                <a:pos x="connsiteX1" y="connsiteY1"/>
+              </a:cxn>
+              <a:cxn ang="0">
+                <a:pos x="connsiteX2" y="connsiteY2"/>
+              </a:cxn>
+              <a:cxn ang="0">
+                <a:pos x="connsiteX3" y="connsiteY3"/>
+              </a:cxn>
+              <a:cxn ang="0">
+                <a:pos x="connsiteX4" y="connsiteY4"/>
+              </a:cxn>
+              <a:cxn ang="0">
+                <a:pos x="connsiteX5" y="connsiteY5"/>
+              </a:cxn>
+              <a:cxn ang="0">
+                <a:pos x="connsiteX6" y="connsiteY6"/>
+              </a:cxn>
+              <a:cxn ang="0">
+                <a:pos x="connsiteX7" y="connsiteY7"/>
+              </a:cxn>
+              <a:cxn ang="0">
+                <a:pos x="connsiteX8" y="connsiteY8"/>
+              </a:cxn>
+              <a:cxn ang="0">
+                <a:pos x="connsiteX9" y="connsiteY9"/>
+              </a:cxn>
+              <a:cxn ang="0">
+                <a:pos x="connsiteX10" y="connsiteY10"/>
+              </a:cxn>
+              <a:cxn ang="0">
+                <a:pos x="connsiteX11" y="connsiteY11"/>
+              </a:cxn>
+              <a:cxn ang="0">
+                <a:pos x="connsiteX12" y="connsiteY12"/>
+              </a:cxn>
+              <a:cxn ang="0">
+                <a:pos x="connsiteX13" y="connsiteY13"/>
+              </a:cxn>
+              <a:cxn ang="0">
+                <a:pos x="connsiteX14" y="connsiteY14"/>
+              </a:cxn>
+              <a:cxn ang="0">
+                <a:pos x="connsiteX15" y="connsiteY15"/>
+              </a:cxn>
+              <a:cxn ang="0">
+                <a:pos x="connsiteX16" y="connsiteY16"/>
+              </a:cxn>
+              <a:cxn ang="0">
+                <a:pos x="connsiteX17" y="connsiteY17"/>
+              </a:cxn>
+              <a:cxn ang="0">
+                <a:pos x="connsiteX18" y="connsiteY18"/>
+              </a:cxn>
+              <a:cxn ang="0">
+                <a:pos x="connsiteX19" y="connsiteY19"/>
+              </a:cxn>
+              <a:cxn ang="0">
+                <a:pos x="connsiteX20" y="connsiteY20"/>
+              </a:cxn>
+              <a:cxn ang="0">
+                <a:pos x="connsiteX21" y="connsiteY21"/>
+              </a:cxn>
+              <a:cxn ang="0">
+                <a:pos x="connsiteX22" y="connsiteY22"/>
+              </a:cxn>
+              <a:cxn ang="0">
+                <a:pos x="connsiteX23" y="connsiteY23"/>
+              </a:cxn>
+              <a:cxn ang="0">
+                <a:pos x="connsiteX24" y="connsiteY24"/>
+              </a:cxn>
+            </a:cxnLst>
+            <a:rect l="l" t="t" r="r" b="b"/>
+            <a:pathLst>
+              <a:path w="7529613" h="6858000">
+                <a:moveTo>
+                  <a:pt x="7529613" y="0"/>
+                </a:moveTo>
+                <a:lnTo>
+                  <a:pt x="1222331" y="0"/>
+                </a:lnTo>
+                <a:lnTo>
+                  <a:pt x="1126483" y="148742"/>
+                </a:lnTo>
+                <a:cubicBezTo>
+                  <a:pt x="995323" y="365513"/>
+                  <a:pt x="876174" y="589569"/>
+                  <a:pt x="767554" y="819975"/>
+                </a:cubicBezTo>
+                <a:cubicBezTo>
+                  <a:pt x="762210" y="833492"/>
+                  <a:pt x="753441" y="845393"/>
+                  <a:pt x="742103" y="854514"/>
+                </a:cubicBezTo>
+                <a:cubicBezTo>
+                  <a:pt x="756737" y="819849"/>
+                  <a:pt x="770991" y="784928"/>
+                  <a:pt x="785881" y="750263"/>
+                </a:cubicBezTo>
+                <a:cubicBezTo>
+                  <a:pt x="846713" y="608712"/>
+                  <a:pt x="910948" y="469145"/>
+                  <a:pt x="978978" y="331786"/>
+                </a:cubicBezTo>
+                <a:lnTo>
+                  <a:pt x="1155717" y="0"/>
+                </a:lnTo>
+                <a:lnTo>
+                  <a:pt x="1098249" y="0"/>
+                </a:lnTo>
+                <a:lnTo>
+                  <a:pt x="991458" y="196614"/>
+                </a:lnTo>
+                <a:cubicBezTo>
+                  <a:pt x="797017" y="573253"/>
+                  <a:pt x="633548" y="966066"/>
+                  <a:pt x="493941" y="1371196"/>
+                </a:cubicBezTo>
+                <a:cubicBezTo>
+                  <a:pt x="276630" y="2007265"/>
+                  <a:pt x="126659" y="2664286"/>
+                  <a:pt x="46485" y="3331516"/>
+                </a:cubicBezTo>
+                <a:cubicBezTo>
+                  <a:pt x="4488" y="3672965"/>
+                  <a:pt x="-14219" y="4013908"/>
+                  <a:pt x="12252" y="4357388"/>
+                </a:cubicBezTo>
+                <a:cubicBezTo>
+                  <a:pt x="43558" y="4758899"/>
+                  <a:pt x="90773" y="5157998"/>
+                  <a:pt x="170821" y="5552906"/>
+                </a:cubicBezTo>
+                <a:cubicBezTo>
+                  <a:pt x="259109" y="5988893"/>
+                  <a:pt x="378967" y="6414594"/>
+                  <a:pt x="537265" y="6828295"/>
+                </a:cubicBezTo>
+                <a:lnTo>
+                  <a:pt x="549692" y="6858000"/>
+                </a:lnTo>
+                <a:lnTo>
+                  <a:pt x="602234" y="6858000"/>
+                </a:lnTo>
+                <a:lnTo>
+                  <a:pt x="595414" y="6841549"/>
+                </a:lnTo>
+                <a:cubicBezTo>
+                  <a:pt x="507884" y="6614016"/>
+                  <a:pt x="431296" y="6380817"/>
+                  <a:pt x="364260" y="6142729"/>
+                </a:cubicBezTo>
+                <a:cubicBezTo>
+                  <a:pt x="305974" y="5935370"/>
+                  <a:pt x="262958" y="5723695"/>
+                  <a:pt x="213071" y="5513923"/>
+                </a:cubicBezTo>
+                <a:cubicBezTo>
+                  <a:pt x="211892" y="5502788"/>
+                  <a:pt x="211299" y="5491601"/>
+                  <a:pt x="211290" y="5480401"/>
+                </a:cubicBezTo>
+                <a:cubicBezTo>
+                  <a:pt x="247814" y="5607635"/>
+                  <a:pt x="276958" y="5719759"/>
+                  <a:pt x="311446" y="5830359"/>
+                </a:cubicBezTo>
+                <a:cubicBezTo>
+                  <a:pt x="401357" y="6118381"/>
+                  <a:pt x="505060" y="6398531"/>
+                  <a:pt x="622963" y="6670527"/>
+                </a:cubicBezTo>
+                <a:lnTo>
+                  <a:pt x="710464" y="6858000"/>
+                </a:lnTo>
+                <a:lnTo>
+                  <a:pt x="7529613" y="6858000"/>
+                </a:lnTo>
+                <a:close/>
+              </a:path>
+            </a:pathLst>
+          </a:custGeom>
+          <a:solidFill>
+            <a:schemeClr val="accent2"/>
+          </a:solidFill>
+          <a:ln w="6857" cap="flat">
+            <a:noFill/>
+            <a:prstDash val="solid"/>
+            <a:miter/>
+          </a:ln>
+        </p:spPr>
+        <p:txBody>
+          <a:bodyPr wrap="square" rtlCol="0" anchor="ctr">
+            <a:noAutofit/>
+          </a:bodyPr>
+          <a:lstStyle/>
+          <a:p>
+            <a:endParaRPr lang="en-US"/>
+          </a:p>
+        </p:txBody>
+      </p:sp>
+      <p:sp>
+        <p:nvSpPr>
+          <p:cNvPr id="2" name="Title 1">
+            <a:extLst>
+              <a:ext uri="{FF2B5EF4-FFF2-40B4-BE49-F238E27FC236}">
+                <a16:creationId xmlns:a16="http://schemas.microsoft.com/office/drawing/2014/main" id="{91B8464C-C320-70FE-690A-222D653722B4}"/>
+              </a:ext>
+            </a:extLst>
+          </p:cNvPr>
+          <p:cNvSpPr>
+            <a:spLocks noGrp="1"/>
+          </p:cNvSpPr>
+          <p:nvPr>
+            <p:ph type="title"/>
+          </p:nvPr>
+        </p:nvSpPr>
+        <p:spPr>
+          <a:xfrm>
+            <a:off x="648037" y="1298448"/>
+            <a:ext cx="5895178" cy="2923266"/>
+          </a:xfrm>
+        </p:spPr>
+        <p:txBody>
+          <a:bodyPr vert="horz" lIns="91440" tIns="45720" rIns="91440" bIns="45720" rtlCol="0" anchor="b">
+            <a:normAutofit/>
+          </a:bodyPr>
+          <a:lstStyle/>
+          <a:p>
+            <a:r>
+              <a:rPr lang="en-US" sz="6600" kern="1200">
+                <a:solidFill>
+                  <a:srgbClr val="FFFFFF"/>
+                </a:solidFill>
+                <a:latin typeface="+mj-lt"/>
+                <a:ea typeface="+mj-ea"/>
+                <a:cs typeface="+mj-cs"/>
+              </a:rPr>
+              <a:t>Website and Demo showcase</a:t>
+            </a:r>
+          </a:p>
+        </p:txBody>
+      </p:sp>
+      <p:sp>
+        <p:nvSpPr>
+          <p:cNvPr id="12" name="sketch line 1">
+            <a:extLst>
+              <a:ext uri="{FF2B5EF4-FFF2-40B4-BE49-F238E27FC236}">
+                <a16:creationId xmlns:a16="http://schemas.microsoft.com/office/drawing/2014/main" id="{32C5B66D-E390-4A14-AB60-69626CBF294E}"/>
+              </a:ext>
+              <a:ext uri="{C183D7F6-B498-43B3-948B-1728B52AA6E4}">
+                <adec:decorative xmlns:adec="http://schemas.microsoft.com/office/drawing/2017/decorative" val="1"/>
+              </a:ext>
+            </a:extLst>
+          </p:cNvPr>
+          <p:cNvSpPr>
+            <a:spLocks noGrp="1" noRot="1" noChangeAspect="1" noMove="1" noResize="1" noEditPoints="1" noAdjustHandles="1" noChangeArrowheads="1" noChangeShapeType="1" noTextEdit="1"/>
+          </p:cNvSpPr>
+          <p:nvPr>
+            <p:extLst>
+              <p:ext uri="{386F3935-93C4-4BCD-93E2-E3B085C9AB24}">
+                <p16:designElem xmlns:p16="http://schemas.microsoft.com/office/powerpoint/2015/main" val="1"/>
+              </p:ext>
+            </p:extLst>
+          </p:nvPr>
+        </p:nvSpPr>
+        <p:spPr>
+          <a:xfrm>
+            <a:off x="838199" y="5626353"/>
+            <a:ext cx="4243589" cy="18288"/>
+          </a:xfrm>
+          <a:custGeom>
+            <a:avLst/>
+            <a:gdLst>
+              <a:gd name="connsiteX0" fmla="*/ 0 w 4243589"/>
+              <a:gd name="connsiteY0" fmla="*/ 0 h 18288"/>
+              <a:gd name="connsiteX1" fmla="*/ 563791 w 4243589"/>
+              <a:gd name="connsiteY1" fmla="*/ 0 h 18288"/>
+              <a:gd name="connsiteX2" fmla="*/ 1042710 w 4243589"/>
+              <a:gd name="connsiteY2" fmla="*/ 0 h 18288"/>
+              <a:gd name="connsiteX3" fmla="*/ 1564066 w 4243589"/>
+              <a:gd name="connsiteY3" fmla="*/ 0 h 18288"/>
+              <a:gd name="connsiteX4" fmla="*/ 2212729 w 4243589"/>
+              <a:gd name="connsiteY4" fmla="*/ 0 h 18288"/>
+              <a:gd name="connsiteX5" fmla="*/ 2776520 w 4243589"/>
+              <a:gd name="connsiteY5" fmla="*/ 0 h 18288"/>
+              <a:gd name="connsiteX6" fmla="*/ 3297875 w 4243589"/>
+              <a:gd name="connsiteY6" fmla="*/ 0 h 18288"/>
+              <a:gd name="connsiteX7" fmla="*/ 4243589 w 4243589"/>
+              <a:gd name="connsiteY7" fmla="*/ 0 h 18288"/>
+              <a:gd name="connsiteX8" fmla="*/ 4243589 w 4243589"/>
+              <a:gd name="connsiteY8" fmla="*/ 18288 h 18288"/>
+              <a:gd name="connsiteX9" fmla="*/ 3637362 w 4243589"/>
+              <a:gd name="connsiteY9" fmla="*/ 18288 h 18288"/>
+              <a:gd name="connsiteX10" fmla="*/ 3116007 w 4243589"/>
+              <a:gd name="connsiteY10" fmla="*/ 18288 h 18288"/>
+              <a:gd name="connsiteX11" fmla="*/ 2424908 w 4243589"/>
+              <a:gd name="connsiteY11" fmla="*/ 18288 h 18288"/>
+              <a:gd name="connsiteX12" fmla="*/ 1861117 w 4243589"/>
+              <a:gd name="connsiteY12" fmla="*/ 18288 h 18288"/>
+              <a:gd name="connsiteX13" fmla="*/ 1382198 w 4243589"/>
+              <a:gd name="connsiteY13" fmla="*/ 18288 h 18288"/>
+              <a:gd name="connsiteX14" fmla="*/ 733535 w 4243589"/>
+              <a:gd name="connsiteY14" fmla="*/ 18288 h 18288"/>
+              <a:gd name="connsiteX15" fmla="*/ 0 w 4243589"/>
+              <a:gd name="connsiteY15" fmla="*/ 18288 h 18288"/>
+              <a:gd name="connsiteX16" fmla="*/ 0 w 4243589"/>
+              <a:gd name="connsiteY16" fmla="*/ 0 h 18288"/>
+            </a:gdLst>
+            <a:ahLst/>
+            <a:cxnLst>
+              <a:cxn ang="0">
+                <a:pos x="connsiteX0" y="connsiteY0"/>
+              </a:cxn>
+              <a:cxn ang="0">
+                <a:pos x="connsiteX1" y="connsiteY1"/>
+              </a:cxn>
+              <a:cxn ang="0">
+                <a:pos x="connsiteX2" y="connsiteY2"/>
+              </a:cxn>
+              <a:cxn ang="0">
+                <a:pos x="connsiteX3" y="connsiteY3"/>
+              </a:cxn>
+              <a:cxn ang="0">
+                <a:pos x="connsiteX4" y="connsiteY4"/>
+              </a:cxn>
+              <a:cxn ang="0">
+                <a:pos x="connsiteX5" y="connsiteY5"/>
+              </a:cxn>
+              <a:cxn ang="0">
+                <a:pos x="connsiteX6" y="connsiteY6"/>
+              </a:cxn>
+              <a:cxn ang="0">
+                <a:pos x="connsiteX7" y="connsiteY7"/>
+              </a:cxn>
+              <a:cxn ang="0">
+                <a:pos x="connsiteX8" y="connsiteY8"/>
+              </a:cxn>
+              <a:cxn ang="0">
+                <a:pos x="connsiteX9" y="connsiteY9"/>
+              </a:cxn>
+              <a:cxn ang="0">
+                <a:pos x="connsiteX10" y="connsiteY10"/>
+              </a:cxn>
+              <a:cxn ang="0">
+                <a:pos x="connsiteX11" y="connsiteY11"/>
+              </a:cxn>
+              <a:cxn ang="0">
+                <a:pos x="connsiteX12" y="connsiteY12"/>
+              </a:cxn>
+              <a:cxn ang="0">
+                <a:pos x="connsiteX13" y="connsiteY13"/>
+              </a:cxn>
+              <a:cxn ang="0">
+                <a:pos x="connsiteX14" y="connsiteY14"/>
+              </a:cxn>
+              <a:cxn ang="0">
+                <a:pos x="connsiteX15" y="connsiteY15"/>
+              </a:cxn>
+              <a:cxn ang="0">
+                <a:pos x="connsiteX16" y="connsiteY16"/>
+              </a:cxn>
+            </a:cxnLst>
+            <a:rect l="l" t="t" r="r" b="b"/>
+            <a:pathLst>
+              <a:path w="4243589" h="18288" fill="none" extrusionOk="0">
+                <a:moveTo>
+                  <a:pt x="0" y="0"/>
+                </a:moveTo>
+                <a:cubicBezTo>
+                  <a:pt x="157351" y="-15653"/>
+                  <a:pt x="378877" y="-5828"/>
+                  <a:pt x="563791" y="0"/>
+                </a:cubicBezTo>
+                <a:cubicBezTo>
+                  <a:pt x="748705" y="5828"/>
+                  <a:pt x="905659" y="-5525"/>
+                  <a:pt x="1042710" y="0"/>
+                </a:cubicBezTo>
+                <a:cubicBezTo>
+                  <a:pt x="1179761" y="5525"/>
+                  <a:pt x="1356845" y="-21288"/>
+                  <a:pt x="1564066" y="0"/>
+                </a:cubicBezTo>
+                <a:cubicBezTo>
+                  <a:pt x="1771287" y="21288"/>
+                  <a:pt x="1912099" y="25135"/>
+                  <a:pt x="2212729" y="0"/>
+                </a:cubicBezTo>
+                <a:cubicBezTo>
+                  <a:pt x="2513359" y="-25135"/>
+                  <a:pt x="2514918" y="-27119"/>
+                  <a:pt x="2776520" y="0"/>
+                </a:cubicBezTo>
+                <a:cubicBezTo>
+                  <a:pt x="3038122" y="27119"/>
+                  <a:pt x="3178771" y="18116"/>
+                  <a:pt x="3297875" y="0"/>
+                </a:cubicBezTo>
+                <a:cubicBezTo>
+                  <a:pt x="3416980" y="-18116"/>
+                  <a:pt x="4012240" y="-40869"/>
+                  <a:pt x="4243589" y="0"/>
+                </a:cubicBezTo>
+                <a:cubicBezTo>
+                  <a:pt x="4243987" y="7429"/>
+                  <a:pt x="4243569" y="10822"/>
+                  <a:pt x="4243589" y="18288"/>
+                </a:cubicBezTo>
+                <a:cubicBezTo>
+                  <a:pt x="4112949" y="-2855"/>
+                  <a:pt x="3928037" y="1831"/>
+                  <a:pt x="3637362" y="18288"/>
+                </a:cubicBezTo>
+                <a:cubicBezTo>
+                  <a:pt x="3346687" y="34745"/>
+                  <a:pt x="3254446" y="26669"/>
+                  <a:pt x="3116007" y="18288"/>
+                </a:cubicBezTo>
+                <a:cubicBezTo>
+                  <a:pt x="2977569" y="9907"/>
+                  <a:pt x="2620228" y="28873"/>
+                  <a:pt x="2424908" y="18288"/>
+                </a:cubicBezTo>
+                <a:cubicBezTo>
+                  <a:pt x="2229588" y="7703"/>
+                  <a:pt x="2088287" y="-3854"/>
+                  <a:pt x="1861117" y="18288"/>
+                </a:cubicBezTo>
+                <a:cubicBezTo>
+                  <a:pt x="1633947" y="40430"/>
+                  <a:pt x="1502447" y="-871"/>
+                  <a:pt x="1382198" y="18288"/>
+                </a:cubicBezTo>
+                <a:cubicBezTo>
+                  <a:pt x="1261949" y="37447"/>
+                  <a:pt x="1045440" y="28353"/>
+                  <a:pt x="733535" y="18288"/>
+                </a:cubicBezTo>
+                <a:cubicBezTo>
+                  <a:pt x="421630" y="8223"/>
+                  <a:pt x="341257" y="-18359"/>
+                  <a:pt x="0" y="18288"/>
+                </a:cubicBezTo>
+                <a:cubicBezTo>
+                  <a:pt x="-591" y="13205"/>
+                  <a:pt x="-663" y="6329"/>
+                  <a:pt x="0" y="0"/>
+                </a:cubicBezTo>
+                <a:close/>
+              </a:path>
+              <a:path w="4243589" h="18288" stroke="0" extrusionOk="0">
+                <a:moveTo>
+                  <a:pt x="0" y="0"/>
+                </a:moveTo>
+                <a:cubicBezTo>
+                  <a:pt x="128164" y="17204"/>
+                  <a:pt x="312653" y="1129"/>
+                  <a:pt x="563791" y="0"/>
+                </a:cubicBezTo>
+                <a:cubicBezTo>
+                  <a:pt x="814929" y="-1129"/>
+                  <a:pt x="837271" y="8503"/>
+                  <a:pt x="1042710" y="0"/>
+                </a:cubicBezTo>
+                <a:cubicBezTo>
+                  <a:pt x="1248149" y="-8503"/>
+                  <a:pt x="1588432" y="-28862"/>
+                  <a:pt x="1733809" y="0"/>
+                </a:cubicBezTo>
+                <a:cubicBezTo>
+                  <a:pt x="1879186" y="28862"/>
+                  <a:pt x="2052815" y="5974"/>
+                  <a:pt x="2297600" y="0"/>
+                </a:cubicBezTo>
+                <a:cubicBezTo>
+                  <a:pt x="2542385" y="-5974"/>
+                  <a:pt x="2699960" y="-23550"/>
+                  <a:pt x="2861391" y="0"/>
+                </a:cubicBezTo>
+                <a:cubicBezTo>
+                  <a:pt x="3022822" y="23550"/>
+                  <a:pt x="3390411" y="25272"/>
+                  <a:pt x="3552490" y="0"/>
+                </a:cubicBezTo>
+                <a:cubicBezTo>
+                  <a:pt x="3714569" y="-25272"/>
+                  <a:pt x="3950585" y="-31327"/>
+                  <a:pt x="4243589" y="0"/>
+                </a:cubicBezTo>
+                <a:cubicBezTo>
+                  <a:pt x="4242703" y="5429"/>
+                  <a:pt x="4244410" y="14046"/>
+                  <a:pt x="4243589" y="18288"/>
+                </a:cubicBezTo>
+                <a:cubicBezTo>
+                  <a:pt x="4130424" y="-1240"/>
+                  <a:pt x="3932803" y="42249"/>
+                  <a:pt x="3722234" y="18288"/>
+                </a:cubicBezTo>
+                <a:cubicBezTo>
+                  <a:pt x="3511665" y="-5673"/>
+                  <a:pt x="3269903" y="45994"/>
+                  <a:pt x="3116007" y="18288"/>
+                </a:cubicBezTo>
+                <a:cubicBezTo>
+                  <a:pt x="2962111" y="-9418"/>
+                  <a:pt x="2744280" y="23224"/>
+                  <a:pt x="2509780" y="18288"/>
+                </a:cubicBezTo>
+                <a:cubicBezTo>
+                  <a:pt x="2275280" y="13352"/>
+                  <a:pt x="2066059" y="43664"/>
+                  <a:pt x="1945989" y="18288"/>
+                </a:cubicBezTo>
+                <a:cubicBezTo>
+                  <a:pt x="1825919" y="-7088"/>
+                  <a:pt x="1407329" y="12616"/>
+                  <a:pt x="1254890" y="18288"/>
+                </a:cubicBezTo>
+                <a:cubicBezTo>
+                  <a:pt x="1102451" y="23960"/>
+                  <a:pt x="837950" y="31673"/>
+                  <a:pt x="563791" y="18288"/>
+                </a:cubicBezTo>
+                <a:cubicBezTo>
+                  <a:pt x="289632" y="4903"/>
+                  <a:pt x="132768" y="7105"/>
+                  <a:pt x="0" y="18288"/>
+                </a:cubicBezTo>
+                <a:cubicBezTo>
+                  <a:pt x="668" y="13665"/>
+                  <a:pt x="578" y="5675"/>
+                  <a:pt x="0" y="0"/>
+                </a:cubicBezTo>
+                <a:close/>
+              </a:path>
+            </a:pathLst>
+          </a:custGeom>
+          <a:solidFill>
+            <a:srgbClr val="FFFFFF"/>
+          </a:solidFill>
+          <a:ln w="41275" cap="rnd">
+            <a:solidFill>
+              <a:srgbClr val="FFFFFF"/>
+            </a:solidFill>
+            <a:round/>
+            <a:extLst>
+              <a:ext uri="{C807C97D-BFC1-408E-A445-0C87EB9F89A2}">
+                <ask:lineSketchStyleProps xmlns:ask="http://schemas.microsoft.com/office/drawing/2018/sketchyshapes" sd="1219033472">
+                  <a:prstGeom prst="rect">
+                    <a:avLst/>
+                  </a:prstGeom>
+                  <ask:type>
+                    <ask:lineSketchFreehand/>
+                  </ask:type>
+                </ask:lineSketchStyleProps>
+              </a:ext>
+            </a:extLst>
+          </a:ln>
+        </p:spPr>
+        <p:style>
+          <a:lnRef idx="2">
+            <a:schemeClr val="accent1">
+              <a:shade val="50000"/>
+            </a:schemeClr>
+          </a:lnRef>
+          <a:fillRef idx="1">
+            <a:schemeClr val="accent1"/>
+          </a:fillRef>
+          <a:effectRef idx="0">
+            <a:schemeClr val="accent1"/>
+          </a:effectRef>
+          <a:fontRef idx="minor">
+            <a:schemeClr val="lt1"/>
+          </a:fontRef>
+        </p:style>
+        <p:txBody>
+          <a:bodyPr rtlCol="0" anchor="ctr"/>
+          <a:lstStyle/>
+          <a:p>
+            <a:pPr algn="ctr"/>
+            <a:endParaRPr lang="en-US"/>
+          </a:p>
+        </p:txBody>
+      </p:sp>
+      <p:sp>
+        <p:nvSpPr>
+          <p:cNvPr id="14" name="sketch line">
+            <a:extLst>
+              <a:ext uri="{FF2B5EF4-FFF2-40B4-BE49-F238E27FC236}">
+                <a16:creationId xmlns:a16="http://schemas.microsoft.com/office/drawing/2014/main" id="{646273DA-F933-4D17-A5FE-B1EF87FD7A20}"/>
+              </a:ext>
+              <a:ext uri="{C183D7F6-B498-43B3-948B-1728B52AA6E4}">
+                <adec:decorative xmlns:adec="http://schemas.microsoft.com/office/drawing/2017/decorative" val="1"/>
+              </a:ext>
+            </a:extLst>
+          </p:cNvPr>
+          <p:cNvSpPr>
+            <a:spLocks noGrp="1" noRot="1" noChangeAspect="1" noMove="1" noResize="1" noEditPoints="1" noAdjustHandles="1" noChangeArrowheads="1" noChangeShapeType="1" noTextEdit="1"/>
+          </p:cNvSpPr>
+          <p:nvPr>
+            <p:extLst>
+              <p:ext uri="{386F3935-93C4-4BCD-93E2-E3B085C9AB24}">
+                <p16:designElem xmlns:p16="http://schemas.microsoft.com/office/powerpoint/2015/main" val="1"/>
+              </p:ext>
+            </p:extLst>
+          </p:nvPr>
+        </p:nvSpPr>
+        <p:spPr>
+          <a:xfrm>
+            <a:off x="7850653" y="5626353"/>
+            <a:ext cx="3479619" cy="18288"/>
+          </a:xfrm>
+          <a:custGeom>
+            <a:avLst/>
+            <a:gdLst>
+              <a:gd name="connsiteX0" fmla="*/ 0 w 3479619"/>
+              <a:gd name="connsiteY0" fmla="*/ 0 h 18288"/>
+              <a:gd name="connsiteX1" fmla="*/ 661128 w 3479619"/>
+              <a:gd name="connsiteY1" fmla="*/ 0 h 18288"/>
+              <a:gd name="connsiteX2" fmla="*/ 1357051 w 3479619"/>
+              <a:gd name="connsiteY2" fmla="*/ 0 h 18288"/>
+              <a:gd name="connsiteX3" fmla="*/ 2087771 w 3479619"/>
+              <a:gd name="connsiteY3" fmla="*/ 0 h 18288"/>
+              <a:gd name="connsiteX4" fmla="*/ 2818491 w 3479619"/>
+              <a:gd name="connsiteY4" fmla="*/ 0 h 18288"/>
+              <a:gd name="connsiteX5" fmla="*/ 3479619 w 3479619"/>
+              <a:gd name="connsiteY5" fmla="*/ 0 h 18288"/>
+              <a:gd name="connsiteX6" fmla="*/ 3479619 w 3479619"/>
+              <a:gd name="connsiteY6" fmla="*/ 18288 h 18288"/>
+              <a:gd name="connsiteX7" fmla="*/ 2714103 w 3479619"/>
+              <a:gd name="connsiteY7" fmla="*/ 18288 h 18288"/>
+              <a:gd name="connsiteX8" fmla="*/ 1948587 w 3479619"/>
+              <a:gd name="connsiteY8" fmla="*/ 18288 h 18288"/>
+              <a:gd name="connsiteX9" fmla="*/ 1252663 w 3479619"/>
+              <a:gd name="connsiteY9" fmla="*/ 18288 h 18288"/>
+              <a:gd name="connsiteX10" fmla="*/ 0 w 3479619"/>
+              <a:gd name="connsiteY10" fmla="*/ 18288 h 18288"/>
+              <a:gd name="connsiteX11" fmla="*/ 0 w 3479619"/>
+              <a:gd name="connsiteY11" fmla="*/ 0 h 18288"/>
+            </a:gdLst>
+            <a:ahLst/>
+            <a:cxnLst>
+              <a:cxn ang="0">
+                <a:pos x="connsiteX0" y="connsiteY0"/>
+              </a:cxn>
+              <a:cxn ang="0">
+                <a:pos x="connsiteX1" y="connsiteY1"/>
+              </a:cxn>
+              <a:cxn ang="0">
+                <a:pos x="connsiteX2" y="connsiteY2"/>
+              </a:cxn>
+              <a:cxn ang="0">
+                <a:pos x="connsiteX3" y="connsiteY3"/>
+              </a:cxn>
+              <a:cxn ang="0">
+                <a:pos x="connsiteX4" y="connsiteY4"/>
+              </a:cxn>
+              <a:cxn ang="0">
+                <a:pos x="connsiteX5" y="connsiteY5"/>
+              </a:cxn>
+              <a:cxn ang="0">
+                <a:pos x="connsiteX6" y="connsiteY6"/>
+              </a:cxn>
+              <a:cxn ang="0">
+                <a:pos x="connsiteX7" y="connsiteY7"/>
+              </a:cxn>
+              <a:cxn ang="0">
+                <a:pos x="connsiteX8" y="connsiteY8"/>
+              </a:cxn>
+              <a:cxn ang="0">
+                <a:pos x="connsiteX9" y="connsiteY9"/>
+              </a:cxn>
+              <a:cxn ang="0">
+                <a:pos x="connsiteX10" y="connsiteY10"/>
+              </a:cxn>
+              <a:cxn ang="0">
+                <a:pos x="connsiteX11" y="connsiteY11"/>
+              </a:cxn>
+            </a:cxnLst>
+            <a:rect l="l" t="t" r="r" b="b"/>
+            <a:pathLst>
+              <a:path w="3479619" h="18288" fill="none" extrusionOk="0">
+                <a:moveTo>
+                  <a:pt x="0" y="0"/>
+                </a:moveTo>
+                <a:cubicBezTo>
+                  <a:pt x="178395" y="-3637"/>
+                  <a:pt x="368619" y="-28254"/>
+                  <a:pt x="661128" y="0"/>
+                </a:cubicBezTo>
+                <a:cubicBezTo>
+                  <a:pt x="953637" y="28254"/>
+                  <a:pt x="1022982" y="-4416"/>
+                  <a:pt x="1357051" y="0"/>
+                </a:cubicBezTo>
+                <a:cubicBezTo>
+                  <a:pt x="1691120" y="4416"/>
+                  <a:pt x="1729558" y="27777"/>
+                  <a:pt x="2087771" y="0"/>
+                </a:cubicBezTo>
+                <a:cubicBezTo>
+                  <a:pt x="2445984" y="-27777"/>
+                  <a:pt x="2592094" y="4429"/>
+                  <a:pt x="2818491" y="0"/>
+                </a:cubicBezTo>
+                <a:cubicBezTo>
+                  <a:pt x="3044888" y="-4429"/>
+                  <a:pt x="3204567" y="26471"/>
+                  <a:pt x="3479619" y="0"/>
+                </a:cubicBezTo>
+                <a:cubicBezTo>
+                  <a:pt x="3478910" y="8157"/>
+                  <a:pt x="3479206" y="12125"/>
+                  <a:pt x="3479619" y="18288"/>
+                </a:cubicBezTo>
+                <a:cubicBezTo>
+                  <a:pt x="3315855" y="-2963"/>
+                  <a:pt x="3094885" y="26965"/>
+                  <a:pt x="2714103" y="18288"/>
+                </a:cubicBezTo>
+                <a:cubicBezTo>
+                  <a:pt x="2333321" y="9611"/>
+                  <a:pt x="2260528" y="-15335"/>
+                  <a:pt x="1948587" y="18288"/>
+                </a:cubicBezTo>
+                <a:cubicBezTo>
+                  <a:pt x="1636646" y="51911"/>
+                  <a:pt x="1489816" y="46369"/>
+                  <a:pt x="1252663" y="18288"/>
+                </a:cubicBezTo>
+                <a:cubicBezTo>
+                  <a:pt x="1015510" y="-9793"/>
+                  <a:pt x="519812" y="-12177"/>
+                  <a:pt x="0" y="18288"/>
+                </a:cubicBezTo>
+                <a:cubicBezTo>
+                  <a:pt x="-46" y="12483"/>
+                  <a:pt x="-203" y="6491"/>
+                  <a:pt x="0" y="0"/>
+                </a:cubicBezTo>
+                <a:close/>
+              </a:path>
+              <a:path w="3479619" h="18288" stroke="0" extrusionOk="0">
+                <a:moveTo>
+                  <a:pt x="0" y="0"/>
+                </a:moveTo>
+                <a:cubicBezTo>
+                  <a:pt x="326045" y="25020"/>
+                  <a:pt x="425411" y="-17676"/>
+                  <a:pt x="661128" y="0"/>
+                </a:cubicBezTo>
+                <a:cubicBezTo>
+                  <a:pt x="896845" y="17676"/>
+                  <a:pt x="1124825" y="1478"/>
+                  <a:pt x="1252663" y="0"/>
+                </a:cubicBezTo>
+                <a:cubicBezTo>
+                  <a:pt x="1380502" y="-1478"/>
+                  <a:pt x="1694914" y="11788"/>
+                  <a:pt x="2018179" y="0"/>
+                </a:cubicBezTo>
+                <a:cubicBezTo>
+                  <a:pt x="2341444" y="-11788"/>
+                  <a:pt x="2451167" y="12596"/>
+                  <a:pt x="2679307" y="0"/>
+                </a:cubicBezTo>
+                <a:cubicBezTo>
+                  <a:pt x="2907447" y="-12596"/>
+                  <a:pt x="3094555" y="23821"/>
+                  <a:pt x="3479619" y="0"/>
+                </a:cubicBezTo>
+                <a:cubicBezTo>
+                  <a:pt x="3479355" y="4493"/>
+                  <a:pt x="3480003" y="9472"/>
+                  <a:pt x="3479619" y="18288"/>
+                </a:cubicBezTo>
+                <a:cubicBezTo>
+                  <a:pt x="3311729" y="36782"/>
+                  <a:pt x="3015946" y="7938"/>
+                  <a:pt x="2783695" y="18288"/>
+                </a:cubicBezTo>
+                <a:cubicBezTo>
+                  <a:pt x="2551444" y="28638"/>
+                  <a:pt x="2398767" y="-13940"/>
+                  <a:pt x="2018179" y="18288"/>
+                </a:cubicBezTo>
+                <a:cubicBezTo>
+                  <a:pt x="1637591" y="50516"/>
+                  <a:pt x="1634873" y="-6356"/>
+                  <a:pt x="1426644" y="18288"/>
+                </a:cubicBezTo>
+                <a:cubicBezTo>
+                  <a:pt x="1218415" y="42932"/>
+                  <a:pt x="1006973" y="4094"/>
+                  <a:pt x="730720" y="18288"/>
+                </a:cubicBezTo>
+                <a:cubicBezTo>
+                  <a:pt x="454467" y="32482"/>
+                  <a:pt x="291313" y="3910"/>
+                  <a:pt x="0" y="18288"/>
+                </a:cubicBezTo>
+                <a:cubicBezTo>
+                  <a:pt x="843" y="9577"/>
+                  <a:pt x="371" y="6900"/>
+                  <a:pt x="0" y="0"/>
+                </a:cubicBezTo>
+                <a:close/>
+              </a:path>
+            </a:pathLst>
+          </a:custGeom>
+          <a:solidFill>
+            <a:schemeClr val="accent2"/>
+          </a:solidFill>
+          <a:ln w="41275" cap="rnd">
+            <a:solidFill>
+              <a:schemeClr val="accent2"/>
+            </a:solidFill>
+            <a:round/>
+            <a:extLst>
+              <a:ext uri="{C807C97D-BFC1-408E-A445-0C87EB9F89A2}">
+                <ask:lineSketchStyleProps xmlns:ask="http://schemas.microsoft.com/office/drawing/2018/sketchyshapes" sd="1219033472">
+                  <a:prstGeom prst="rect">
+                    <a:avLst/>
+                  </a:prstGeom>
+                  <ask:type>
+                    <ask:lineSketchFreehand/>
+                  </ask:type>
+                </ask:lineSketchStyleProps>
+              </a:ext>
+            </a:extLst>
+          </a:ln>
+        </p:spPr>
+        <p:style>
+          <a:lnRef idx="2">
+            <a:schemeClr val="accent1">
+              <a:shade val="50000"/>
+            </a:schemeClr>
+          </a:lnRef>
+          <a:fillRef idx="1">
+            <a:schemeClr val="accent1"/>
+          </a:fillRef>
+          <a:effectRef idx="0">
+            <a:schemeClr val="accent1"/>
+          </a:effectRef>
+          <a:fontRef idx="minor">
+            <a:schemeClr val="lt1"/>
+          </a:fontRef>
+        </p:style>
+        <p:txBody>
+          <a:bodyPr rtlCol="0" anchor="ctr"/>
+          <a:lstStyle/>
+          <a:p>
+            <a:pPr algn="ctr"/>
+            <a:endParaRPr lang="en-US"/>
+          </a:p>
+        </p:txBody>
+      </p:sp>
+    </p:spTree>
+    <p:extLst>
+      <p:ext uri="{BB962C8B-B14F-4D97-AF65-F5344CB8AC3E}">
+        <p14:creationId xmlns:p14="http://schemas.microsoft.com/office/powerpoint/2010/main" val="319615026"/>
+      </p:ext>
+    </p:extLst>
+  </p:cSld>
+  <p:clrMapOvr>
+    <a:masterClrMapping/>
+  </p:clrMapOvr>
+</p:sld>
+</file>
+
+<file path=ppt/slides/slide6.xml><?xml version="1.0" encoding="utf-8"?>
+<p:sld xmlns:a="http://schemas.openxmlformats.org/drawingml/2006/main" xmlns:r="http://schemas.openxmlformats.org/officeDocument/2006/relationships" xmlns:p="http://schemas.openxmlformats.org/presentationml/2006/main">
+  <p:cSld>
+    <p:bg>
+      <p:bgPr>
+        <a:solidFill>
+          <a:schemeClr val="bg1"/>
+        </a:solidFill>
+        <a:effectLst/>
+      </p:bgPr>
+    </p:bg>
+    <p:spTree>
+      <p:nvGrpSpPr>
+        <p:cNvPr id="1" name=""/>
+        <p:cNvGrpSpPr/>
+        <p:nvPr/>
+      </p:nvGrpSpPr>
+      <p:grpSpPr>
+        <a:xfrm>
+          <a:off x="0" y="0"/>
+          <a:ext cx="0" cy="0"/>
+          <a:chOff x="0" y="0"/>
+          <a:chExt cx="0" cy="0"/>
+        </a:xfrm>
+      </p:grpSpPr>
+      <p:sp useBgFill="1">
+        <p:nvSpPr>
+          <p:cNvPr id="30" name="Rectangle 29">
+            <a:extLst>
+              <a:ext uri="{FF2B5EF4-FFF2-40B4-BE49-F238E27FC236}">
+                <a16:creationId xmlns:a16="http://schemas.microsoft.com/office/drawing/2014/main" id="{5C9B446A-6343-4E56-90BA-061E4DDF0FFB}"/>
+              </a:ext>
+              <a:ext uri="{C183D7F6-B498-43B3-948B-1728B52AA6E4}">
+                <adec:decorative xmlns:adec="http://schemas.microsoft.com/office/drawing/2017/decorative" val="1"/>
+              </a:ext>
+            </a:extLst>
+          </p:cNvPr>
+          <p:cNvSpPr>
+            <a:spLocks noGrp="1" noRot="1" noChangeAspect="1" noMove="1" noResize="1" noEditPoints="1" noAdjustHandles="1" noChangeArrowheads="1" noChangeShapeType="1" noTextEdit="1"/>
+          </p:cNvSpPr>
+          <p:nvPr>
+            <p:extLst>
+              <p:ext uri="{386F3935-93C4-4BCD-93E2-E3B085C9AB24}">
+                <p16:designElem xmlns:p16="http://schemas.microsoft.com/office/powerpoint/2015/main" val="1"/>
+              </p:ext>
+            </p:extLst>
+          </p:nvPr>
+        </p:nvSpPr>
+        <p:spPr>
+          <a:xfrm>
+            <a:off x="0" y="0"/>
+            <a:ext cx="12192000" cy="6858000"/>
+          </a:xfrm>
+          <a:prstGeom prst="rect">
+            <a:avLst/>
+          </a:prstGeom>
+          <a:ln>
+            <a:noFill/>
+          </a:ln>
+        </p:spPr>
+        <p:style>
+          <a:lnRef idx="2">
+            <a:schemeClr val="accent1">
+              <a:shade val="50000"/>
+            </a:schemeClr>
+          </a:lnRef>
+          <a:fillRef idx="1">
+            <a:schemeClr val="accent1"/>
+          </a:fillRef>
+          <a:effectRef idx="0">
+            <a:schemeClr val="accent1"/>
+          </a:effectRef>
+          <a:fontRef idx="minor">
+            <a:schemeClr val="lt1"/>
+          </a:fontRef>
+        </p:style>
+        <p:txBody>
+          <a:bodyPr rtlCol="0" anchor="ctr"/>
+          <a:lstStyle/>
+          <a:p>
+            <a:pPr algn="ctr"/>
+            <a:endParaRPr lang="en-US"/>
+          </a:p>
+        </p:txBody>
+      </p:sp>
+      <p:sp useBgFill="1">
+        <p:nvSpPr>
+          <p:cNvPr id="31" name="Freeform: Shape 30">
+            <a:extLst>
+              <a:ext uri="{FF2B5EF4-FFF2-40B4-BE49-F238E27FC236}">
+                <a16:creationId xmlns:a16="http://schemas.microsoft.com/office/drawing/2014/main" id="{3EC72A1B-03D3-499C-B4BF-AC68EEC22B10}"/>
+              </a:ext>
+              <a:ext uri="{C183D7F6-B498-43B3-948B-1728B52AA6E4}">
+                <adec:decorative xmlns:adec="http://schemas.microsoft.com/office/drawing/2017/decorative" val="1"/>
+              </a:ext>
+            </a:extLst>
+          </p:cNvPr>
+          <p:cNvSpPr>
+            <a:spLocks noGrp="1" noRot="1" noChangeAspect="1" noMove="1" noResize="1" noEditPoints="1" noAdjustHandles="1" noChangeArrowheads="1" noChangeShapeType="1" noTextEdit="1"/>
+          </p:cNvSpPr>
+          <p:nvPr>
+            <p:extLst>
+              <p:ext uri="{386F3935-93C4-4BCD-93E2-E3B085C9AB24}">
+                <p16:designElem xmlns:p16="http://schemas.microsoft.com/office/powerpoint/2015/main" val="1"/>
+              </p:ext>
+            </p:extLst>
+          </p:nvPr>
+        </p:nvSpPr>
+        <p:spPr>
+          <a:xfrm>
+            <a:off x="-1" y="0"/>
+            <a:ext cx="4455673" cy="6858000"/>
+          </a:xfrm>
+          <a:custGeom>
+            <a:avLst/>
+            <a:gdLst>
+              <a:gd name="connsiteX0" fmla="*/ 0 w 4455673"/>
+              <a:gd name="connsiteY0" fmla="*/ 0 h 6858000"/>
+              <a:gd name="connsiteX1" fmla="*/ 3242695 w 4455673"/>
+              <a:gd name="connsiteY1" fmla="*/ 0 h 6858000"/>
+              <a:gd name="connsiteX2" fmla="*/ 3305678 w 4455673"/>
+              <a:gd name="connsiteY2" fmla="*/ 69271 h 6858000"/>
+              <a:gd name="connsiteX3" fmla="*/ 4455673 w 4455673"/>
+              <a:gd name="connsiteY3" fmla="*/ 3429000 h 6858000"/>
+              <a:gd name="connsiteX4" fmla="*/ 3305678 w 4455673"/>
+              <a:gd name="connsiteY4" fmla="*/ 6788730 h 6858000"/>
+              <a:gd name="connsiteX5" fmla="*/ 3242695 w 4455673"/>
+              <a:gd name="connsiteY5" fmla="*/ 6858000 h 6858000"/>
+              <a:gd name="connsiteX6" fmla="*/ 0 w 4455673"/>
+              <a:gd name="connsiteY6" fmla="*/ 6858000 h 6858000"/>
+            </a:gdLst>
+            <a:ahLst/>
+            <a:cxnLst>
+              <a:cxn ang="0">
+                <a:pos x="connsiteX0" y="connsiteY0"/>
+              </a:cxn>
+              <a:cxn ang="0">
+                <a:pos x="connsiteX1" y="connsiteY1"/>
+              </a:cxn>
+              <a:cxn ang="0">
+                <a:pos x="connsiteX2" y="connsiteY2"/>
+              </a:cxn>
+              <a:cxn ang="0">
+                <a:pos x="connsiteX3" y="connsiteY3"/>
+              </a:cxn>
+              <a:cxn ang="0">
+                <a:pos x="connsiteX4" y="connsiteY4"/>
+              </a:cxn>
+              <a:cxn ang="0">
+                <a:pos x="connsiteX5" y="connsiteY5"/>
+              </a:cxn>
+              <a:cxn ang="0">
+                <a:pos x="connsiteX6" y="connsiteY6"/>
+              </a:cxn>
+            </a:cxnLst>
+            <a:rect l="l" t="t" r="r" b="b"/>
+            <a:pathLst>
+              <a:path w="4455673" h="6858000">
+                <a:moveTo>
+                  <a:pt x="0" y="0"/>
+                </a:moveTo>
+                <a:lnTo>
+                  <a:pt x="3242695" y="0"/>
+                </a:lnTo>
+                <a:lnTo>
+                  <a:pt x="3305678" y="69271"/>
+                </a:lnTo>
+                <a:cubicBezTo>
+                  <a:pt x="4016204" y="929100"/>
+                  <a:pt x="4455673" y="2116944"/>
+                  <a:pt x="4455673" y="3429000"/>
+                </a:cubicBezTo>
+                <a:cubicBezTo>
+                  <a:pt x="4455673" y="4741056"/>
+                  <a:pt x="4016204" y="5928900"/>
+                  <a:pt x="3305678" y="6788730"/>
+                </a:cubicBezTo>
+                <a:lnTo>
+                  <a:pt x="3242695" y="6858000"/>
+                </a:lnTo>
+                <a:lnTo>
+                  <a:pt x="0" y="6858000"/>
+                </a:lnTo>
+                <a:close/>
+              </a:path>
+            </a:pathLst>
+          </a:custGeom>
+          <a:ln w="9525">
+            <a:solidFill>
+              <a:srgbClr val="EFEFEF"/>
+            </a:solidFill>
+          </a:ln>
+          <a:effectLst>
+            <a:outerShdw blurRad="88900" dist="38100" algn="l" rotWithShape="0">
+              <a:schemeClr val="bg1">
+                <a:lumMod val="85000"/>
+                <a:alpha val="50000"/>
+              </a:schemeClr>
+            </a:outerShdw>
+          </a:effectLst>
+        </p:spPr>
+        <p:style>
+          <a:lnRef idx="2">
+            <a:schemeClr val="accent1">
+              <a:shade val="50000"/>
+            </a:schemeClr>
+          </a:lnRef>
+          <a:fillRef idx="1">
+            <a:schemeClr val="accent1"/>
+          </a:fillRef>
+          <a:effectRef idx="0">
+            <a:schemeClr val="accent1"/>
+          </a:effectRef>
+          <a:fontRef idx="minor">
+            <a:schemeClr val="lt1"/>
+          </a:fontRef>
+        </p:style>
+        <p:txBody>
+          <a:bodyPr wrap="square" rtlCol="0" anchor="ctr">
+            <a:noAutofit/>
+          </a:bodyPr>
+          <a:lstStyle/>
+          <a:p>
+            <a:pPr marL="0" marR="0" lvl="0" indent="0" algn="ctr" defTabSz="914400" rtl="0" eaLnBrk="1" fontAlgn="auto" latinLnBrk="0" hangingPunct="1">
+              <a:lnSpc>
+                <a:spcPct val="100000"/>
+              </a:lnSpc>
+              <a:spcBef>
+                <a:spcPts val="0"/>
+              </a:spcBef>
+              <a:spcAft>
+                <a:spcPts val="0"/>
+              </a:spcAft>
+              <a:buClrTx/>
+              <a:buSzTx/>
+              <a:buFontTx/>
+              <a:buNone/>
+              <a:tabLst/>
+              <a:defRPr/>
+            </a:pPr>
+            <a:endParaRPr kumimoji="0" lang="en-US" sz="1800" b="0" i="0" u="none" strike="noStrike" kern="1200" cap="none" spc="0" normalizeH="0" baseline="0" noProof="0">
+              <a:ln>
+                <a:noFill/>
+              </a:ln>
+              <a:solidFill>
+                <a:prstClr val="white"/>
+              </a:solidFill>
+              <a:effectLst/>
+              <a:uLnTx/>
+              <a:uFillTx/>
+              <a:latin typeface="Calibri" panose="020F0502020204030204"/>
+              <a:ea typeface="+mn-ea"/>
+              <a:cs typeface="+mn-cs"/>
+            </a:endParaRPr>
+          </a:p>
+        </p:txBody>
+      </p:sp>
+      <p:sp useBgFill="1">
+        <p:nvSpPr>
+          <p:cNvPr id="32" name="Freeform: Shape 31">
+            <a:extLst>
+              <a:ext uri="{FF2B5EF4-FFF2-40B4-BE49-F238E27FC236}">
+                <a16:creationId xmlns:a16="http://schemas.microsoft.com/office/drawing/2014/main" id="{216322C2-3CF0-4D33-BF90-3F384CF6D232}"/>
+              </a:ext>
+              <a:ext uri="{C183D7F6-B498-43B3-948B-1728B52AA6E4}">
+                <adec:decorative xmlns:adec="http://schemas.microsoft.com/office/drawing/2017/decorative" val="1"/>
+              </a:ext>
+            </a:extLst>
+          </p:cNvPr>
+          <p:cNvSpPr>
+            <a:spLocks noGrp="1" noRot="1" noChangeAspect="1" noMove="1" noResize="1" noEditPoints="1" noAdjustHandles="1" noChangeArrowheads="1" noChangeShapeType="1" noTextEdit="1"/>
+          </p:cNvSpPr>
+          <p:nvPr>
+            <p:extLst>
+              <p:ext uri="{386F3935-93C4-4BCD-93E2-E3B085C9AB24}">
+                <p16:designElem xmlns:p16="http://schemas.microsoft.com/office/powerpoint/2015/main" val="1"/>
+              </p:ext>
+            </p:extLst>
+          </p:nvPr>
+        </p:nvSpPr>
+        <p:spPr>
+          <a:xfrm>
+            <a:off x="0" y="0"/>
+            <a:ext cx="4446529" cy="6858000"/>
+          </a:xfrm>
+          <a:custGeom>
+            <a:avLst/>
+            <a:gdLst>
+              <a:gd name="connsiteX0" fmla="*/ 0 w 4446529"/>
+              <a:gd name="connsiteY0" fmla="*/ 0 h 6858000"/>
+              <a:gd name="connsiteX1" fmla="*/ 3233551 w 4446529"/>
+              <a:gd name="connsiteY1" fmla="*/ 0 h 6858000"/>
+              <a:gd name="connsiteX2" fmla="*/ 3296534 w 4446529"/>
+              <a:gd name="connsiteY2" fmla="*/ 69271 h 6858000"/>
+              <a:gd name="connsiteX3" fmla="*/ 4446529 w 4446529"/>
+              <a:gd name="connsiteY3" fmla="*/ 3429000 h 6858000"/>
+              <a:gd name="connsiteX4" fmla="*/ 3296534 w 4446529"/>
+              <a:gd name="connsiteY4" fmla="*/ 6788730 h 6858000"/>
+              <a:gd name="connsiteX5" fmla="*/ 3233551 w 4446529"/>
+              <a:gd name="connsiteY5" fmla="*/ 6858000 h 6858000"/>
+              <a:gd name="connsiteX6" fmla="*/ 0 w 4446529"/>
+              <a:gd name="connsiteY6" fmla="*/ 6858000 h 6858000"/>
+            </a:gdLst>
+            <a:ahLst/>
+            <a:cxnLst>
+              <a:cxn ang="0">
+                <a:pos x="connsiteX0" y="connsiteY0"/>
+              </a:cxn>
+              <a:cxn ang="0">
+                <a:pos x="connsiteX1" y="connsiteY1"/>
+              </a:cxn>
+              <a:cxn ang="0">
+                <a:pos x="connsiteX2" y="connsiteY2"/>
+              </a:cxn>
+              <a:cxn ang="0">
+                <a:pos x="connsiteX3" y="connsiteY3"/>
+              </a:cxn>
+              <a:cxn ang="0">
+                <a:pos x="connsiteX4" y="connsiteY4"/>
+              </a:cxn>
+              <a:cxn ang="0">
+                <a:pos x="connsiteX5" y="connsiteY5"/>
+              </a:cxn>
+              <a:cxn ang="0">
+                <a:pos x="connsiteX6" y="connsiteY6"/>
+              </a:cxn>
+            </a:cxnLst>
+            <a:rect l="l" t="t" r="r" b="b"/>
+            <a:pathLst>
+              <a:path w="4446529" h="6858000">
+                <a:moveTo>
+                  <a:pt x="0" y="0"/>
+                </a:moveTo>
+                <a:lnTo>
+                  <a:pt x="3233551" y="0"/>
+                </a:lnTo>
+                <a:lnTo>
+                  <a:pt x="3296534" y="69271"/>
+                </a:lnTo>
+                <a:cubicBezTo>
+                  <a:pt x="4007060" y="929100"/>
+                  <a:pt x="4446529" y="2116944"/>
+                  <a:pt x="4446529" y="3429000"/>
+                </a:cubicBezTo>
+                <a:cubicBezTo>
+                  <a:pt x="4446529" y="4741056"/>
+                  <a:pt x="4007060" y="5928900"/>
+                  <a:pt x="3296534" y="6788730"/>
+                </a:cubicBezTo>
+                <a:lnTo>
+                  <a:pt x="3233551" y="6858000"/>
+                </a:lnTo>
+                <a:lnTo>
+                  <a:pt x="0" y="6858000"/>
+                </a:lnTo>
+                <a:close/>
+              </a:path>
+            </a:pathLst>
+          </a:custGeom>
+          <a:ln w="9525">
+            <a:noFill/>
+          </a:ln>
+          <a:effectLst/>
+        </p:spPr>
+        <p:style>
+          <a:lnRef idx="2">
+            <a:schemeClr val="accent1">
+              <a:shade val="50000"/>
+            </a:schemeClr>
+          </a:lnRef>
+          <a:fillRef idx="1">
+            <a:schemeClr val="accent1"/>
+          </a:fillRef>
+          <a:effectRef idx="0">
+            <a:schemeClr val="accent1"/>
+          </a:effectRef>
+          <a:fontRef idx="minor">
+            <a:schemeClr val="lt1"/>
+          </a:fontRef>
+        </p:style>
+        <p:txBody>
+          <a:bodyPr wrap="square" rtlCol="0" anchor="ctr">
+            <a:noAutofit/>
+          </a:bodyPr>
+          <a:lstStyle/>
+          <a:p>
+            <a:pPr marL="0" marR="0" lvl="0" indent="0" algn="ctr" defTabSz="914400" rtl="0" eaLnBrk="1" fontAlgn="auto" latinLnBrk="0" hangingPunct="1">
+              <a:lnSpc>
+                <a:spcPct val="100000"/>
+              </a:lnSpc>
+              <a:spcBef>
+                <a:spcPts val="0"/>
+              </a:spcBef>
+              <a:spcAft>
+                <a:spcPts val="0"/>
+              </a:spcAft>
+              <a:buClrTx/>
+              <a:buSzTx/>
+              <a:buFontTx/>
+              <a:buNone/>
+              <a:tabLst/>
+              <a:defRPr/>
+            </a:pPr>
+            <a:endParaRPr kumimoji="0" lang="en-US" sz="1800" b="0" i="0" u="none" strike="noStrike" kern="1200" cap="none" spc="0" normalizeH="0" baseline="0" noProof="0">
+              <a:ln>
+                <a:noFill/>
+              </a:ln>
+              <a:solidFill>
+                <a:prstClr val="white"/>
+              </a:solidFill>
+              <a:effectLst/>
+              <a:uLnTx/>
+              <a:uFillTx/>
+              <a:latin typeface="Calibri" panose="020F0502020204030204"/>
+              <a:ea typeface="+mn-ea"/>
+              <a:cs typeface="+mn-cs"/>
+            </a:endParaRPr>
+          </a:p>
+        </p:txBody>
+      </p:sp>
+      <p:sp>
+        <p:nvSpPr>
+          <p:cNvPr id="2" name="Title 1">
+            <a:extLst>
+              <a:ext uri="{FF2B5EF4-FFF2-40B4-BE49-F238E27FC236}">
+                <a16:creationId xmlns:a16="http://schemas.microsoft.com/office/drawing/2014/main" id="{AA96E534-CD6F-F445-F261-28405CB14FFC}"/>
+              </a:ext>
+            </a:extLst>
+          </p:cNvPr>
+          <p:cNvSpPr>
+            <a:spLocks noGrp="1"/>
+          </p:cNvSpPr>
+          <p:nvPr>
+            <p:ph type="title"/>
+          </p:nvPr>
+        </p:nvSpPr>
+        <p:spPr>
+          <a:xfrm>
+            <a:off x="371094" y="1161288"/>
+            <a:ext cx="3438144" cy="1124712"/>
+          </a:xfrm>
+        </p:spPr>
+        <p:txBody>
+          <a:bodyPr vert="horz" lIns="91440" tIns="45720" rIns="91440" bIns="45720" rtlCol="0" anchor="b">
+            <a:normAutofit/>
+          </a:bodyPr>
+          <a:lstStyle/>
+          <a:p>
+            <a:r>
+              <a:rPr lang="en-US" sz="2800" kern="1200">
+                <a:solidFill>
+                  <a:schemeClr val="tx1"/>
+                </a:solidFill>
+                <a:latin typeface="+mj-lt"/>
+                <a:ea typeface="+mj-ea"/>
+                <a:cs typeface="+mj-cs"/>
+              </a:rPr>
+              <a:t>Difficulties</a:t>
+            </a:r>
+          </a:p>
+        </p:txBody>
+      </p:sp>
+      <p:sp>
+        <p:nvSpPr>
+          <p:cNvPr id="24" name="Rectangle 23">
+            <a:extLst>
+              <a:ext uri="{FF2B5EF4-FFF2-40B4-BE49-F238E27FC236}">
+                <a16:creationId xmlns:a16="http://schemas.microsoft.com/office/drawing/2014/main" id="{55D4142C-5077-457F-A6AD-3FECFDB39685}"/>
+              </a:ext>
+              <a:ext uri="{C183D7F6-B498-43B3-948B-1728B52AA6E4}">
+                <adec:decorative xmlns:adec="http://schemas.microsoft.com/office/drawing/2017/decorative" val="1"/>
+              </a:ext>
+            </a:extLst>
+          </p:cNvPr>
+          <p:cNvSpPr>
+            <a:spLocks noGrp="1" noRot="1" noChangeAspect="1" noMove="1" noResize="1" noEditPoints="1" noAdjustHandles="1" noChangeArrowheads="1" noChangeShapeType="1" noTextEdit="1"/>
+          </p:cNvSpPr>
+          <p:nvPr>
+            <p:extLst>
+              <p:ext uri="{386F3935-93C4-4BCD-93E2-E3B085C9AB24}">
+                <p16:designElem xmlns:p16="http://schemas.microsoft.com/office/powerpoint/2015/main" val="1"/>
+              </p:ext>
+            </p:extLst>
+          </p:nvPr>
+        </p:nvSpPr>
+        <p:spPr>
+          <a:xfrm rot="5400000">
+            <a:off x="662559" y="605790"/>
+            <a:ext cx="73152" cy="548640"/>
+          </a:xfrm>
+          <a:prstGeom prst="rect">
+            <a:avLst/>
+          </a:prstGeom>
+          <a:solidFill>
+            <a:schemeClr val="accent2"/>
+          </a:solidFill>
+          <a:ln>
+            <a:noFill/>
+          </a:ln>
+        </p:spPr>
+        <p:style>
+          <a:lnRef idx="2">
+            <a:schemeClr val="accent1">
+              <a:shade val="50000"/>
+            </a:schemeClr>
+          </a:lnRef>
+          <a:fillRef idx="1">
+            <a:schemeClr val="accent1"/>
+          </a:fillRef>
+          <a:effectRef idx="0">
+            <a:schemeClr val="accent1"/>
+          </a:effectRef>
+          <a:fontRef idx="minor">
+            <a:schemeClr val="lt1"/>
+          </a:fontRef>
+        </p:style>
+        <p:txBody>
+          <a:bodyPr rtlCol="0" anchor="ctr"/>
+          <a:lstStyle/>
+          <a:p>
+            <a:pPr algn="ctr"/>
+            <a:endParaRPr lang="en-US">
+              <a:solidFill>
+                <a:prstClr val="white"/>
+              </a:solidFill>
+              <a:latin typeface="Calibri" panose="020F0502020204030204"/>
+            </a:endParaRPr>
+          </a:p>
+        </p:txBody>
+      </p:sp>
+      <p:sp>
+        <p:nvSpPr>
+          <p:cNvPr id="26" name="Rectangle 25">
+            <a:extLst>
+              <a:ext uri="{FF2B5EF4-FFF2-40B4-BE49-F238E27FC236}">
+                <a16:creationId xmlns:a16="http://schemas.microsoft.com/office/drawing/2014/main" id="{7A5F0580-5EE9-419F-96EE-B6529EF6E7D0}"/>
+              </a:ext>
+              <a:ext uri="{C183D7F6-B498-43B3-948B-1728B52AA6E4}">
+                <adec:decorative xmlns:adec="http://schemas.microsoft.com/office/drawing/2017/decorative" val="1"/>
+              </a:ext>
+            </a:extLst>
+          </p:cNvPr>
+          <p:cNvSpPr>
+            <a:spLocks noGrp="1" noRot="1" noChangeAspect="1" noMove="1" noResize="1" noEditPoints="1" noAdjustHandles="1" noChangeArrowheads="1" noChangeShapeType="1" noTextEdit="1"/>
+          </p:cNvSpPr>
+          <p:nvPr>
+            <p:extLst>
+              <p:ext uri="{386F3935-93C4-4BCD-93E2-E3B085C9AB24}">
+                <p16:designElem xmlns:p16="http://schemas.microsoft.com/office/powerpoint/2015/main" val="1"/>
+              </p:ext>
+            </p:extLst>
+          </p:nvPr>
+        </p:nvSpPr>
+        <p:spPr>
+          <a:xfrm>
+            <a:off x="428244" y="2443480"/>
+            <a:ext cx="3337560" cy="18288"/>
+          </a:xfrm>
+          <a:prstGeom prst="rect">
+            <a:avLst/>
+          </a:prstGeom>
+          <a:solidFill>
+            <a:srgbClr val="D5D5D5"/>
+          </a:solidFill>
+          <a:ln w="3175">
+            <a:noFill/>
+          </a:ln>
+          <a:effectLst/>
+        </p:spPr>
+        <p:style>
+          <a:lnRef idx="2">
+            <a:schemeClr val="accent1">
+              <a:shade val="50000"/>
+            </a:schemeClr>
+          </a:lnRef>
+          <a:fillRef idx="1">
+            <a:schemeClr val="accent1"/>
+          </a:fillRef>
+          <a:effectRef idx="0">
+            <a:schemeClr val="accent1"/>
+          </a:effectRef>
+          <a:fontRef idx="minor">
+            <a:schemeClr val="lt1"/>
+          </a:fontRef>
+        </p:style>
+        <p:txBody>
+          <a:bodyPr rtlCol="0" anchor="ctr"/>
+          <a:lstStyle/>
+          <a:p>
+            <a:pPr algn="ctr"/>
+            <a:endParaRPr lang="en-US">
+              <a:solidFill>
+                <a:prstClr val="white"/>
+              </a:solidFill>
+              <a:latin typeface="Calibri" panose="020F0502020204030204"/>
+            </a:endParaRPr>
+          </a:p>
+        </p:txBody>
+      </p:sp>
+      <p:sp>
+        <p:nvSpPr>
+          <p:cNvPr id="33" name="Text Placeholder 3">
+            <a:extLst>
+              <a:ext uri="{FF2B5EF4-FFF2-40B4-BE49-F238E27FC236}">
+                <a16:creationId xmlns:a16="http://schemas.microsoft.com/office/drawing/2014/main" id="{9973CD17-1351-7EAD-04E4-F24F7E240156}"/>
+              </a:ext>
+            </a:extLst>
+          </p:cNvPr>
+          <p:cNvSpPr>
+            <a:spLocks noGrp="1"/>
+          </p:cNvSpPr>
+          <p:nvPr>
+            <p:ph type="body" sz="half" idx="2"/>
+          </p:nvPr>
+        </p:nvSpPr>
+        <p:spPr>
+          <a:xfrm>
+            <a:off x="371094" y="2718054"/>
+            <a:ext cx="3438906" cy="3207258"/>
+          </a:xfrm>
+        </p:spPr>
+        <p:txBody>
+          <a:bodyPr vert="horz" lIns="91440" tIns="45720" rIns="91440" bIns="45720" rtlCol="0" anchor="t">
+            <a:normAutofit/>
+          </a:bodyPr>
+          <a:lstStyle/>
+          <a:p>
+            <a:pPr marL="57150" indent="-285750">
+              <a:buFont typeface="Wingdings" panose="05000000000000000000" pitchFamily="2" charset="2"/>
+              <a:buChar char="v"/>
+            </a:pPr>
+            <a:r>
+              <a:rPr lang="en-US" sz="1800"/>
+              <a:t>Getting an animated gif to work for the menu screen.</a:t>
+            </a:r>
+          </a:p>
+          <a:p>
+            <a:pPr marL="57150" indent="-285750">
+              <a:buFont typeface="Wingdings" panose="05000000000000000000" pitchFamily="2" charset="2"/>
+              <a:buChar char="v"/>
+            </a:pPr>
+            <a:r>
+              <a:rPr lang="en-US" sz="1800"/>
+              <a:t>Having to scale down a gif for it to fit into the turtle graphic.</a:t>
+            </a:r>
+          </a:p>
+          <a:p>
+            <a:pPr marL="57150" indent="-285750">
+              <a:buFont typeface="Wingdings" panose="05000000000000000000" pitchFamily="2" charset="2"/>
+              <a:buChar char="v"/>
+            </a:pPr>
+            <a:r>
+              <a:rPr lang="en-US" sz="1800"/>
+              <a:t>Collision detection and Enemy behavior. </a:t>
+            </a:r>
+          </a:p>
+          <a:p>
+            <a:pPr indent="-228600">
+              <a:buFont typeface="Arial" panose="020B0604020202020204" pitchFamily="34" charset="0"/>
+              <a:buChar char="•"/>
+            </a:pPr>
+            <a:endParaRPr lang="en-US" sz="1700"/>
+          </a:p>
+        </p:txBody>
+      </p:sp>
+      <p:pic>
+        <p:nvPicPr>
+          <p:cNvPr id="13" name="Content Placeholder 12" descr="A pixel art of a person holding a ball&#10;&#10;Description automatically generated">
+            <a:extLst>
+              <a:ext uri="{FF2B5EF4-FFF2-40B4-BE49-F238E27FC236}">
+                <a16:creationId xmlns:a16="http://schemas.microsoft.com/office/drawing/2014/main" id="{4A621FA1-5CDF-E88E-E1B1-21580FC74E53}"/>
+              </a:ext>
+            </a:extLst>
+          </p:cNvPr>
+          <p:cNvPicPr>
+            <a:picLocks noGrp="1" noChangeAspect="1"/>
+          </p:cNvPicPr>
+          <p:nvPr>
+            <p:ph idx="1"/>
+          </p:nvPr>
+        </p:nvPicPr>
+        <p:blipFill>
+          <a:blip r:embed="rId2">
+            <a:extLst>
+              <a:ext uri="{28A0092B-C50C-407E-A947-70E740481C1C}">
+                <a14:useLocalDpi xmlns:a14="http://schemas.microsoft.com/office/drawing/2010/main" val="0"/>
+              </a:ext>
+            </a:extLst>
+          </a:blip>
+          <a:stretch>
+            <a:fillRect/>
+          </a:stretch>
+        </p:blipFill>
+        <p:spPr>
+          <a:xfrm>
+            <a:off x="5033427" y="843533"/>
+            <a:ext cx="6653020" cy="5280175"/>
+          </a:xfrm>
+          <a:prstGeom prst="rect">
+            <a:avLst/>
+          </a:prstGeom>
+        </p:spPr>
+      </p:pic>
+    </p:spTree>
+    <p:extLst>
+      <p:ext uri="{BB962C8B-B14F-4D97-AF65-F5344CB8AC3E}">
+        <p14:creationId xmlns:p14="http://schemas.microsoft.com/office/powerpoint/2010/main" val="311993718"/>
+      </p:ext>
+    </p:extLst>
+  </p:cSld>
+  <p:clrMapOvr>
+    <a:masterClrMapping/>
+  </p:clrMapOvr>
+</p:sld>
+</file>
+
+<file path=ppt/slides/slide7.xml><?xml version="1.0" encoding="utf-8"?>
+<p:sld xmlns:a="http://schemas.openxmlformats.org/drawingml/2006/main" xmlns:r="http://schemas.openxmlformats.org/officeDocument/2006/relationships" xmlns:p="http://schemas.openxmlformats.org/presentationml/2006/main">
+  <p:cSld>
+    <p:bg>
+      <p:bgPr>
+        <a:solidFill>
+          <a:schemeClr val="bg1"/>
+        </a:solidFill>
+        <a:effectLst/>
+      </p:bgPr>
+    </p:bg>
+    <p:spTree>
+      <p:nvGrpSpPr>
+        <p:cNvPr id="1" name=""/>
+        <p:cNvGrpSpPr/>
+        <p:nvPr/>
+      </p:nvGrpSpPr>
+      <p:grpSpPr>
+        <a:xfrm>
+          <a:off x="0" y="0"/>
+          <a:ext cx="0" cy="0"/>
+          <a:chOff x="0" y="0"/>
+          <a:chExt cx="0" cy="0"/>
+        </a:xfrm>
+      </p:grpSpPr>
+      <p:sp>
+        <p:nvSpPr>
+          <p:cNvPr id="2" name="Title 1">
+            <a:extLst>
+              <a:ext uri="{FF2B5EF4-FFF2-40B4-BE49-F238E27FC236}">
+                <a16:creationId xmlns:a16="http://schemas.microsoft.com/office/drawing/2014/main" id="{2BEAC85D-6237-17B2-6922-59529D0040B0}"/>
+              </a:ext>
+            </a:extLst>
+          </p:cNvPr>
+          <p:cNvSpPr>
+            <a:spLocks noGrp="1"/>
+          </p:cNvSpPr>
+          <p:nvPr>
+            <p:ph type="title"/>
+          </p:nvPr>
+        </p:nvSpPr>
+        <p:spPr>
+          <a:xfrm>
+            <a:off x="838201" y="365125"/>
+            <a:ext cx="5251316" cy="1807305"/>
+          </a:xfrm>
+        </p:spPr>
+        <p:txBody>
+          <a:bodyPr>
+            <a:normAutofit/>
+          </a:bodyPr>
+          <a:lstStyle/>
+          <a:p>
+            <a:r>
+              <a:rPr lang="en-US"/>
+              <a:t>Why choose us?</a:t>
+            </a:r>
+          </a:p>
+        </p:txBody>
+      </p:sp>
+      <p:sp>
+        <p:nvSpPr>
+          <p:cNvPr id="3" name="Content Placeholder 2">
+            <a:extLst>
+              <a:ext uri="{FF2B5EF4-FFF2-40B4-BE49-F238E27FC236}">
+                <a16:creationId xmlns:a16="http://schemas.microsoft.com/office/drawing/2014/main" id="{96E9CA6A-EAE7-561C-5808-7FA2875DF69B}"/>
+              </a:ext>
+            </a:extLst>
+          </p:cNvPr>
+          <p:cNvSpPr>
+            <a:spLocks noGrp="1"/>
+          </p:cNvSpPr>
+          <p:nvPr>
+            <p:ph idx="1"/>
+          </p:nvPr>
+        </p:nvSpPr>
+        <p:spPr>
+          <a:xfrm>
+            <a:off x="838200" y="2333297"/>
+            <a:ext cx="4619621" cy="3843666"/>
+          </a:xfrm>
+        </p:spPr>
+        <p:txBody>
+          <a:bodyPr vert="horz" lIns="0" tIns="45720" rIns="0" bIns="45720" rtlCol="0" anchor="t">
+            <a:normAutofit/>
+          </a:bodyPr>
+          <a:lstStyle/>
+          <a:p>
+            <a:pPr>
+              <a:buFont typeface="Wingdings" panose="05000000000000000000" pitchFamily="2" charset="2"/>
+              <a:buChar char="v"/>
+            </a:pPr>
+            <a:r>
+              <a:rPr lang="en-US" sz="1700"/>
+              <a:t>The </a:t>
+            </a:r>
+            <a:r>
+              <a:rPr lang="en-US" sz="1700" err="1"/>
+              <a:t>gui</a:t>
+            </a:r>
+            <a:r>
+              <a:rPr lang="en-US" sz="1700"/>
+              <a:t> has adaptability meaning that other games could be added to the menu.</a:t>
+            </a:r>
+            <a:endParaRPr lang="en-US" sz="1700">
+              <a:cs typeface="Calibri"/>
+            </a:endParaRPr>
+          </a:p>
+          <a:p>
+            <a:pPr>
+              <a:buFont typeface="Wingdings" panose="05000000000000000000" pitchFamily="2" charset="2"/>
+              <a:buChar char="v"/>
+            </a:pPr>
+            <a:r>
+              <a:rPr lang="en-US" sz="1700"/>
+              <a:t>Retro game remakes always have a market of players interested.</a:t>
+            </a:r>
+            <a:endParaRPr lang="en-US" sz="1700">
+              <a:cs typeface="Calibri"/>
+            </a:endParaRPr>
+          </a:p>
+          <a:p>
+            <a:pPr>
+              <a:buFont typeface="Wingdings" panose="05000000000000000000" pitchFamily="2" charset="2"/>
+              <a:buChar char="v"/>
+            </a:pPr>
+            <a:r>
+              <a:rPr lang="en-US" sz="1700">
+                <a:cs typeface="Calibri"/>
+              </a:rPr>
+              <a:t>We have diverse skillsets that allow us to work together and break down complex projects.</a:t>
+            </a:r>
+          </a:p>
+          <a:p>
+            <a:pPr>
+              <a:buFont typeface="Wingdings" panose="05000000000000000000" pitchFamily="2" charset="2"/>
+              <a:buChar char="v"/>
+            </a:pPr>
+            <a:endParaRPr lang="en-US" sz="1700">
+              <a:cs typeface="Calibri"/>
+            </a:endParaRPr>
+          </a:p>
+        </p:txBody>
+      </p:sp>
+      <p:pic>
+        <p:nvPicPr>
+          <p:cNvPr id="36" name="Picture 35" descr="People at the meeting desk">
+            <a:extLst>
+              <a:ext uri="{FF2B5EF4-FFF2-40B4-BE49-F238E27FC236}">
+                <a16:creationId xmlns:a16="http://schemas.microsoft.com/office/drawing/2014/main" id="{5CE51C4F-56FD-DBEE-A658-DBA079EF21E9}"/>
+              </a:ext>
+            </a:extLst>
+          </p:cNvPr>
+          <p:cNvPicPr>
+            <a:picLocks noChangeAspect="1"/>
+          </p:cNvPicPr>
+          <p:nvPr/>
+        </p:nvPicPr>
+        <p:blipFill rotWithShape="1">
+          <a:blip r:embed="rId2"/>
+          <a:srcRect l="20040" r="31053"/>
+          <a:stretch/>
+        </p:blipFill>
+        <p:spPr>
+          <a:xfrm>
+            <a:off x="6229215" y="10"/>
+            <a:ext cx="5962785" cy="6857990"/>
+          </a:xfrm>
+          <a:custGeom>
+            <a:avLst/>
+            <a:gdLst/>
+            <a:ahLst/>
+            <a:cxnLst/>
+            <a:rect l="l" t="t" r="r" b="b"/>
+            <a:pathLst>
+              <a:path w="5962785" h="6858000">
+                <a:moveTo>
+                  <a:pt x="1044839" y="0"/>
+                </a:moveTo>
+                <a:lnTo>
+                  <a:pt x="5962785" y="0"/>
+                </a:lnTo>
+                <a:lnTo>
+                  <a:pt x="5962785" y="6858000"/>
+                </a:lnTo>
+                <a:lnTo>
+                  <a:pt x="1469886" y="6858000"/>
+                </a:lnTo>
+                <a:lnTo>
+                  <a:pt x="1416006" y="6823984"/>
+                </a:lnTo>
+                <a:cubicBezTo>
+                  <a:pt x="1356767" y="6787940"/>
+                  <a:pt x="1296437" y="6755500"/>
+                  <a:pt x="1232473" y="6733873"/>
+                </a:cubicBezTo>
+                <a:cubicBezTo>
+                  <a:pt x="1145250" y="6705037"/>
+                  <a:pt x="1060933" y="6654575"/>
+                  <a:pt x="1075471" y="6503186"/>
+                </a:cubicBezTo>
+                <a:cubicBezTo>
+                  <a:pt x="1078378" y="6459932"/>
+                  <a:pt x="1055118" y="6427493"/>
+                  <a:pt x="1020229" y="6438306"/>
+                </a:cubicBezTo>
+                <a:cubicBezTo>
+                  <a:pt x="953358" y="6459932"/>
+                  <a:pt x="921375" y="6398656"/>
+                  <a:pt x="883579" y="6351798"/>
+                </a:cubicBezTo>
+                <a:cubicBezTo>
+                  <a:pt x="816707" y="6268895"/>
+                  <a:pt x="752743" y="6182387"/>
+                  <a:pt x="645167" y="6167969"/>
+                </a:cubicBezTo>
+                <a:cubicBezTo>
+                  <a:pt x="665519" y="6103088"/>
+                  <a:pt x="700408" y="6110298"/>
+                  <a:pt x="732391" y="6124716"/>
+                </a:cubicBezTo>
+                <a:cubicBezTo>
+                  <a:pt x="816707" y="6160761"/>
+                  <a:pt x="901023" y="6200410"/>
+                  <a:pt x="985339" y="6236455"/>
+                </a:cubicBezTo>
+                <a:cubicBezTo>
+                  <a:pt x="1040581" y="6258081"/>
+                  <a:pt x="1095822" y="6290522"/>
+                  <a:pt x="1168509" y="6265291"/>
+                </a:cubicBezTo>
+                <a:cubicBezTo>
+                  <a:pt x="1104545" y="6135530"/>
+                  <a:pt x="996969" y="6110298"/>
+                  <a:pt x="909746" y="6070649"/>
+                </a:cubicBezTo>
+                <a:cubicBezTo>
+                  <a:pt x="802169" y="6020185"/>
+                  <a:pt x="738206" y="5926470"/>
+                  <a:pt x="659704" y="5818335"/>
+                </a:cubicBezTo>
+                <a:cubicBezTo>
+                  <a:pt x="738206" y="5789500"/>
+                  <a:pt x="787632" y="5868798"/>
+                  <a:pt x="851597" y="5865193"/>
+                </a:cubicBezTo>
+                <a:cubicBezTo>
+                  <a:pt x="854504" y="5854380"/>
+                  <a:pt x="860319" y="5832753"/>
+                  <a:pt x="860319" y="5832753"/>
+                </a:cubicBezTo>
+                <a:cubicBezTo>
+                  <a:pt x="755650" y="5775081"/>
+                  <a:pt x="709132" y="5666947"/>
+                  <a:pt x="691686" y="5533581"/>
+                </a:cubicBezTo>
+                <a:cubicBezTo>
+                  <a:pt x="685872" y="5465095"/>
+                  <a:pt x="648075" y="5443468"/>
+                  <a:pt x="610278" y="5411029"/>
+                </a:cubicBezTo>
+                <a:cubicBezTo>
+                  <a:pt x="482350" y="5299289"/>
+                  <a:pt x="345700" y="5198364"/>
+                  <a:pt x="238123" y="5046976"/>
+                </a:cubicBezTo>
+                <a:cubicBezTo>
+                  <a:pt x="363144" y="5064998"/>
+                  <a:pt x="461997" y="5165924"/>
+                  <a:pt x="592833" y="5209177"/>
+                </a:cubicBezTo>
+                <a:cubicBezTo>
+                  <a:pt x="488165" y="5043371"/>
+                  <a:pt x="351514" y="4956864"/>
+                  <a:pt x="226494" y="4855939"/>
+                </a:cubicBezTo>
+                <a:cubicBezTo>
+                  <a:pt x="168344" y="4809081"/>
+                  <a:pt x="116011" y="4751408"/>
+                  <a:pt x="49139" y="4726177"/>
+                </a:cubicBezTo>
+                <a:cubicBezTo>
+                  <a:pt x="25879" y="4718968"/>
+                  <a:pt x="-14825" y="4700947"/>
+                  <a:pt x="5527" y="4650483"/>
+                </a:cubicBezTo>
+                <a:cubicBezTo>
+                  <a:pt x="22972" y="4607230"/>
+                  <a:pt x="54954" y="4621648"/>
+                  <a:pt x="84029" y="4632460"/>
+                </a:cubicBezTo>
+                <a:cubicBezTo>
+                  <a:pt x="153807" y="4661296"/>
+                  <a:pt x="229401" y="4661296"/>
+                  <a:pt x="325347" y="4661296"/>
+                </a:cubicBezTo>
+                <a:cubicBezTo>
+                  <a:pt x="243939" y="4524326"/>
+                  <a:pt x="95658" y="4567580"/>
+                  <a:pt x="25879" y="4423401"/>
+                </a:cubicBezTo>
+                <a:cubicBezTo>
+                  <a:pt x="113103" y="4398170"/>
+                  <a:pt x="179975" y="4448632"/>
+                  <a:pt x="249753" y="4459446"/>
+                </a:cubicBezTo>
+                <a:cubicBezTo>
+                  <a:pt x="313718" y="4470259"/>
+                  <a:pt x="328254" y="4445028"/>
+                  <a:pt x="313718" y="4365729"/>
+                </a:cubicBezTo>
+                <a:cubicBezTo>
+                  <a:pt x="290458" y="4243177"/>
+                  <a:pt x="325347" y="4181900"/>
+                  <a:pt x="418386" y="4214341"/>
+                </a:cubicBezTo>
+                <a:cubicBezTo>
+                  <a:pt x="505609" y="4246781"/>
+                  <a:pt x="514332" y="4199922"/>
+                  <a:pt x="491072" y="4131438"/>
+                </a:cubicBezTo>
+                <a:cubicBezTo>
+                  <a:pt x="456183" y="4030512"/>
+                  <a:pt x="493979" y="3951214"/>
+                  <a:pt x="520147" y="3864706"/>
+                </a:cubicBezTo>
+                <a:cubicBezTo>
+                  <a:pt x="560851" y="3734945"/>
+                  <a:pt x="543407" y="3670064"/>
+                  <a:pt x="459090" y="3572743"/>
+                </a:cubicBezTo>
+                <a:cubicBezTo>
+                  <a:pt x="409664" y="3518676"/>
+                  <a:pt x="360236" y="3471818"/>
+                  <a:pt x="290458" y="3424959"/>
+                </a:cubicBezTo>
+                <a:cubicBezTo>
+                  <a:pt x="450368" y="3399728"/>
+                  <a:pt x="284643" y="3313221"/>
+                  <a:pt x="339884" y="3259153"/>
+                </a:cubicBezTo>
+                <a:cubicBezTo>
+                  <a:pt x="453275" y="3237527"/>
+                  <a:pt x="543407" y="3410542"/>
+                  <a:pt x="697501" y="3360078"/>
+                </a:cubicBezTo>
+                <a:cubicBezTo>
+                  <a:pt x="511425" y="3212294"/>
+                  <a:pt x="302087" y="3165436"/>
+                  <a:pt x="165437" y="2967190"/>
+                </a:cubicBezTo>
+                <a:cubicBezTo>
+                  <a:pt x="197419" y="2923937"/>
+                  <a:pt x="229401" y="2967190"/>
+                  <a:pt x="255568" y="2949167"/>
+                </a:cubicBezTo>
+                <a:cubicBezTo>
+                  <a:pt x="255568" y="2938354"/>
+                  <a:pt x="560851" y="3006840"/>
+                  <a:pt x="578296" y="2725691"/>
+                </a:cubicBezTo>
+                <a:cubicBezTo>
+                  <a:pt x="584111" y="2725691"/>
+                  <a:pt x="589926" y="2725691"/>
+                  <a:pt x="595740" y="2714876"/>
+                </a:cubicBezTo>
+                <a:cubicBezTo>
+                  <a:pt x="627722" y="2675228"/>
+                  <a:pt x="598648" y="2581510"/>
+                  <a:pt x="650982" y="2574301"/>
+                </a:cubicBezTo>
+                <a:cubicBezTo>
+                  <a:pt x="709132" y="2567092"/>
+                  <a:pt x="764373" y="2534653"/>
+                  <a:pt x="825429" y="2552674"/>
+                </a:cubicBezTo>
+                <a:cubicBezTo>
+                  <a:pt x="871949" y="2567092"/>
+                  <a:pt x="921375" y="2585115"/>
+                  <a:pt x="970802" y="2585115"/>
+                </a:cubicBezTo>
+                <a:cubicBezTo>
+                  <a:pt x="1023136" y="2585115"/>
+                  <a:pt x="1095822" y="2707668"/>
+                  <a:pt x="1127805" y="2545465"/>
+                </a:cubicBezTo>
+                <a:cubicBezTo>
+                  <a:pt x="1127805" y="2538257"/>
+                  <a:pt x="1217936" y="2556280"/>
+                  <a:pt x="1267362" y="2563488"/>
+                </a:cubicBezTo>
+                <a:cubicBezTo>
+                  <a:pt x="1308067" y="2570698"/>
+                  <a:pt x="1357494" y="2603137"/>
+                  <a:pt x="1386568" y="2538257"/>
+                </a:cubicBezTo>
+                <a:cubicBezTo>
+                  <a:pt x="1401105" y="2498607"/>
+                  <a:pt x="1331326" y="2426518"/>
+                  <a:pt x="1270270" y="2419309"/>
+                </a:cubicBezTo>
+                <a:cubicBezTo>
+                  <a:pt x="1215029" y="2412101"/>
+                  <a:pt x="1159787" y="2404892"/>
+                  <a:pt x="1107453" y="2419309"/>
+                </a:cubicBezTo>
+                <a:cubicBezTo>
+                  <a:pt x="1043489" y="2437331"/>
+                  <a:pt x="1008599" y="2408495"/>
+                  <a:pt x="991154" y="2343615"/>
+                </a:cubicBezTo>
+                <a:cubicBezTo>
+                  <a:pt x="970802" y="2275131"/>
+                  <a:pt x="933005" y="2239085"/>
+                  <a:pt x="880671" y="2206645"/>
+                </a:cubicBezTo>
+                <a:cubicBezTo>
+                  <a:pt x="752743" y="2127346"/>
+                  <a:pt x="630630" y="2033629"/>
+                  <a:pt x="491072" y="1986771"/>
+                </a:cubicBezTo>
+                <a:cubicBezTo>
+                  <a:pt x="464905" y="1979562"/>
+                  <a:pt x="432923" y="1965145"/>
+                  <a:pt x="421293" y="1903868"/>
+                </a:cubicBezTo>
+                <a:cubicBezTo>
+                  <a:pt x="799262" y="1997584"/>
+                  <a:pt x="1142342" y="2239085"/>
+                  <a:pt x="1531941" y="2224667"/>
+                </a:cubicBezTo>
+                <a:cubicBezTo>
+                  <a:pt x="1427272" y="2148974"/>
+                  <a:pt x="1302252" y="2145369"/>
+                  <a:pt x="1188861" y="2091301"/>
+                </a:cubicBezTo>
+                <a:cubicBezTo>
+                  <a:pt x="1270270" y="2051652"/>
+                  <a:pt x="1345864" y="2094906"/>
+                  <a:pt x="1421458" y="2116532"/>
+                </a:cubicBezTo>
+                <a:cubicBezTo>
+                  <a:pt x="1485422" y="2134554"/>
+                  <a:pt x="1543571" y="2138160"/>
+                  <a:pt x="1549386" y="2026420"/>
+                </a:cubicBezTo>
+                <a:cubicBezTo>
+                  <a:pt x="1549386" y="2015607"/>
+                  <a:pt x="1549386" y="2008398"/>
+                  <a:pt x="1549386" y="1997584"/>
+                </a:cubicBezTo>
+                <a:cubicBezTo>
+                  <a:pt x="1526126" y="1950727"/>
+                  <a:pt x="1494144" y="1929099"/>
+                  <a:pt x="1453440" y="1914682"/>
+                </a:cubicBezTo>
+                <a:cubicBezTo>
+                  <a:pt x="1430180" y="1907473"/>
+                  <a:pt x="1398198" y="1893056"/>
+                  <a:pt x="1398198" y="1860614"/>
+                </a:cubicBezTo>
+                <a:cubicBezTo>
+                  <a:pt x="1401105" y="1738063"/>
+                  <a:pt x="1322604" y="1702018"/>
+                  <a:pt x="1247011" y="1665972"/>
+                </a:cubicBezTo>
+                <a:cubicBezTo>
+                  <a:pt x="1287715" y="1604696"/>
+                  <a:pt x="1322604" y="1647950"/>
+                  <a:pt x="1354586" y="1644345"/>
+                </a:cubicBezTo>
+                <a:cubicBezTo>
+                  <a:pt x="1374939" y="1640741"/>
+                  <a:pt x="1395290" y="1637138"/>
+                  <a:pt x="1395290" y="1604696"/>
+                </a:cubicBezTo>
+                <a:cubicBezTo>
+                  <a:pt x="1395290" y="1579465"/>
+                  <a:pt x="1386568" y="1547025"/>
+                  <a:pt x="1366216" y="1547025"/>
+                </a:cubicBezTo>
+                <a:cubicBezTo>
+                  <a:pt x="1238288" y="1543420"/>
+                  <a:pt x="1165601" y="1370405"/>
+                  <a:pt x="1031858" y="1370405"/>
+                </a:cubicBezTo>
+                <a:cubicBezTo>
+                  <a:pt x="950450" y="1370405"/>
+                  <a:pt x="1072563" y="1273083"/>
+                  <a:pt x="1005692" y="1233435"/>
+                </a:cubicBezTo>
+                <a:cubicBezTo>
+                  <a:pt x="991154" y="1222621"/>
+                  <a:pt x="1046396" y="1208203"/>
+                  <a:pt x="1069655" y="1211808"/>
+                </a:cubicBezTo>
+                <a:cubicBezTo>
+                  <a:pt x="1092915" y="1215412"/>
+                  <a:pt x="1113268" y="1240644"/>
+                  <a:pt x="1142342" y="1222621"/>
+                </a:cubicBezTo>
+                <a:cubicBezTo>
+                  <a:pt x="1156879" y="1157741"/>
+                  <a:pt x="1119082" y="1132510"/>
+                  <a:pt x="1084193" y="1114487"/>
+                </a:cubicBezTo>
+                <a:cubicBezTo>
+                  <a:pt x="1008599" y="1071234"/>
+                  <a:pt x="933005" y="1020771"/>
+                  <a:pt x="848689" y="1006353"/>
+                </a:cubicBezTo>
+                <a:cubicBezTo>
+                  <a:pt x="819615" y="1002748"/>
+                  <a:pt x="802169" y="984726"/>
+                  <a:pt x="805077" y="948681"/>
+                </a:cubicBezTo>
+                <a:cubicBezTo>
+                  <a:pt x="810892" y="901822"/>
+                  <a:pt x="839967" y="916240"/>
+                  <a:pt x="863226" y="919844"/>
+                </a:cubicBezTo>
+                <a:cubicBezTo>
+                  <a:pt x="877764" y="923450"/>
+                  <a:pt x="892301" y="934263"/>
+                  <a:pt x="906838" y="909031"/>
+                </a:cubicBezTo>
+                <a:cubicBezTo>
+                  <a:pt x="566666" y="653113"/>
+                  <a:pt x="386404" y="667532"/>
+                  <a:pt x="5527" y="458471"/>
+                </a:cubicBezTo>
+                <a:cubicBezTo>
+                  <a:pt x="89843" y="418822"/>
+                  <a:pt x="150900" y="447658"/>
+                  <a:pt x="209049" y="454867"/>
+                </a:cubicBezTo>
+                <a:cubicBezTo>
+                  <a:pt x="354422" y="472890"/>
+                  <a:pt x="264290" y="505329"/>
+                  <a:pt x="409664" y="526956"/>
+                </a:cubicBezTo>
+                <a:cubicBezTo>
+                  <a:pt x="479443" y="537770"/>
+                  <a:pt x="543407" y="573815"/>
+                  <a:pt x="621908" y="516143"/>
+                </a:cubicBezTo>
+                <a:cubicBezTo>
+                  <a:pt x="674242" y="476494"/>
+                  <a:pt x="758558" y="519747"/>
+                  <a:pt x="822522" y="552188"/>
+                </a:cubicBezTo>
+                <a:cubicBezTo>
+                  <a:pt x="874856" y="581024"/>
+                  <a:pt x="927190" y="588232"/>
+                  <a:pt x="996969" y="552188"/>
+                </a:cubicBezTo>
+                <a:cubicBezTo>
+                  <a:pt x="933005" y="530562"/>
+                  <a:pt x="883579" y="512539"/>
+                  <a:pt x="834151" y="498120"/>
+                </a:cubicBezTo>
+                <a:cubicBezTo>
+                  <a:pt x="793447" y="487307"/>
+                  <a:pt x="770187" y="462076"/>
+                  <a:pt x="773095" y="408008"/>
+                </a:cubicBezTo>
+                <a:cubicBezTo>
+                  <a:pt x="773095" y="379172"/>
+                  <a:pt x="764373" y="339523"/>
+                  <a:pt x="793447" y="325106"/>
+                </a:cubicBezTo>
+                <a:cubicBezTo>
+                  <a:pt x="816707" y="310688"/>
+                  <a:pt x="848689" y="325106"/>
+                  <a:pt x="860319" y="350336"/>
+                </a:cubicBezTo>
+                <a:cubicBezTo>
+                  <a:pt x="874856" y="397195"/>
+                  <a:pt x="889393" y="440449"/>
+                  <a:pt x="938820" y="444054"/>
+                </a:cubicBezTo>
+                <a:cubicBezTo>
+                  <a:pt x="1005692" y="451262"/>
+                  <a:pt x="967894" y="422426"/>
+                  <a:pt x="956265" y="386381"/>
+                </a:cubicBezTo>
+                <a:cubicBezTo>
+                  <a:pt x="944635" y="346733"/>
+                  <a:pt x="979525" y="335919"/>
+                  <a:pt x="1002784" y="343127"/>
+                </a:cubicBezTo>
+                <a:cubicBezTo>
+                  <a:pt x="1090008" y="375569"/>
+                  <a:pt x="1180139" y="317897"/>
+                  <a:pt x="1270270" y="364755"/>
+                </a:cubicBezTo>
+                <a:cubicBezTo>
+                  <a:pt x="1247011" y="249411"/>
+                  <a:pt x="1197583" y="198949"/>
+                  <a:pt x="1092915" y="180926"/>
+                </a:cubicBezTo>
+                <a:cubicBezTo>
+                  <a:pt x="1055118" y="177322"/>
+                  <a:pt x="1014414" y="184530"/>
+                  <a:pt x="979525" y="152090"/>
+                </a:cubicBezTo>
+                <a:cubicBezTo>
+                  <a:pt x="959172" y="134068"/>
+                  <a:pt x="938820" y="112441"/>
+                  <a:pt x="953358" y="76396"/>
+                </a:cubicBezTo>
+                <a:cubicBezTo>
+                  <a:pt x="962080" y="51165"/>
+                  <a:pt x="985339" y="51165"/>
+                  <a:pt x="1005692" y="58373"/>
+                </a:cubicBezTo>
+                <a:cubicBezTo>
+                  <a:pt x="1090008" y="98023"/>
+                  <a:pt x="1180139" y="108837"/>
+                  <a:pt x="1267362" y="123254"/>
+                </a:cubicBezTo>
+                <a:cubicBezTo>
+                  <a:pt x="1281900" y="126859"/>
+                  <a:pt x="1296437" y="134068"/>
+                  <a:pt x="1310975" y="98023"/>
+                </a:cubicBezTo>
+                <a:cubicBezTo>
+                  <a:pt x="1260095" y="81803"/>
+                  <a:pt x="1209941" y="62879"/>
+                  <a:pt x="1159787" y="43505"/>
+                </a:cubicBezTo>
+                <a:close/>
+              </a:path>
+            </a:pathLst>
+          </a:custGeom>
+        </p:spPr>
+      </p:pic>
+    </p:spTree>
+    <p:extLst>
+      <p:ext uri="{BB962C8B-B14F-4D97-AF65-F5344CB8AC3E}">
+        <p14:creationId xmlns:p14="http://schemas.microsoft.com/office/powerpoint/2010/main" val="2390680109"/>
+      </p:ext>
+    </p:extLst>
+  </p:cSld>
+  <p:clrMapOvr>
+    <a:masterClrMapping/>
+  </p:clrMapOvr>
+</p:sld>
+</file>
+
+<file path=ppt/slides/slide8.xml><?xml version="1.0" encoding="utf-8"?>
+<p:sld xmlns:a="http://schemas.openxmlformats.org/drawingml/2006/main" xmlns:r="http://schemas.openxmlformats.org/officeDocument/2006/relationships" xmlns:p="http://schemas.openxmlformats.org/presentationml/2006/main">
+  <p:cSld>
+    <p:bg>
+      <p:bgPr>
+        <a:solidFill>
+          <a:schemeClr val="bg1"/>
+        </a:solidFill>
+        <a:effectLst/>
+      </p:bgPr>
+    </p:bg>
+    <p:spTree>
+      <p:nvGrpSpPr>
+        <p:cNvPr id="1" name=""/>
+        <p:cNvGrpSpPr/>
+        <p:nvPr/>
+      </p:nvGrpSpPr>
+      <p:grpSpPr>
+        <a:xfrm>
+          <a:off x="0" y="0"/>
+          <a:ext cx="0" cy="0"/>
+          <a:chOff x="0" y="0"/>
+          <a:chExt cx="0" cy="0"/>
+        </a:xfrm>
+      </p:grpSpPr>
+      <p:sp useBgFill="1">
+        <p:nvSpPr>
+          <p:cNvPr id="10" name="Rectangle 9">
+            <a:extLst>
+              <a:ext uri="{FF2B5EF4-FFF2-40B4-BE49-F238E27FC236}">
+                <a16:creationId xmlns:a16="http://schemas.microsoft.com/office/drawing/2014/main" id="{FFD48BC7-DC40-47DE-87EE-9F4B6ECB9ABB}"/>
+              </a:ext>
+              <a:ext uri="{C183D7F6-B498-43B3-948B-1728B52AA6E4}">
+                <adec:decorative xmlns:adec="http://schemas.microsoft.com/office/drawing/2017/decorative" val="1"/>
+              </a:ext>
+            </a:extLst>
+          </p:cNvPr>
+          <p:cNvSpPr>
+            <a:spLocks noGrp="1" noRot="1" noChangeAspect="1" noMove="1" noResize="1" noEditPoints="1" noAdjustHandles="1" noChangeArrowheads="1" noChangeShapeType="1" noTextEdit="1"/>
+          </p:cNvSpPr>
+          <p:nvPr>
+            <p:extLst>
+              <p:ext uri="{386F3935-93C4-4BCD-93E2-E3B085C9AB24}">
+                <p16:designElem xmlns:p16="http://schemas.microsoft.com/office/powerpoint/2015/main" val="1"/>
+              </p:ext>
+            </p:extLst>
+          </p:nvPr>
+        </p:nvSpPr>
+        <p:spPr>
+          <a:xfrm>
+            <a:off x="0" y="0"/>
+            <a:ext cx="12192000" cy="6858000"/>
+          </a:xfrm>
+          <a:prstGeom prst="rect">
+            <a:avLst/>
+          </a:prstGeom>
+          <a:ln>
+            <a:noFill/>
+          </a:ln>
+        </p:spPr>
+        <p:style>
+          <a:lnRef idx="2">
+            <a:schemeClr val="accent1">
+              <a:shade val="50000"/>
+            </a:schemeClr>
+          </a:lnRef>
+          <a:fillRef idx="1">
+            <a:schemeClr val="accent1"/>
+          </a:fillRef>
+          <a:effectRef idx="0">
+            <a:schemeClr val="accent1"/>
+          </a:effectRef>
+          <a:fontRef idx="minor">
+            <a:schemeClr val="lt1"/>
+          </a:fontRef>
+        </p:style>
+        <p:txBody>
+          <a:bodyPr rtlCol="0" anchor="ctr"/>
+          <a:lstStyle/>
+          <a:p>
+            <a:pPr algn="ctr"/>
+            <a:endParaRPr lang="en-US"/>
+          </a:p>
+        </p:txBody>
+      </p:sp>
+      <p:sp useBgFill="1">
+        <p:nvSpPr>
+          <p:cNvPr id="12" name="Freeform: Shape 11">
+            <a:extLst>
+              <a:ext uri="{FF2B5EF4-FFF2-40B4-BE49-F238E27FC236}">
+                <a16:creationId xmlns:a16="http://schemas.microsoft.com/office/drawing/2014/main" id="{E502BBC7-2C76-46F3-BC24-5985BC13DB88}"/>
+              </a:ext>
+              <a:ext uri="{C183D7F6-B498-43B3-948B-1728B52AA6E4}">
+                <adec:decorative xmlns:adec="http://schemas.microsoft.com/office/drawing/2017/decorative" val="1"/>
+              </a:ext>
+            </a:extLst>
+          </p:cNvPr>
+          <p:cNvSpPr>
+            <a:spLocks noGrp="1" noRot="1" noChangeAspect="1" noMove="1" noResize="1" noEditPoints="1" noAdjustHandles="1" noChangeArrowheads="1" noChangeShapeType="1" noTextEdit="1"/>
+          </p:cNvSpPr>
+          <p:nvPr>
+            <p:extLst>
+              <p:ext uri="{386F3935-93C4-4BCD-93E2-E3B085C9AB24}">
+                <p16:designElem xmlns:p16="http://schemas.microsoft.com/office/powerpoint/2015/main" val="1"/>
+              </p:ext>
+            </p:extLst>
+          </p:nvPr>
+        </p:nvSpPr>
+        <p:spPr>
+          <a:xfrm>
+            <a:off x="1114425" y="0"/>
+            <a:ext cx="9963150" cy="6858000"/>
+          </a:xfrm>
+          <a:custGeom>
+            <a:avLst/>
+            <a:gdLst>
+              <a:gd name="connsiteX0" fmla="*/ 1595771 w 9963150"/>
+              <a:gd name="connsiteY0" fmla="*/ 0 h 6858000"/>
+              <a:gd name="connsiteX1" fmla="*/ 8367379 w 9963150"/>
+              <a:gd name="connsiteY1" fmla="*/ 0 h 6858000"/>
+              <a:gd name="connsiteX2" fmla="*/ 8504080 w 9963150"/>
+              <a:gd name="connsiteY2" fmla="*/ 130333 h 6858000"/>
+              <a:gd name="connsiteX3" fmla="*/ 9963150 w 9963150"/>
+              <a:gd name="connsiteY3" fmla="*/ 3652838 h 6858000"/>
+              <a:gd name="connsiteX4" fmla="*/ 8825600 w 9963150"/>
+              <a:gd name="connsiteY4" fmla="*/ 6821583 h 6858000"/>
+              <a:gd name="connsiteX5" fmla="*/ 8794055 w 9963150"/>
+              <a:gd name="connsiteY5" fmla="*/ 6858000 h 6858000"/>
+              <a:gd name="connsiteX6" fmla="*/ 1169096 w 9963150"/>
+              <a:gd name="connsiteY6" fmla="*/ 6858000 h 6858000"/>
+              <a:gd name="connsiteX7" fmla="*/ 1137550 w 9963150"/>
+              <a:gd name="connsiteY7" fmla="*/ 6821583 h 6858000"/>
+              <a:gd name="connsiteX8" fmla="*/ 0 w 9963150"/>
+              <a:gd name="connsiteY8" fmla="*/ 3652838 h 6858000"/>
+              <a:gd name="connsiteX9" fmla="*/ 1459070 w 9963150"/>
+              <a:gd name="connsiteY9" fmla="*/ 130333 h 6858000"/>
+            </a:gdLst>
+            <a:ahLst/>
+            <a:cxnLst>
+              <a:cxn ang="0">
+                <a:pos x="connsiteX0" y="connsiteY0"/>
+              </a:cxn>
+              <a:cxn ang="0">
+                <a:pos x="connsiteX1" y="connsiteY1"/>
+              </a:cxn>
+              <a:cxn ang="0">
+                <a:pos x="connsiteX2" y="connsiteY2"/>
+              </a:cxn>
+              <a:cxn ang="0">
+                <a:pos x="connsiteX3" y="connsiteY3"/>
+              </a:cxn>
+              <a:cxn ang="0">
+                <a:pos x="connsiteX4" y="connsiteY4"/>
+              </a:cxn>
+              <a:cxn ang="0">
+                <a:pos x="connsiteX5" y="connsiteY5"/>
+              </a:cxn>
+              <a:cxn ang="0">
+                <a:pos x="connsiteX6" y="connsiteY6"/>
+              </a:cxn>
+              <a:cxn ang="0">
+                <a:pos x="connsiteX7" y="connsiteY7"/>
+              </a:cxn>
+              <a:cxn ang="0">
+                <a:pos x="connsiteX8" y="connsiteY8"/>
+              </a:cxn>
+              <a:cxn ang="0">
+                <a:pos x="connsiteX9" y="connsiteY9"/>
+              </a:cxn>
+            </a:cxnLst>
+            <a:rect l="l" t="t" r="r" b="b"/>
+            <a:pathLst>
+              <a:path w="9963150" h="6858000">
+                <a:moveTo>
+                  <a:pt x="1595771" y="0"/>
+                </a:moveTo>
+                <a:lnTo>
+                  <a:pt x="8367379" y="0"/>
+                </a:lnTo>
+                <a:lnTo>
+                  <a:pt x="8504080" y="130333"/>
+                </a:lnTo>
+                <a:cubicBezTo>
+                  <a:pt x="9405568" y="1031820"/>
+                  <a:pt x="9963150" y="2277214"/>
+                  <a:pt x="9963150" y="3652838"/>
+                </a:cubicBezTo>
+                <a:cubicBezTo>
+                  <a:pt x="9963150" y="4856509"/>
+                  <a:pt x="9536251" y="5960473"/>
+                  <a:pt x="8825600" y="6821583"/>
+                </a:cubicBezTo>
+                <a:lnTo>
+                  <a:pt x="8794055" y="6858000"/>
+                </a:lnTo>
+                <a:lnTo>
+                  <a:pt x="1169096" y="6858000"/>
+                </a:lnTo>
+                <a:lnTo>
+                  <a:pt x="1137550" y="6821583"/>
+                </a:lnTo>
+                <a:cubicBezTo>
+                  <a:pt x="426899" y="5960473"/>
+                  <a:pt x="0" y="4856509"/>
+                  <a:pt x="0" y="3652838"/>
+                </a:cubicBezTo>
+                <a:cubicBezTo>
+                  <a:pt x="0" y="2277214"/>
+                  <a:pt x="557582" y="1031820"/>
+                  <a:pt x="1459070" y="130333"/>
+                </a:cubicBezTo>
+                <a:close/>
+              </a:path>
+            </a:pathLst>
+          </a:custGeom>
+          <a:ln w="9525">
+            <a:solidFill>
+              <a:srgbClr val="EFEFEF"/>
+            </a:solidFill>
+          </a:ln>
+          <a:effectLst>
+            <a:outerShdw blurRad="139700" sx="102000" sy="102000" algn="ctr" rotWithShape="0">
+              <a:schemeClr val="bg1">
+                <a:lumMod val="85000"/>
+                <a:alpha val="38000"/>
+              </a:schemeClr>
+            </a:outerShdw>
+          </a:effectLst>
+        </p:spPr>
+        <p:style>
+          <a:lnRef idx="2">
+            <a:schemeClr val="accent1">
+              <a:shade val="50000"/>
+            </a:schemeClr>
+          </a:lnRef>
+          <a:fillRef idx="1">
+            <a:schemeClr val="accent1"/>
+          </a:fillRef>
+          <a:effectRef idx="0">
+            <a:schemeClr val="accent1"/>
+          </a:effectRef>
+          <a:fontRef idx="minor">
+            <a:schemeClr val="lt1"/>
+          </a:fontRef>
+        </p:style>
+        <p:txBody>
+          <a:bodyPr wrap="square" rtlCol="0" anchor="ctr">
+            <a:noAutofit/>
+          </a:bodyPr>
+          <a:lstStyle/>
+          <a:p>
+            <a:pPr marL="0" marR="0" lvl="0" indent="0" algn="ctr" defTabSz="914400" rtl="0" eaLnBrk="1" fontAlgn="auto" latinLnBrk="0" hangingPunct="1">
+              <a:lnSpc>
+                <a:spcPct val="100000"/>
+              </a:lnSpc>
+              <a:spcBef>
+                <a:spcPts val="0"/>
+              </a:spcBef>
+              <a:spcAft>
+                <a:spcPts val="0"/>
+              </a:spcAft>
+              <a:buClrTx/>
+              <a:buSzTx/>
+              <a:buFontTx/>
+              <a:buNone/>
+              <a:tabLst/>
+              <a:defRPr/>
+            </a:pPr>
+            <a:endParaRPr kumimoji="0" lang="en-US" sz="1800" b="0" i="0" u="none" strike="noStrike" kern="1200" cap="none" spc="0" normalizeH="0" baseline="0" noProof="0">
+              <a:ln>
+                <a:noFill/>
+              </a:ln>
+              <a:solidFill>
+                <a:prstClr val="white"/>
+              </a:solidFill>
+              <a:effectLst/>
+              <a:uLnTx/>
+              <a:uFillTx/>
+              <a:latin typeface="Calibri" panose="020F0502020204030204"/>
+              <a:ea typeface="+mn-ea"/>
+              <a:cs typeface="+mn-cs"/>
+            </a:endParaRPr>
+          </a:p>
+        </p:txBody>
+      </p:sp>
+      <p:sp useBgFill="1">
+        <p:nvSpPr>
+          <p:cNvPr id="14" name="Freeform: Shape 13">
+            <a:extLst>
+              <a:ext uri="{FF2B5EF4-FFF2-40B4-BE49-F238E27FC236}">
+                <a16:creationId xmlns:a16="http://schemas.microsoft.com/office/drawing/2014/main" id="{C7F28D52-2A5F-4D23-81AE-7CB8B591C7AF}"/>
+              </a:ext>
+              <a:ext uri="{C183D7F6-B498-43B3-948B-1728B52AA6E4}">
+                <adec:decorative xmlns:adec="http://schemas.microsoft.com/office/drawing/2017/decorative" val="1"/>
+              </a:ext>
+            </a:extLst>
+          </p:cNvPr>
+          <p:cNvSpPr>
+            <a:spLocks noGrp="1" noRot="1" noChangeAspect="1" noMove="1" noResize="1" noEditPoints="1" noAdjustHandles="1" noChangeArrowheads="1" noChangeShapeType="1" noTextEdit="1"/>
+          </p:cNvSpPr>
+          <p:nvPr>
+            <p:extLst>
+              <p:ext uri="{386F3935-93C4-4BCD-93E2-E3B085C9AB24}">
+                <p16:designElem xmlns:p16="http://schemas.microsoft.com/office/powerpoint/2015/main" val="1"/>
+              </p:ext>
+            </p:extLst>
+          </p:nvPr>
+        </p:nvSpPr>
+        <p:spPr>
+          <a:xfrm>
+            <a:off x="1121664" y="0"/>
+            <a:ext cx="9948672" cy="6858000"/>
+          </a:xfrm>
+          <a:custGeom>
+            <a:avLst/>
+            <a:gdLst>
+              <a:gd name="connsiteX0" fmla="*/ 1595771 w 9963150"/>
+              <a:gd name="connsiteY0" fmla="*/ 0 h 6858000"/>
+              <a:gd name="connsiteX1" fmla="*/ 8367379 w 9963150"/>
+              <a:gd name="connsiteY1" fmla="*/ 0 h 6858000"/>
+              <a:gd name="connsiteX2" fmla="*/ 8504080 w 9963150"/>
+              <a:gd name="connsiteY2" fmla="*/ 130333 h 6858000"/>
+              <a:gd name="connsiteX3" fmla="*/ 9963150 w 9963150"/>
+              <a:gd name="connsiteY3" fmla="*/ 3652838 h 6858000"/>
+              <a:gd name="connsiteX4" fmla="*/ 8825600 w 9963150"/>
+              <a:gd name="connsiteY4" fmla="*/ 6821583 h 6858000"/>
+              <a:gd name="connsiteX5" fmla="*/ 8794055 w 9963150"/>
+              <a:gd name="connsiteY5" fmla="*/ 6858000 h 6858000"/>
+              <a:gd name="connsiteX6" fmla="*/ 1169096 w 9963150"/>
+              <a:gd name="connsiteY6" fmla="*/ 6858000 h 6858000"/>
+              <a:gd name="connsiteX7" fmla="*/ 1137550 w 9963150"/>
+              <a:gd name="connsiteY7" fmla="*/ 6821583 h 6858000"/>
+              <a:gd name="connsiteX8" fmla="*/ 0 w 9963150"/>
+              <a:gd name="connsiteY8" fmla="*/ 3652838 h 6858000"/>
+              <a:gd name="connsiteX9" fmla="*/ 1459070 w 9963150"/>
+              <a:gd name="connsiteY9" fmla="*/ 130333 h 6858000"/>
+            </a:gdLst>
+            <a:ahLst/>
+            <a:cxnLst>
+              <a:cxn ang="0">
+                <a:pos x="connsiteX0" y="connsiteY0"/>
+              </a:cxn>
+              <a:cxn ang="0">
+                <a:pos x="connsiteX1" y="connsiteY1"/>
+              </a:cxn>
+              <a:cxn ang="0">
+                <a:pos x="connsiteX2" y="connsiteY2"/>
+              </a:cxn>
+              <a:cxn ang="0">
+                <a:pos x="connsiteX3" y="connsiteY3"/>
+              </a:cxn>
+              <a:cxn ang="0">
+                <a:pos x="connsiteX4" y="connsiteY4"/>
+              </a:cxn>
+              <a:cxn ang="0">
+                <a:pos x="connsiteX5" y="connsiteY5"/>
+              </a:cxn>
+              <a:cxn ang="0">
+                <a:pos x="connsiteX6" y="connsiteY6"/>
+              </a:cxn>
+              <a:cxn ang="0">
+                <a:pos x="connsiteX7" y="connsiteY7"/>
+              </a:cxn>
+              <a:cxn ang="0">
+                <a:pos x="connsiteX8" y="connsiteY8"/>
+              </a:cxn>
+              <a:cxn ang="0">
+                <a:pos x="connsiteX9" y="connsiteY9"/>
+              </a:cxn>
+            </a:cxnLst>
+            <a:rect l="l" t="t" r="r" b="b"/>
+            <a:pathLst>
+              <a:path w="9963150" h="6858000">
+                <a:moveTo>
+                  <a:pt x="1595771" y="0"/>
+                </a:moveTo>
+                <a:lnTo>
+                  <a:pt x="8367379" y="0"/>
+                </a:lnTo>
+                <a:lnTo>
+                  <a:pt x="8504080" y="130333"/>
+                </a:lnTo>
+                <a:cubicBezTo>
+                  <a:pt x="9405568" y="1031820"/>
+                  <a:pt x="9963150" y="2277214"/>
+                  <a:pt x="9963150" y="3652838"/>
+                </a:cubicBezTo>
+                <a:cubicBezTo>
+                  <a:pt x="9963150" y="4856509"/>
+                  <a:pt x="9536251" y="5960473"/>
+                  <a:pt x="8825600" y="6821583"/>
+                </a:cubicBezTo>
+                <a:lnTo>
+                  <a:pt x="8794055" y="6858000"/>
+                </a:lnTo>
+                <a:lnTo>
+                  <a:pt x="1169096" y="6858000"/>
+                </a:lnTo>
+                <a:lnTo>
+                  <a:pt x="1137550" y="6821583"/>
+                </a:lnTo>
+                <a:cubicBezTo>
+                  <a:pt x="426899" y="5960473"/>
+                  <a:pt x="0" y="4856509"/>
+                  <a:pt x="0" y="3652838"/>
+                </a:cubicBezTo>
+                <a:cubicBezTo>
+                  <a:pt x="0" y="2277214"/>
+                  <a:pt x="557582" y="1031820"/>
+                  <a:pt x="1459070" y="130333"/>
+                </a:cubicBezTo>
+                <a:close/>
+              </a:path>
+            </a:pathLst>
+          </a:custGeom>
+          <a:ln w="9525">
+            <a:noFill/>
+          </a:ln>
+          <a:effectLst/>
+        </p:spPr>
+        <p:style>
+          <a:lnRef idx="2">
+            <a:schemeClr val="accent1">
+              <a:shade val="50000"/>
+            </a:schemeClr>
+          </a:lnRef>
+          <a:fillRef idx="1">
+            <a:schemeClr val="accent1"/>
+          </a:fillRef>
+          <a:effectRef idx="0">
+            <a:schemeClr val="accent1"/>
+          </a:effectRef>
+          <a:fontRef idx="minor">
+            <a:schemeClr val="lt1"/>
+          </a:fontRef>
+        </p:style>
+        <p:txBody>
+          <a:bodyPr wrap="square" rtlCol="0" anchor="ctr">
+            <a:noAutofit/>
+          </a:bodyPr>
+          <a:lstStyle/>
+          <a:p>
+            <a:pPr marL="0" marR="0" lvl="0" indent="0" algn="ctr" defTabSz="914400" rtl="0" eaLnBrk="1" fontAlgn="auto" latinLnBrk="0" hangingPunct="1">
+              <a:lnSpc>
+                <a:spcPct val="100000"/>
+              </a:lnSpc>
+              <a:spcBef>
+                <a:spcPts val="0"/>
+              </a:spcBef>
+              <a:spcAft>
+                <a:spcPts val="0"/>
+              </a:spcAft>
+              <a:buClrTx/>
+              <a:buSzTx/>
+              <a:buFontTx/>
+              <a:buNone/>
+              <a:tabLst/>
+              <a:defRPr/>
+            </a:pPr>
+            <a:endParaRPr kumimoji="0" lang="en-US" sz="1800" b="0" i="0" u="none" strike="noStrike" kern="1200" cap="none" spc="0" normalizeH="0" baseline="0" noProof="0">
+              <a:ln>
+                <a:noFill/>
+              </a:ln>
+              <a:solidFill>
+                <a:prstClr val="white"/>
+              </a:solidFill>
+              <a:effectLst/>
+              <a:uLnTx/>
+              <a:uFillTx/>
+              <a:latin typeface="Calibri" panose="020F0502020204030204"/>
+              <a:ea typeface="+mn-ea"/>
+              <a:cs typeface="+mn-cs"/>
+            </a:endParaRPr>
+          </a:p>
+        </p:txBody>
+      </p:sp>
+      <p:sp>
+        <p:nvSpPr>
+          <p:cNvPr id="2" name="Title 1">
+            <a:extLst>
+              <a:ext uri="{FF2B5EF4-FFF2-40B4-BE49-F238E27FC236}">
+                <a16:creationId xmlns:a16="http://schemas.microsoft.com/office/drawing/2014/main" id="{15D3E331-2BBB-88BD-81FB-B9CF53EC1735}"/>
+              </a:ext>
+            </a:extLst>
+          </p:cNvPr>
+          <p:cNvSpPr>
+            <a:spLocks noGrp="1"/>
+          </p:cNvSpPr>
+          <p:nvPr>
+            <p:ph type="ctrTitle"/>
+          </p:nvPr>
+        </p:nvSpPr>
+        <p:spPr>
+          <a:xfrm>
+            <a:off x="1524003" y="1999615"/>
+            <a:ext cx="9144000" cy="2764028"/>
+          </a:xfrm>
+        </p:spPr>
+        <p:txBody>
+          <a:bodyPr anchor="ctr">
+            <a:normAutofit/>
+          </a:bodyPr>
+          <a:lstStyle/>
+          <a:p>
+            <a:r>
+              <a:rPr lang="en-US" sz="7200"/>
+              <a:t>Questions?</a:t>
+            </a:r>
+          </a:p>
+        </p:txBody>
+      </p:sp>
+      <p:sp>
+        <p:nvSpPr>
+          <p:cNvPr id="15" name="Rectangle 14">
+            <a:extLst>
+              <a:ext uri="{FF2B5EF4-FFF2-40B4-BE49-F238E27FC236}">
+                <a16:creationId xmlns:a16="http://schemas.microsoft.com/office/drawing/2014/main" id="{3629484E-3792-4B3D-89AD-7C8A1ED0E0D4}"/>
+              </a:ext>
+              <a:ext uri="{C183D7F6-B498-43B3-948B-1728B52AA6E4}">
+                <adec:decorative xmlns:adec="http://schemas.microsoft.com/office/drawing/2017/decorative" val="1"/>
+              </a:ext>
+            </a:extLst>
+          </p:cNvPr>
+          <p:cNvSpPr>
+            <a:spLocks noGrp="1" noRot="1" noChangeAspect="1" noMove="1" noResize="1" noEditPoints="1" noAdjustHandles="1" noChangeArrowheads="1" noChangeShapeType="1" noTextEdit="1"/>
+          </p:cNvSpPr>
+          <p:nvPr>
+            <p:extLst>
+              <p:ext uri="{386F3935-93C4-4BCD-93E2-E3B085C9AB24}">
+                <p16:designElem xmlns:p16="http://schemas.microsoft.com/office/powerpoint/2015/main" val="1"/>
+              </p:ext>
+            </p:extLst>
+          </p:nvPr>
+        </p:nvSpPr>
+        <p:spPr>
+          <a:xfrm>
+            <a:off x="3718560" y="5524786"/>
+            <a:ext cx="4754880" cy="27432"/>
+          </a:xfrm>
+          <a:prstGeom prst="rect">
+            <a:avLst/>
+          </a:prstGeom>
+          <a:solidFill>
+            <a:schemeClr val="accent2"/>
+          </a:solidFill>
+          <a:ln>
+            <a:noFill/>
+          </a:ln>
+        </p:spPr>
+        <p:style>
+          <a:lnRef idx="2">
+            <a:schemeClr val="accent1">
+              <a:shade val="50000"/>
+            </a:schemeClr>
+          </a:lnRef>
+          <a:fillRef idx="1">
+            <a:schemeClr val="accent1"/>
+          </a:fillRef>
+          <a:effectRef idx="0">
+            <a:schemeClr val="accent1"/>
+          </a:effectRef>
+          <a:fontRef idx="minor">
+            <a:schemeClr val="lt1"/>
+          </a:fontRef>
+        </p:style>
+        <p:txBody>
+          <a:bodyPr rtlCol="0" anchor="ctr"/>
+          <a:lstStyle/>
+          <a:p>
+            <a:pPr marL="0" marR="0" lvl="0" indent="0" algn="ctr" defTabSz="914400" rtl="0" eaLnBrk="1" fontAlgn="auto" latinLnBrk="0" hangingPunct="1">
+              <a:lnSpc>
+                <a:spcPct val="100000"/>
+              </a:lnSpc>
+              <a:spcBef>
+                <a:spcPts val="0"/>
+              </a:spcBef>
+              <a:spcAft>
+                <a:spcPts val="0"/>
+              </a:spcAft>
+              <a:buClrTx/>
+              <a:buSzTx/>
+              <a:buFontTx/>
+              <a:buNone/>
+              <a:tabLst/>
+              <a:defRPr/>
+            </a:pPr>
+            <a:endParaRPr kumimoji="0" lang="en-US" sz="1800" b="0" i="0" u="none" strike="noStrike" kern="1200" cap="none" spc="0" normalizeH="0" baseline="0" noProof="0">
+              <a:ln>
+                <a:noFill/>
+              </a:ln>
+              <a:solidFill>
+                <a:prstClr val="white"/>
+              </a:solidFill>
+              <a:effectLst/>
+              <a:uLnTx/>
+              <a:uFillTx/>
+              <a:latin typeface="Calibri" panose="020F0502020204030204"/>
+              <a:ea typeface="+mn-ea"/>
+              <a:cs typeface="+mn-cs"/>
+            </a:endParaRPr>
+          </a:p>
+        </p:txBody>
+      </p:sp>
+    </p:spTree>
+    <p:extLst>
+      <p:ext uri="{BB962C8B-B14F-4D97-AF65-F5344CB8AC3E}">
+        <p14:creationId xmlns:p14="http://schemas.microsoft.com/office/powerpoint/2010/main" val="2591182515"/>
+      </p:ext>
+    </p:extLst>
+  </p:cSld>
+  <p:clrMapOvr>
+    <a:masterClrMapping/>
+  </p:clrMapOvr>
+  <p:timing>
+    <p:tnLst>
+      <p:par>
+        <p:cTn id="1" dur="indefinite" restart="never" nodeType="tmRoot">
+          <p:childTnLst>
+            <p:seq concurrent="1" nextAc="seek">
+              <p:cTn id="2" dur="indefinite" nodeType="mainSeq">
+                <p:childTnLst>
+                  <p:par>
+                    <p:cTn id="3" fill="hold">
+                      <p:stCondLst>
+                        <p:cond delay="indefinite"/>
+                        <p:cond evt="onBegin" delay="0">
+                          <p:tn val="2"/>
+                        </p:cond>
+                      </p:stCondLst>
+                      <p:childTnLst>
+                        <p:par>
+                          <p:cTn id="4" fill="hold">
+                            <p:stCondLst>
+                              <p:cond delay="0"/>
+                            </p:stCondLst>
+                            <p:childTnLst>
+                              <p:par>
+                                <p:cTn id="5" presetID="10" presetClass="entr" presetSubtype="0" fill="hold" grpId="0" nodeType="withEffect">
+                                  <p:stCondLst>
+                                    <p:cond delay="500"/>
+                                  </p:stCondLst>
+                                  <p:iterate type="lt">
+                                    <p:tmPct val="10000"/>
+                                  </p:iterate>
+                                  <p:childTnLst>
+                                    <p:set>
+                                      <p:cBhvr>
+                                        <p:cTn id="6" dur="1" fill="hold">
+                                          <p:stCondLst>
+                                            <p:cond delay="0"/>
+                                          </p:stCondLst>
+                                        </p:cTn>
+                                        <p:tgtEl>
+                                          <p:spTgt spid="2"/>
+                                        </p:tgtEl>
+                                        <p:attrNameLst>
+                                          <p:attrName>style.visibility</p:attrName>
+                                        </p:attrNameLst>
+                                      </p:cBhvr>
+                                      <p:to>
+                                        <p:strVal val="visible"/>
+                                      </p:to>
+                                    </p:set>
+                                    <p:animEffect transition="in" filter="fade">
+                                      <p:cBhvr>
+                                        <p:cTn id="7" dur="400"/>
+                                        <p:tgtEl>
+                                          <p:spTgt spid="2"/>
+                                        </p:tgtEl>
+                                      </p:cBhvr>
+                                    </p:animEffect>
+                                  </p:childTnLst>
+                                </p:cTn>
+                              </p:par>
+                            </p:childTnLst>
+                          </p:cTn>
+                        </p:par>
+                      </p:childTnLst>
+                    </p:cTn>
+                  </p:par>
+                </p:childTnLst>
+              </p:cTn>
+              <p:prevCondLst>
+                <p:cond evt="onPrev" delay="0">
+                  <p:tgtEl>
+                    <p:sldTgt/>
+                  </p:tgtEl>
+                </p:cond>
+              </p:prevCondLst>
+              <p:nextCondLst>
+                <p:cond evt="onNext" delay="0">
+                  <p:tgtEl>
+                    <p:sldTgt/>
+                  </p:tgtEl>
+                </p:cond>
+              </p:nextCondLst>
+            </p:seq>
+          </p:childTnLst>
+        </p:cTn>
+      </p:par>
+    </p:tnLst>
+    <p:bldLst>
+      <p:bldP spid="2" grpId="0"/>
+    </p:bldLst>
+  </p:timing>
+</p:sld>
+</file>
+
 <file path=ppt/theme/theme1.xml><?xml version="1.0" encoding="utf-8"?>
-<a:theme xmlns:a="http://schemas.openxmlformats.org/drawingml/2006/main" name="RetrospectVTI">
+<a:theme xmlns:a="http://schemas.openxmlformats.org/drawingml/2006/main" name="Office Theme">
   <a:themeElements>
-    <a:clrScheme name="AnalogousFromRegularSeedRightStep">
+    <a:clrScheme name="Office Theme">
       <a:dk1>
-        <a:srgbClr val="000000"/>
+        <a:sysClr val="windowText" lastClr="000000"/>
       </a:dk1>
       <a:lt1>
-        <a:srgbClr val="FFFFFF"/>
+        <a:sysClr val="window" lastClr="FFFFFF"/>
       </a:lt1>
       <a:dk2>
-        <a:srgbClr val="412824"/>
+        <a:srgbClr val="44546A"/>
       </a:dk2>
       <a:lt2>
-        <a:srgbClr val="E2E7E8"/>
+        <a:srgbClr val="E7E6E6"/>
       </a:lt2>
       <a:accent1>
-        <a:srgbClr val="C35A4D"/>
+        <a:srgbClr val="4472C4"/>
       </a:accent1>
       <a:accent2>
-        <a:srgbClr val="B1793B"/>
+        <a:srgbClr val="ED7D31"/>
       </a:accent2>
       <a:accent3>
-        <a:srgbClr val="ACA643"/>
+        <a:srgbClr val="A5A5A5"/>
       </a:accent3>
       <a:accent4>
-        <a:srgbClr val="87B13B"/>
+        <a:srgbClr val="FFC000"/>
       </a:accent4>
       <a:accent5>
-        <a:srgbClr val="60B547"/>
+        <a:srgbClr val="5B9BD5"/>
       </a:accent5>
       <a:accent6>
-        <a:srgbClr val="3BB152"/>
+        <a:srgbClr val="70AD47"/>
       </a:accent6>
       <a:hlink>
-        <a:srgbClr val="338F9B"/>
+        <a:srgbClr val="0563C1"/>
       </a:hlink>
       <a:folHlink>
-        <a:srgbClr val="7F7F7F"/>
+        <a:srgbClr val="954F72"/>
       </a:folHlink>
     </a:clrScheme>
-    <a:fontScheme name="Retrospect">
+    <a:fontScheme name="Office Theme">
       <a:majorFont>
-        <a:latin typeface="Avenir Next LT Pro Light" panose="020F0302020204030204"/>
+        <a:latin typeface="Calibri Light" panose="020F0302020204030204"/>
         <a:ea typeface=""/>
         <a:cs typeface=""/>
-        <a:font script="Jpan" typeface="ＭＳ Ｐゴシック"/>
+        <a:font script="Jpan" typeface="游ゴシック Light"/>
         <a:font script="Hang" typeface="맑은 고딕"/>
-        <a:font script="Hans" typeface="宋体"/>
+        <a:font script="Hans" typeface="等线 Light"/>
         <a:font script="Hant" typeface="新細明體"/>
         <a:font script="Arab" typeface="Times New Roman"/>
         <a:font script="Hebr" typeface="Times New Roman"/>
@@ -4171,12 +7587,12 @@
         <a:font script="Geor" typeface="Sylfaen"/>
       </a:majorFont>
       <a:minorFont>
-        <a:latin typeface="Avenir Next LT Pro" panose="020F0502020204030204"/>
+        <a:latin typeface="Calibri" panose="020F0502020204030204"/>
         <a:ea typeface=""/>
         <a:cs typeface=""/>
-        <a:font script="Jpan" typeface="ＭＳ Ｐゴシック"/>
+        <a:font script="Jpan" typeface="游ゴシック"/>
         <a:font script="Hang" typeface="맑은 고딕"/>
-        <a:font script="Hans" typeface="宋体"/>
+        <a:font script="Hans" typeface="等线"/>
         <a:font script="Hant" typeface="新細明體"/>
         <a:font script="Arab" typeface="Arial"/>
         <a:font script="Hebr" typeface="Arial"/>
@@ -4206,7 +7622,7 @@
         <a:font script="Geor" typeface="Sylfaen"/>
       </a:minorFont>
     </a:fontScheme>
-    <a:fmtScheme name="Retrospect">
+    <a:fmtScheme name="Office Theme">
       <a:fillStyleLst>
         <a:solidFill>
           <a:schemeClr val="phClr"/>
@@ -4215,81 +7631,76 @@
           <a:gsLst>
             <a:gs pos="0">
               <a:schemeClr val="phClr">
-                <a:tint val="65000"/>
-                <a:shade val="92000"/>
-                <a:satMod val="130000"/>
+                <a:lumMod val="110000"/>
+                <a:satMod val="105000"/>
+                <a:tint val="67000"/>
               </a:schemeClr>
             </a:gs>
-            <a:gs pos="45000">
+            <a:gs pos="50000">
               <a:schemeClr val="phClr">
-                <a:tint val="60000"/>
-                <a:shade val="99000"/>
-                <a:satMod val="120000"/>
+                <a:lumMod val="105000"/>
+                <a:satMod val="103000"/>
+                <a:tint val="73000"/>
               </a:schemeClr>
             </a:gs>
             <a:gs pos="100000">
               <a:schemeClr val="phClr">
-                <a:tint val="55000"/>
-                <a:satMod val="140000"/>
+                <a:lumMod val="105000"/>
+                <a:satMod val="109000"/>
+                <a:tint val="81000"/>
               </a:schemeClr>
             </a:gs>
           </a:gsLst>
-          <a:path path="circle">
-            <a:fillToRect l="100000" t="100000" r="100000" b="100000"/>
-          </a:path>
+          <a:lin ang="5400000" scaled="0"/>
         </a:gradFill>
         <a:gradFill rotWithShape="1">
           <a:gsLst>
             <a:gs pos="0">
               <a:schemeClr val="phClr">
-                <a:shade val="85000"/>
-                <a:satMod val="130000"/>
+                <a:satMod val="103000"/>
+                <a:lumMod val="102000"/>
+                <a:tint val="94000"/>
               </a:schemeClr>
             </a:gs>
-            <a:gs pos="34000">
+            <a:gs pos="50000">
               <a:schemeClr val="phClr">
-                <a:shade val="87000"/>
-                <a:satMod val="125000"/>
-              </a:schemeClr>
-            </a:gs>
-            <a:gs pos="70000">
-              <a:schemeClr val="phClr">
-                <a:tint val="100000"/>
-                <a:shade val="90000"/>
-                <a:satMod val="130000"/>
+                <a:satMod val="110000"/>
+                <a:lumMod val="100000"/>
+                <a:shade val="100000"/>
               </a:schemeClr>
             </a:gs>
             <a:gs pos="100000">
               <a:schemeClr val="phClr">
-                <a:tint val="100000"/>
-                <a:shade val="100000"/>
-                <a:satMod val="110000"/>
+                <a:lumMod val="99000"/>
+                <a:satMod val="120000"/>
+                <a:shade val="78000"/>
               </a:schemeClr>
             </a:gs>
           </a:gsLst>
-          <a:path path="circle">
-            <a:fillToRect l="100000" t="100000" r="100000" b="100000"/>
-          </a:path>
+          <a:lin ang="5400000" scaled="0"/>
         </a:gradFill>
       </a:fillStyleLst>
       <a:lnStyleLst>
+        <a:ln w="6350" cap="flat" cmpd="sng" algn="ctr">
+          <a:solidFill>
+            <a:schemeClr val="phClr"/>
+          </a:solidFill>
+          <a:prstDash val="solid"/>
+          <a:miter lim="800000"/>
+        </a:ln>
         <a:ln w="12700" cap="flat" cmpd="sng" algn="ctr">
           <a:solidFill>
             <a:schemeClr val="phClr"/>
           </a:solidFill>
           <a:prstDash val="solid"/>
+          <a:miter lim="800000"/>
         </a:ln>
-        <a:ln w="15875" cap="flat" cmpd="sng" algn="ctr">
+        <a:ln w="19050" cap="flat" cmpd="sng" algn="ctr">
           <a:solidFill>
             <a:schemeClr val="phClr"/>
           </a:solidFill>
           <a:prstDash val="solid"/>
-        </a:ln>
-        <a:ln w="25400" cap="flat" cmpd="sng" algn="ctr">
-          <a:solidFill>
-            <a:schemeClr val="phClr"/>
-          </a:solidFill>
-          <a:prstDash val="solid"/>
+          <a:miter lim="800000"/>
         </a:ln>
       </a:lnStyleLst>
       <a:effectStyleLst>
@@ -4297,33 +7708,16 @@
           <a:effectLst/>
         </a:effectStyle>
         <a:effectStyle>
+          <a:effectLst/>
+        </a:effectStyle>
+        <a:effectStyle>
           <a:effectLst>
-            <a:outerShdw blurRad="38100" dist="25400" dir="2700000" algn="br" rotWithShape="0">
+            <a:outerShdw blurRad="57150" dist="19050" dir="5400000" algn="ctr" rotWithShape="0">
               <a:srgbClr val="000000">
-                <a:alpha val="60000"/>
+                <a:alpha val="63000"/>
               </a:srgbClr>
             </a:outerShdw>
           </a:effectLst>
-        </a:effectStyle>
-        <a:effectStyle>
-          <a:effectLst>
-            <a:outerShdw blurRad="44450" dist="25400" dir="2700000" algn="br" rotWithShape="0">
-              <a:srgbClr val="000000">
-                <a:alpha val="60000"/>
-              </a:srgbClr>
-            </a:outerShdw>
-          </a:effectLst>
-          <a:scene3d>
-            <a:camera prst="orthographicFront">
-              <a:rot lat="0" lon="0" rev="0"/>
-            </a:camera>
-            <a:lightRig rig="threePt" dir="t">
-              <a:rot lat="0" lon="0" rev="19800000"/>
-            </a:lightRig>
-          </a:scene3d>
-          <a:sp3d prstMaterial="flat">
-            <a:bevelT w="25400" h="31750"/>
-          </a:sp3d>
         </a:effectStyle>
       </a:effectStyleLst>
       <a:bgFillStyleLst>
@@ -4332,36 +7726,36 @@
         </a:solidFill>
         <a:solidFill>
           <a:schemeClr val="phClr">
-            <a:tint val="90000"/>
-            <a:shade val="97000"/>
-            <a:satMod val="130000"/>
+            <a:tint val="95000"/>
+            <a:satMod val="170000"/>
           </a:schemeClr>
         </a:solidFill>
         <a:gradFill rotWithShape="1">
           <a:gsLst>
             <a:gs pos="0">
               <a:schemeClr val="phClr">
-                <a:tint val="96000"/>
-                <a:shade val="99000"/>
-                <a:satMod val="140000"/>
+                <a:tint val="93000"/>
+                <a:satMod val="150000"/>
+                <a:shade val="98000"/>
+                <a:lumMod val="102000"/>
               </a:schemeClr>
             </a:gs>
-            <a:gs pos="65000">
+            <a:gs pos="50000">
               <a:schemeClr val="phClr">
-                <a:tint val="100000"/>
-                <a:shade val="80000"/>
+                <a:tint val="98000"/>
                 <a:satMod val="130000"/>
+                <a:shade val="90000"/>
+                <a:lumMod val="103000"/>
               </a:schemeClr>
             </a:gs>
             <a:gs pos="100000">
               <a:schemeClr val="phClr">
-                <a:tint val="100000"/>
-                <a:shade val="48000"/>
+                <a:shade val="63000"/>
                 <a:satMod val="120000"/>
               </a:schemeClr>
             </a:gs>
           </a:gsLst>
-          <a:lin ang="16200000" scaled="0"/>
+          <a:lin ang="5400000" scaled="0"/>
         </a:gradFill>
       </a:bgFillStyleLst>
     </a:fmtScheme>
@@ -4370,8 +7764,197 @@
   <a:extraClrSchemeLst/>
   <a:extLst>
     <a:ext uri="{05A4C25C-085E-4340-85A3-A5531E510DB2}">
-      <thm15:themeFamily xmlns:thm15="http://schemas.microsoft.com/office/thememl/2012/main" name="RetrospectVTI" id="{ABE3C30C-0FC0-4450-828E-52DE70F1BCCB}" vid="{A6E2497D-935A-4CFD-B9FD-6DCB15FA68BF}"/>
+      <thm15:themeFamily xmlns:thm15="http://schemas.microsoft.com/office/thememl/2012/main" name="Office 2013 - 2022 Theme" id="{62F939B6-93AF-4DB8-9C6B-D6C7DFDC589F}" vid="{4F46216B-77A9-411A-B9D3-5023FCB70208}"/>
     </a:ext>
   </a:extLst>
 </a:theme>
+</file>
+
+<file path=customXml/item1.xml><?xml version="1.0" encoding="utf-8"?>
+<?mso-contentType ?>
+<FormTemplates xmlns="http://schemas.microsoft.com/sharepoint/v3/contenttype/forms">
+  <Display>DocumentLibraryForm</Display>
+  <Edit>DocumentLibraryForm</Edit>
+  <New>DocumentLibraryForm</New>
+</FormTemplates>
+</file>
+
+<file path=customXml/item2.xml><?xml version="1.0" encoding="utf-8"?>
+<p:properties xmlns:p="http://schemas.microsoft.com/office/2006/metadata/properties" xmlns:xsi="http://www.w3.org/2001/XMLSchema-instance" xmlns:pc="http://schemas.microsoft.com/office/infopath/2007/PartnerControls">
+  <documentManagement/>
+</p:properties>
+</file>
+
+<file path=customXml/item3.xml><?xml version="1.0" encoding="utf-8"?>
+<ct:contentTypeSchema xmlns:ct="http://schemas.microsoft.com/office/2006/metadata/contentType" xmlns:ma="http://schemas.microsoft.com/office/2006/metadata/properties/metaAttributes" ct:_="" ma:_="" ma:contentTypeName="Document" ma:contentTypeID="0x010100053D87CC3BBB4A429D35577CEEAE909A" ma:contentTypeVersion="2" ma:contentTypeDescription="Create a new document." ma:contentTypeScope="" ma:versionID="5fec0582152a86d82d7141fe40435d89">
+  <xsd:schema xmlns:xsd="http://www.w3.org/2001/XMLSchema" xmlns:xs="http://www.w3.org/2001/XMLSchema" xmlns:p="http://schemas.microsoft.com/office/2006/metadata/properties" xmlns:ns3="5852d601-1a7c-44b2-a899-4fb2f89ff1ad" targetNamespace="http://schemas.microsoft.com/office/2006/metadata/properties" ma:root="true" ma:fieldsID="2068de4e8aa982ac5dc332b871669248" ns3:_="">
+    <xsd:import namespace="5852d601-1a7c-44b2-a899-4fb2f89ff1ad"/>
+    <xsd:element name="properties">
+      <xsd:complexType>
+        <xsd:sequence>
+          <xsd:element name="documentManagement">
+            <xsd:complexType>
+              <xsd:all>
+                <xsd:element ref="ns3:MediaServiceMetadata" minOccurs="0"/>
+                <xsd:element ref="ns3:MediaServiceFastMetadata" minOccurs="0"/>
+              </xsd:all>
+            </xsd:complexType>
+          </xsd:element>
+        </xsd:sequence>
+      </xsd:complexType>
+    </xsd:element>
+  </xsd:schema>
+  <xsd:schema xmlns:xsd="http://www.w3.org/2001/XMLSchema" xmlns:xs="http://www.w3.org/2001/XMLSchema" xmlns:dms="http://schemas.microsoft.com/office/2006/documentManagement/types" xmlns:pc="http://schemas.microsoft.com/office/infopath/2007/PartnerControls" targetNamespace="5852d601-1a7c-44b2-a899-4fb2f89ff1ad" elementFormDefault="qualified">
+    <xsd:import namespace="http://schemas.microsoft.com/office/2006/documentManagement/types"/>
+    <xsd:import namespace="http://schemas.microsoft.com/office/infopath/2007/PartnerControls"/>
+    <xsd:element name="MediaServiceMetadata" ma:index="8" nillable="true" ma:displayName="MediaServiceMetadata" ma:hidden="true" ma:internalName="MediaServiceMetadata" ma:readOnly="true">
+      <xsd:simpleType>
+        <xsd:restriction base="dms:Note"/>
+      </xsd:simpleType>
+    </xsd:element>
+    <xsd:element name="MediaServiceFastMetadata" ma:index="9" nillable="true" ma:displayName="MediaServiceFastMetadata" ma:hidden="true" ma:internalName="MediaServiceFastMetadata" ma:readOnly="true">
+      <xsd:simpleType>
+        <xsd:restriction base="dms:Note"/>
+      </xsd:simpleType>
+    </xsd:element>
+  </xsd:schema>
+  <xsd:schema xmlns="http://schemas.openxmlformats.org/package/2006/metadata/core-properties" xmlns:xsd="http://www.w3.org/2001/XMLSchema" xmlns:xsi="http://www.w3.org/2001/XMLSchema-instance" xmlns:dc="http://purl.org/dc/elements/1.1/" xmlns:dcterms="http://purl.org/dc/terms/" xmlns:odoc="http://schemas.microsoft.com/internal/obd" targetNamespace="http://schemas.openxmlformats.org/package/2006/metadata/core-properties" elementFormDefault="qualified" attributeFormDefault="unqualified" blockDefault="#all">
+    <xsd:import namespace="http://purl.org/dc/elements/1.1/" schemaLocation="http://dublincore.org/schemas/xmls/qdc/2003/04/02/dc.xsd"/>
+    <xsd:import namespace="http://purl.org/dc/terms/" schemaLocation="http://dublincore.org/schemas/xmls/qdc/2003/04/02/dcterms.xsd"/>
+    <xsd:element name="coreProperties" type="CT_coreProperties"/>
+    <xsd:complexType name="CT_coreProperties">
+      <xsd:all>
+        <xsd:element ref="dc:creator" minOccurs="0" maxOccurs="1"/>
+        <xsd:element ref="dcterms:created" minOccurs="0" maxOccurs="1"/>
+        <xsd:element ref="dc:identifier" minOccurs="0" maxOccurs="1"/>
+        <xsd:element name="contentType" minOccurs="0" maxOccurs="1" type="xsd:string" ma:index="0" ma:displayName="Content Type"/>
+        <xsd:element ref="dc:title" minOccurs="0" maxOccurs="1" ma:index="4" ma:displayName="Title"/>
+        <xsd:element ref="dc:subject" minOccurs="0" maxOccurs="1"/>
+        <xsd:element ref="dc:description" minOccurs="0" maxOccurs="1"/>
+        <xsd:element name="keywords" minOccurs="0" maxOccurs="1" type="xsd:string"/>
+        <xsd:element ref="dc:language" minOccurs="0" maxOccurs="1"/>
+        <xsd:element name="category" minOccurs="0" maxOccurs="1" type="xsd:string"/>
+        <xsd:element name="version" minOccurs="0" maxOccurs="1" type="xsd:string"/>
+        <xsd:element name="revision" minOccurs="0" maxOccurs="1" type="xsd:string">
+          <xsd:annotation>
+            <xsd:documentation>
+                        This value indicates the number of saves or revisions. The application is responsible for updating this value after each revision.
+                    </xsd:documentation>
+          </xsd:annotation>
+        </xsd:element>
+        <xsd:element name="lastModifiedBy" minOccurs="0" maxOccurs="1" type="xsd:string"/>
+        <xsd:element ref="dcterms:modified" minOccurs="0" maxOccurs="1"/>
+        <xsd:element name="contentStatus" minOccurs="0" maxOccurs="1" type="xsd:string"/>
+      </xsd:all>
+    </xsd:complexType>
+  </xsd:schema>
+  <xs:schema xmlns:pc="http://schemas.microsoft.com/office/infopath/2007/PartnerControls" xmlns:xs="http://www.w3.org/2001/XMLSchema" targetNamespace="http://schemas.microsoft.com/office/infopath/2007/PartnerControls" elementFormDefault="qualified" attributeFormDefault="unqualified">
+    <xs:element name="Person">
+      <xs:complexType>
+        <xs:sequence>
+          <xs:element ref="pc:DisplayName" minOccurs="0"/>
+          <xs:element ref="pc:AccountId" minOccurs="0"/>
+          <xs:element ref="pc:AccountType" minOccurs="0"/>
+        </xs:sequence>
+      </xs:complexType>
+    </xs:element>
+    <xs:element name="DisplayName" type="xs:string"/>
+    <xs:element name="AccountId" type="xs:string"/>
+    <xs:element name="AccountType" type="xs:string"/>
+    <xs:element name="BDCAssociatedEntity">
+      <xs:complexType>
+        <xs:sequence>
+          <xs:element ref="pc:BDCEntity" minOccurs="0" maxOccurs="unbounded"/>
+        </xs:sequence>
+        <xs:attribute ref="pc:EntityNamespace"/>
+        <xs:attribute ref="pc:EntityName"/>
+        <xs:attribute ref="pc:SystemInstanceName"/>
+        <xs:attribute ref="pc:AssociationName"/>
+      </xs:complexType>
+    </xs:element>
+    <xs:attribute name="EntityNamespace" type="xs:string"/>
+    <xs:attribute name="EntityName" type="xs:string"/>
+    <xs:attribute name="SystemInstanceName" type="xs:string"/>
+    <xs:attribute name="AssociationName" type="xs:string"/>
+    <xs:element name="BDCEntity">
+      <xs:complexType>
+        <xs:sequence>
+          <xs:element ref="pc:EntityDisplayName" minOccurs="0"/>
+          <xs:element ref="pc:EntityInstanceReference" minOccurs="0"/>
+          <xs:element ref="pc:EntityId1" minOccurs="0"/>
+          <xs:element ref="pc:EntityId2" minOccurs="0"/>
+          <xs:element ref="pc:EntityId3" minOccurs="0"/>
+          <xs:element ref="pc:EntityId4" minOccurs="0"/>
+          <xs:element ref="pc:EntityId5" minOccurs="0"/>
+        </xs:sequence>
+      </xs:complexType>
+    </xs:element>
+    <xs:element name="EntityDisplayName" type="xs:string"/>
+    <xs:element name="EntityInstanceReference" type="xs:string"/>
+    <xs:element name="EntityId1" type="xs:string"/>
+    <xs:element name="EntityId2" type="xs:string"/>
+    <xs:element name="EntityId3" type="xs:string"/>
+    <xs:element name="EntityId4" type="xs:string"/>
+    <xs:element name="EntityId5" type="xs:string"/>
+    <xs:element name="Terms">
+      <xs:complexType>
+        <xs:sequence>
+          <xs:element ref="pc:TermInfo" minOccurs="0" maxOccurs="unbounded"/>
+        </xs:sequence>
+      </xs:complexType>
+    </xs:element>
+    <xs:element name="TermInfo">
+      <xs:complexType>
+        <xs:sequence>
+          <xs:element ref="pc:TermName" minOccurs="0"/>
+          <xs:element ref="pc:TermId" minOccurs="0"/>
+        </xs:sequence>
+      </xs:complexType>
+    </xs:element>
+    <xs:element name="TermName" type="xs:string"/>
+    <xs:element name="TermId" type="xs:string"/>
+  </xs:schema>
+</ct:contentTypeSchema>
+</file>
+
+<file path=customXml/itemProps1.xml><?xml version="1.0" encoding="utf-8"?>
+<ds:datastoreItem xmlns:ds="http://schemas.openxmlformats.org/officeDocument/2006/customXml" ds:itemID="{9DFD5F53-491B-427E-83BA-99E22925926B}">
+  <ds:schemaRefs>
+    <ds:schemaRef ds:uri="http://schemas.microsoft.com/sharepoint/v3/contenttype/forms"/>
+  </ds:schemaRefs>
+</ds:datastoreItem>
+</file>
+
+<file path=customXml/itemProps2.xml><?xml version="1.0" encoding="utf-8"?>
+<ds:datastoreItem xmlns:ds="http://schemas.openxmlformats.org/officeDocument/2006/customXml" ds:itemID="{D7DE1DEC-A7A6-4C05-AEAA-6A59B385C16E}">
+  <ds:schemaRefs>
+    <ds:schemaRef ds:uri="5852d601-1a7c-44b2-a899-4fb2f89ff1ad"/>
+    <ds:schemaRef ds:uri="http://purl.org/dc/dcmitype/"/>
+    <ds:schemaRef ds:uri="http://purl.org/dc/elements/1.1/"/>
+    <ds:schemaRef ds:uri="http://purl.org/dc/terms/"/>
+    <ds:schemaRef ds:uri="http://schemas.microsoft.com/office/2006/documentManagement/types"/>
+    <ds:schemaRef ds:uri="http://schemas.microsoft.com/office/2006/metadata/properties"/>
+    <ds:schemaRef ds:uri="http://schemas.microsoft.com/office/infopath/2007/PartnerControls"/>
+    <ds:schemaRef ds:uri="http://schemas.openxmlformats.org/package/2006/metadata/core-properties"/>
+    <ds:schemaRef ds:uri="http://www.w3.org/XML/1998/namespace"/>
+  </ds:schemaRefs>
+</ds:datastoreItem>
+</file>
+
+<file path=customXml/itemProps3.xml><?xml version="1.0" encoding="utf-8"?>
+<ds:datastoreItem xmlns:ds="http://schemas.openxmlformats.org/officeDocument/2006/customXml" ds:itemID="{932E0987-8FDF-451E-A435-B259B0E924CD}">
+  <ds:schemaRefs>
+    <ds:schemaRef ds:uri="5852d601-1a7c-44b2-a899-4fb2f89ff1ad"/>
+    <ds:schemaRef ds:uri="http://purl.org/dc/elements/1.1/"/>
+    <ds:schemaRef ds:uri="http://purl.org/dc/terms/"/>
+    <ds:schemaRef ds:uri="http://schemas.microsoft.com/internal/obd"/>
+    <ds:schemaRef ds:uri="http://schemas.microsoft.com/office/2006/documentManagement/types"/>
+    <ds:schemaRef ds:uri="http://schemas.microsoft.com/office/2006/metadata/contentType"/>
+    <ds:schemaRef ds:uri="http://schemas.microsoft.com/office/2006/metadata/properties"/>
+    <ds:schemaRef ds:uri="http://schemas.microsoft.com/office/2006/metadata/properties/metaAttributes"/>
+    <ds:schemaRef ds:uri="http://schemas.microsoft.com/office/infopath/2007/PartnerControls"/>
+    <ds:schemaRef ds:uri="http://schemas.openxmlformats.org/package/2006/metadata/core-properties"/>
+    <ds:schemaRef ds:uri="http://www.w3.org/2001/XMLSchema"/>
+  </ds:schemaRefs>
+</ds:datastoreItem>
 </file>